--- a/lesson/Game Programming with Elm 2016.pptx
+++ b/lesson/Game Programming with Elm 2016.pptx
@@ -5,39 +5,36 @@
     <p:sldMasterId id="2147483696" r:id="rId1"/>
   </p:sldMasterIdLst>
   <p:notesMasterIdLst>
-    <p:notesMasterId r:id="rId32"/>
+    <p:notesMasterId r:id="rId29"/>
   </p:notesMasterIdLst>
   <p:sldIdLst>
     <p:sldId id="256" r:id="rId2"/>
     <p:sldId id="270" r:id="rId3"/>
     <p:sldId id="264" r:id="rId4"/>
     <p:sldId id="271" r:id="rId5"/>
-    <p:sldId id="263" r:id="rId6"/>
-    <p:sldId id="257" r:id="rId7"/>
-    <p:sldId id="258" r:id="rId8"/>
+    <p:sldId id="257" r:id="rId6"/>
+    <p:sldId id="258" r:id="rId7"/>
+    <p:sldId id="263" r:id="rId8"/>
     <p:sldId id="272" r:id="rId9"/>
     <p:sldId id="273" r:id="rId10"/>
-    <p:sldId id="265" r:id="rId11"/>
-    <p:sldId id="274" r:id="rId12"/>
-    <p:sldId id="275" r:id="rId13"/>
-    <p:sldId id="269" r:id="rId14"/>
-    <p:sldId id="290" r:id="rId15"/>
-    <p:sldId id="268" r:id="rId16"/>
-    <p:sldId id="276" r:id="rId17"/>
-    <p:sldId id="279" r:id="rId18"/>
-    <p:sldId id="281" r:id="rId19"/>
-    <p:sldId id="259" r:id="rId20"/>
-    <p:sldId id="283" r:id="rId21"/>
-    <p:sldId id="285" r:id="rId22"/>
-    <p:sldId id="282" r:id="rId23"/>
-    <p:sldId id="260" r:id="rId24"/>
-    <p:sldId id="284" r:id="rId25"/>
-    <p:sldId id="287" r:id="rId26"/>
-    <p:sldId id="291" r:id="rId27"/>
-    <p:sldId id="288" r:id="rId28"/>
-    <p:sldId id="262" r:id="rId29"/>
-    <p:sldId id="261" r:id="rId30"/>
-    <p:sldId id="292" r:id="rId31"/>
+    <p:sldId id="274" r:id="rId11"/>
+    <p:sldId id="275" r:id="rId12"/>
+    <p:sldId id="269" r:id="rId13"/>
+    <p:sldId id="290" r:id="rId14"/>
+    <p:sldId id="276" r:id="rId15"/>
+    <p:sldId id="279" r:id="rId16"/>
+    <p:sldId id="281" r:id="rId17"/>
+    <p:sldId id="259" r:id="rId18"/>
+    <p:sldId id="283" r:id="rId19"/>
+    <p:sldId id="285" r:id="rId20"/>
+    <p:sldId id="282" r:id="rId21"/>
+    <p:sldId id="260" r:id="rId22"/>
+    <p:sldId id="284" r:id="rId23"/>
+    <p:sldId id="288" r:id="rId24"/>
+    <p:sldId id="262" r:id="rId25"/>
+    <p:sldId id="293" r:id="rId26"/>
+    <p:sldId id="261" r:id="rId27"/>
+    <p:sldId id="292" r:id="rId28"/>
   </p:sldIdLst>
   <p:sldSz cx="9144000" cy="6858000" type="screen4x3"/>
   <p:notesSz cx="6858000" cy="9144000"/>
@@ -137,6 +134,2694 @@
     </a:lvl9pPr>
   </p:defaultTextStyle>
 </p:presentation>
+</file>
+
+<file path=ppt/diagrams/colors1.xml><?xml version="1.0" encoding="utf-8"?>
+<dgm:colorsDef xmlns:dgm="http://schemas.openxmlformats.org/drawingml/2006/diagram" xmlns:a="http://schemas.openxmlformats.org/drawingml/2006/main" uniqueId="urn:microsoft.com/office/officeart/2005/8/colors/accent1_2">
+  <dgm:title val=""/>
+  <dgm:desc val=""/>
+  <dgm:catLst>
+    <dgm:cat type="accent1" pri="11200"/>
+  </dgm:catLst>
+  <dgm:styleLbl name="node0">
+    <dgm:fillClrLst meth="repeat">
+      <a:schemeClr val="accent1"/>
+    </dgm:fillClrLst>
+    <dgm:linClrLst meth="repeat">
+      <a:schemeClr val="lt1"/>
+    </dgm:linClrLst>
+    <dgm:effectClrLst/>
+    <dgm:txLinClrLst/>
+    <dgm:txFillClrLst/>
+    <dgm:txEffectClrLst/>
+  </dgm:styleLbl>
+  <dgm:styleLbl name="alignNode1">
+    <dgm:fillClrLst meth="repeat">
+      <a:schemeClr val="accent1"/>
+    </dgm:fillClrLst>
+    <dgm:linClrLst meth="repeat">
+      <a:schemeClr val="accent1"/>
+    </dgm:linClrLst>
+    <dgm:effectClrLst/>
+    <dgm:txLinClrLst/>
+    <dgm:txFillClrLst/>
+    <dgm:txEffectClrLst/>
+  </dgm:styleLbl>
+  <dgm:styleLbl name="node1">
+    <dgm:fillClrLst meth="repeat">
+      <a:schemeClr val="accent1"/>
+    </dgm:fillClrLst>
+    <dgm:linClrLst meth="repeat">
+      <a:schemeClr val="lt1"/>
+    </dgm:linClrLst>
+    <dgm:effectClrLst/>
+    <dgm:txLinClrLst/>
+    <dgm:txFillClrLst/>
+    <dgm:txEffectClrLst/>
+  </dgm:styleLbl>
+  <dgm:styleLbl name="lnNode1">
+    <dgm:fillClrLst meth="repeat">
+      <a:schemeClr val="accent1"/>
+    </dgm:fillClrLst>
+    <dgm:linClrLst meth="repeat">
+      <a:schemeClr val="lt1"/>
+    </dgm:linClrLst>
+    <dgm:effectClrLst/>
+    <dgm:txLinClrLst/>
+    <dgm:txFillClrLst/>
+    <dgm:txEffectClrLst/>
+  </dgm:styleLbl>
+  <dgm:styleLbl name="vennNode1">
+    <dgm:fillClrLst meth="repeat">
+      <a:schemeClr val="accent1">
+        <a:alpha val="50000"/>
+      </a:schemeClr>
+    </dgm:fillClrLst>
+    <dgm:linClrLst meth="repeat">
+      <a:schemeClr val="lt1"/>
+    </dgm:linClrLst>
+    <dgm:effectClrLst/>
+    <dgm:txLinClrLst/>
+    <dgm:txFillClrLst/>
+    <dgm:txEffectClrLst/>
+  </dgm:styleLbl>
+  <dgm:styleLbl name="node2">
+    <dgm:fillClrLst meth="repeat">
+      <a:schemeClr val="accent1"/>
+    </dgm:fillClrLst>
+    <dgm:linClrLst meth="repeat">
+      <a:schemeClr val="lt1"/>
+    </dgm:linClrLst>
+    <dgm:effectClrLst/>
+    <dgm:txLinClrLst/>
+    <dgm:txFillClrLst/>
+    <dgm:txEffectClrLst/>
+  </dgm:styleLbl>
+  <dgm:styleLbl name="node3">
+    <dgm:fillClrLst meth="repeat">
+      <a:schemeClr val="accent1"/>
+    </dgm:fillClrLst>
+    <dgm:linClrLst meth="repeat">
+      <a:schemeClr val="lt1"/>
+    </dgm:linClrLst>
+    <dgm:effectClrLst/>
+    <dgm:txLinClrLst/>
+    <dgm:txFillClrLst/>
+    <dgm:txEffectClrLst/>
+  </dgm:styleLbl>
+  <dgm:styleLbl name="node4">
+    <dgm:fillClrLst meth="repeat">
+      <a:schemeClr val="accent1"/>
+    </dgm:fillClrLst>
+    <dgm:linClrLst meth="repeat">
+      <a:schemeClr val="lt1"/>
+    </dgm:linClrLst>
+    <dgm:effectClrLst/>
+    <dgm:txLinClrLst/>
+    <dgm:txFillClrLst/>
+    <dgm:txEffectClrLst/>
+  </dgm:styleLbl>
+  <dgm:styleLbl name="fgImgPlace1">
+    <dgm:fillClrLst meth="repeat">
+      <a:schemeClr val="accent1">
+        <a:tint val="50000"/>
+      </a:schemeClr>
+    </dgm:fillClrLst>
+    <dgm:linClrLst meth="repeat">
+      <a:schemeClr val="lt1"/>
+    </dgm:linClrLst>
+    <dgm:effectClrLst/>
+    <dgm:txLinClrLst/>
+    <dgm:txFillClrLst meth="repeat">
+      <a:schemeClr val="lt1"/>
+    </dgm:txFillClrLst>
+    <dgm:txEffectClrLst/>
+  </dgm:styleLbl>
+  <dgm:styleLbl name="alignImgPlace1">
+    <dgm:fillClrLst meth="repeat">
+      <a:schemeClr val="accent1">
+        <a:tint val="50000"/>
+      </a:schemeClr>
+    </dgm:fillClrLst>
+    <dgm:linClrLst meth="repeat">
+      <a:schemeClr val="lt1"/>
+    </dgm:linClrLst>
+    <dgm:effectClrLst/>
+    <dgm:txLinClrLst/>
+    <dgm:txFillClrLst meth="repeat">
+      <a:schemeClr val="lt1"/>
+    </dgm:txFillClrLst>
+    <dgm:txEffectClrLst/>
+  </dgm:styleLbl>
+  <dgm:styleLbl name="bgImgPlace1">
+    <dgm:fillClrLst meth="repeat">
+      <a:schemeClr val="accent1">
+        <a:tint val="50000"/>
+      </a:schemeClr>
+    </dgm:fillClrLst>
+    <dgm:linClrLst meth="repeat">
+      <a:schemeClr val="lt1"/>
+    </dgm:linClrLst>
+    <dgm:effectClrLst/>
+    <dgm:txLinClrLst/>
+    <dgm:txFillClrLst meth="repeat">
+      <a:schemeClr val="lt1"/>
+    </dgm:txFillClrLst>
+    <dgm:txEffectClrLst/>
+  </dgm:styleLbl>
+  <dgm:styleLbl name="sibTrans2D1">
+    <dgm:fillClrLst meth="repeat">
+      <a:schemeClr val="accent1">
+        <a:tint val="60000"/>
+      </a:schemeClr>
+    </dgm:fillClrLst>
+    <dgm:linClrLst meth="repeat">
+      <a:schemeClr val="accent1">
+        <a:tint val="60000"/>
+      </a:schemeClr>
+    </dgm:linClrLst>
+    <dgm:effectClrLst/>
+    <dgm:txLinClrLst/>
+    <dgm:txFillClrLst/>
+    <dgm:txEffectClrLst/>
+  </dgm:styleLbl>
+  <dgm:styleLbl name="fgSibTrans2D1">
+    <dgm:fillClrLst meth="repeat">
+      <a:schemeClr val="accent1">
+        <a:tint val="60000"/>
+      </a:schemeClr>
+    </dgm:fillClrLst>
+    <dgm:linClrLst meth="repeat">
+      <a:schemeClr val="accent1">
+        <a:tint val="60000"/>
+      </a:schemeClr>
+    </dgm:linClrLst>
+    <dgm:effectClrLst/>
+    <dgm:txLinClrLst/>
+    <dgm:txFillClrLst/>
+    <dgm:txEffectClrLst/>
+  </dgm:styleLbl>
+  <dgm:styleLbl name="bgSibTrans2D1">
+    <dgm:fillClrLst meth="repeat">
+      <a:schemeClr val="accent1">
+        <a:tint val="60000"/>
+      </a:schemeClr>
+    </dgm:fillClrLst>
+    <dgm:linClrLst meth="repeat">
+      <a:schemeClr val="accent1">
+        <a:tint val="60000"/>
+      </a:schemeClr>
+    </dgm:linClrLst>
+    <dgm:effectClrLst/>
+    <dgm:txLinClrLst/>
+    <dgm:txFillClrLst/>
+    <dgm:txEffectClrLst/>
+  </dgm:styleLbl>
+  <dgm:styleLbl name="sibTrans1D1">
+    <dgm:fillClrLst meth="repeat">
+      <a:schemeClr val="accent1"/>
+    </dgm:fillClrLst>
+    <dgm:linClrLst meth="repeat">
+      <a:schemeClr val="accent1"/>
+    </dgm:linClrLst>
+    <dgm:effectClrLst/>
+    <dgm:txLinClrLst/>
+    <dgm:txFillClrLst meth="repeat">
+      <a:schemeClr val="tx1"/>
+    </dgm:txFillClrLst>
+    <dgm:txEffectClrLst/>
+  </dgm:styleLbl>
+  <dgm:styleLbl name="callout">
+    <dgm:fillClrLst meth="repeat">
+      <a:schemeClr val="accent1"/>
+    </dgm:fillClrLst>
+    <dgm:linClrLst meth="repeat">
+      <a:schemeClr val="accent1">
+        <a:tint val="50000"/>
+      </a:schemeClr>
+    </dgm:linClrLst>
+    <dgm:effectClrLst/>
+    <dgm:txLinClrLst/>
+    <dgm:txFillClrLst meth="repeat">
+      <a:schemeClr val="tx1"/>
+    </dgm:txFillClrLst>
+    <dgm:txEffectClrLst/>
+  </dgm:styleLbl>
+  <dgm:styleLbl name="asst0">
+    <dgm:fillClrLst meth="repeat">
+      <a:schemeClr val="accent1"/>
+    </dgm:fillClrLst>
+    <dgm:linClrLst meth="repeat">
+      <a:schemeClr val="lt1"/>
+    </dgm:linClrLst>
+    <dgm:effectClrLst/>
+    <dgm:txLinClrLst/>
+    <dgm:txFillClrLst/>
+    <dgm:txEffectClrLst/>
+  </dgm:styleLbl>
+  <dgm:styleLbl name="asst1">
+    <dgm:fillClrLst meth="repeat">
+      <a:schemeClr val="accent1"/>
+    </dgm:fillClrLst>
+    <dgm:linClrLst meth="repeat">
+      <a:schemeClr val="lt1"/>
+    </dgm:linClrLst>
+    <dgm:effectClrLst/>
+    <dgm:txLinClrLst/>
+    <dgm:txFillClrLst/>
+    <dgm:txEffectClrLst/>
+  </dgm:styleLbl>
+  <dgm:styleLbl name="asst2">
+    <dgm:fillClrLst meth="repeat">
+      <a:schemeClr val="accent1"/>
+    </dgm:fillClrLst>
+    <dgm:linClrLst meth="repeat">
+      <a:schemeClr val="lt1"/>
+    </dgm:linClrLst>
+    <dgm:effectClrLst/>
+    <dgm:txLinClrLst/>
+    <dgm:txFillClrLst/>
+    <dgm:txEffectClrLst/>
+  </dgm:styleLbl>
+  <dgm:styleLbl name="asst3">
+    <dgm:fillClrLst meth="repeat">
+      <a:schemeClr val="accent1"/>
+    </dgm:fillClrLst>
+    <dgm:linClrLst meth="repeat">
+      <a:schemeClr val="lt1"/>
+    </dgm:linClrLst>
+    <dgm:effectClrLst/>
+    <dgm:txLinClrLst/>
+    <dgm:txFillClrLst/>
+    <dgm:txEffectClrLst/>
+  </dgm:styleLbl>
+  <dgm:styleLbl name="asst4">
+    <dgm:fillClrLst meth="repeat">
+      <a:schemeClr val="accent1"/>
+    </dgm:fillClrLst>
+    <dgm:linClrLst meth="repeat">
+      <a:schemeClr val="lt1"/>
+    </dgm:linClrLst>
+    <dgm:effectClrLst/>
+    <dgm:txLinClrLst/>
+    <dgm:txFillClrLst/>
+    <dgm:txEffectClrLst/>
+  </dgm:styleLbl>
+  <dgm:styleLbl name="parChTrans2D1">
+    <dgm:fillClrLst meth="repeat">
+      <a:schemeClr val="accent1">
+        <a:tint val="60000"/>
+      </a:schemeClr>
+    </dgm:fillClrLst>
+    <dgm:linClrLst meth="repeat">
+      <a:schemeClr val="accent1">
+        <a:tint val="60000"/>
+      </a:schemeClr>
+    </dgm:linClrLst>
+    <dgm:effectClrLst/>
+    <dgm:txLinClrLst/>
+    <dgm:txFillClrLst meth="repeat">
+      <a:schemeClr val="lt1"/>
+    </dgm:txFillClrLst>
+    <dgm:txEffectClrLst/>
+  </dgm:styleLbl>
+  <dgm:styleLbl name="parChTrans2D2">
+    <dgm:fillClrLst meth="repeat">
+      <a:schemeClr val="accent1"/>
+    </dgm:fillClrLst>
+    <dgm:linClrLst meth="repeat">
+      <a:schemeClr val="accent1"/>
+    </dgm:linClrLst>
+    <dgm:effectClrLst/>
+    <dgm:txLinClrLst/>
+    <dgm:txFillClrLst meth="repeat">
+      <a:schemeClr val="lt1"/>
+    </dgm:txFillClrLst>
+    <dgm:txEffectClrLst/>
+  </dgm:styleLbl>
+  <dgm:styleLbl name="parChTrans2D3">
+    <dgm:fillClrLst meth="repeat">
+      <a:schemeClr val="accent1"/>
+    </dgm:fillClrLst>
+    <dgm:linClrLst meth="repeat">
+      <a:schemeClr val="accent1"/>
+    </dgm:linClrLst>
+    <dgm:effectClrLst/>
+    <dgm:txLinClrLst/>
+    <dgm:txFillClrLst meth="repeat">
+      <a:schemeClr val="lt1"/>
+    </dgm:txFillClrLst>
+    <dgm:txEffectClrLst/>
+  </dgm:styleLbl>
+  <dgm:styleLbl name="parChTrans2D4">
+    <dgm:fillClrLst meth="repeat">
+      <a:schemeClr val="accent1"/>
+    </dgm:fillClrLst>
+    <dgm:linClrLst meth="repeat">
+      <a:schemeClr val="accent1"/>
+    </dgm:linClrLst>
+    <dgm:effectClrLst/>
+    <dgm:txLinClrLst/>
+    <dgm:txFillClrLst meth="repeat">
+      <a:schemeClr val="lt1"/>
+    </dgm:txFillClrLst>
+    <dgm:txEffectClrLst/>
+  </dgm:styleLbl>
+  <dgm:styleLbl name="parChTrans1D1">
+    <dgm:fillClrLst meth="repeat">
+      <a:schemeClr val="accent1"/>
+    </dgm:fillClrLst>
+    <dgm:linClrLst meth="repeat">
+      <a:schemeClr val="accent1">
+        <a:shade val="60000"/>
+      </a:schemeClr>
+    </dgm:linClrLst>
+    <dgm:effectClrLst/>
+    <dgm:txLinClrLst/>
+    <dgm:txFillClrLst meth="repeat">
+      <a:schemeClr val="tx1"/>
+    </dgm:txFillClrLst>
+    <dgm:txEffectClrLst/>
+  </dgm:styleLbl>
+  <dgm:styleLbl name="parChTrans1D2">
+    <dgm:fillClrLst meth="repeat">
+      <a:schemeClr val="accent1"/>
+    </dgm:fillClrLst>
+    <dgm:linClrLst meth="repeat">
+      <a:schemeClr val="accent1">
+        <a:shade val="60000"/>
+      </a:schemeClr>
+    </dgm:linClrLst>
+    <dgm:effectClrLst/>
+    <dgm:txLinClrLst/>
+    <dgm:txFillClrLst meth="repeat">
+      <a:schemeClr val="tx1"/>
+    </dgm:txFillClrLst>
+    <dgm:txEffectClrLst/>
+  </dgm:styleLbl>
+  <dgm:styleLbl name="parChTrans1D3">
+    <dgm:fillClrLst meth="repeat">
+      <a:schemeClr val="accent1"/>
+    </dgm:fillClrLst>
+    <dgm:linClrLst meth="repeat">
+      <a:schemeClr val="accent1">
+        <a:shade val="80000"/>
+      </a:schemeClr>
+    </dgm:linClrLst>
+    <dgm:effectClrLst/>
+    <dgm:txLinClrLst/>
+    <dgm:txFillClrLst meth="repeat">
+      <a:schemeClr val="tx1"/>
+    </dgm:txFillClrLst>
+    <dgm:txEffectClrLst/>
+  </dgm:styleLbl>
+  <dgm:styleLbl name="parChTrans1D4">
+    <dgm:fillClrLst meth="repeat">
+      <a:schemeClr val="accent1"/>
+    </dgm:fillClrLst>
+    <dgm:linClrLst meth="repeat">
+      <a:schemeClr val="accent1">
+        <a:shade val="80000"/>
+      </a:schemeClr>
+    </dgm:linClrLst>
+    <dgm:effectClrLst/>
+    <dgm:txLinClrLst/>
+    <dgm:txFillClrLst meth="repeat">
+      <a:schemeClr val="tx1"/>
+    </dgm:txFillClrLst>
+    <dgm:txEffectClrLst/>
+  </dgm:styleLbl>
+  <dgm:styleLbl name="fgAcc1">
+    <dgm:fillClrLst meth="repeat">
+      <a:schemeClr val="lt1">
+        <a:alpha val="90000"/>
+      </a:schemeClr>
+    </dgm:fillClrLst>
+    <dgm:linClrLst meth="repeat">
+      <a:schemeClr val="accent1"/>
+    </dgm:linClrLst>
+    <dgm:effectClrLst/>
+    <dgm:txLinClrLst/>
+    <dgm:txFillClrLst meth="repeat">
+      <a:schemeClr val="dk1"/>
+    </dgm:txFillClrLst>
+    <dgm:txEffectClrLst/>
+  </dgm:styleLbl>
+  <dgm:styleLbl name="conFgAcc1">
+    <dgm:fillClrLst meth="repeat">
+      <a:schemeClr val="lt1">
+        <a:alpha val="90000"/>
+      </a:schemeClr>
+    </dgm:fillClrLst>
+    <dgm:linClrLst meth="repeat">
+      <a:schemeClr val="accent1"/>
+    </dgm:linClrLst>
+    <dgm:effectClrLst/>
+    <dgm:txLinClrLst/>
+    <dgm:txFillClrLst meth="repeat">
+      <a:schemeClr val="dk1"/>
+    </dgm:txFillClrLst>
+    <dgm:txEffectClrLst/>
+  </dgm:styleLbl>
+  <dgm:styleLbl name="alignAcc1">
+    <dgm:fillClrLst meth="repeat">
+      <a:schemeClr val="lt1">
+        <a:alpha val="90000"/>
+      </a:schemeClr>
+    </dgm:fillClrLst>
+    <dgm:linClrLst meth="repeat">
+      <a:schemeClr val="accent1"/>
+    </dgm:linClrLst>
+    <dgm:effectClrLst/>
+    <dgm:txLinClrLst/>
+    <dgm:txFillClrLst meth="repeat">
+      <a:schemeClr val="dk1"/>
+    </dgm:txFillClrLst>
+    <dgm:txEffectClrLst/>
+  </dgm:styleLbl>
+  <dgm:styleLbl name="trAlignAcc1">
+    <dgm:fillClrLst meth="repeat">
+      <a:schemeClr val="lt1">
+        <a:alpha val="40000"/>
+      </a:schemeClr>
+    </dgm:fillClrLst>
+    <dgm:linClrLst meth="repeat">
+      <a:schemeClr val="accent1"/>
+    </dgm:linClrLst>
+    <dgm:effectClrLst/>
+    <dgm:txLinClrLst/>
+    <dgm:txFillClrLst meth="repeat">
+      <a:schemeClr val="dk1"/>
+    </dgm:txFillClrLst>
+    <dgm:txEffectClrLst/>
+  </dgm:styleLbl>
+  <dgm:styleLbl name="bgAcc1">
+    <dgm:fillClrLst meth="repeat">
+      <a:schemeClr val="lt1">
+        <a:alpha val="90000"/>
+      </a:schemeClr>
+    </dgm:fillClrLst>
+    <dgm:linClrLst meth="repeat">
+      <a:schemeClr val="accent1"/>
+    </dgm:linClrLst>
+    <dgm:effectClrLst/>
+    <dgm:txLinClrLst/>
+    <dgm:txFillClrLst meth="repeat">
+      <a:schemeClr val="dk1"/>
+    </dgm:txFillClrLst>
+    <dgm:txEffectClrLst/>
+  </dgm:styleLbl>
+  <dgm:styleLbl name="solidFgAcc1">
+    <dgm:fillClrLst meth="repeat">
+      <a:schemeClr val="lt1"/>
+    </dgm:fillClrLst>
+    <dgm:linClrLst meth="repeat">
+      <a:schemeClr val="accent1"/>
+    </dgm:linClrLst>
+    <dgm:effectClrLst/>
+    <dgm:txLinClrLst/>
+    <dgm:txFillClrLst meth="repeat">
+      <a:schemeClr val="dk1"/>
+    </dgm:txFillClrLst>
+    <dgm:txEffectClrLst/>
+  </dgm:styleLbl>
+  <dgm:styleLbl name="solidAlignAcc1">
+    <dgm:fillClrLst meth="repeat">
+      <a:schemeClr val="lt1"/>
+    </dgm:fillClrLst>
+    <dgm:linClrLst meth="repeat">
+      <a:schemeClr val="accent1"/>
+    </dgm:linClrLst>
+    <dgm:effectClrLst/>
+    <dgm:txLinClrLst/>
+    <dgm:txFillClrLst meth="repeat">
+      <a:schemeClr val="dk1"/>
+    </dgm:txFillClrLst>
+    <dgm:txEffectClrLst/>
+  </dgm:styleLbl>
+  <dgm:styleLbl name="solidBgAcc1">
+    <dgm:fillClrLst meth="repeat">
+      <a:schemeClr val="lt1"/>
+    </dgm:fillClrLst>
+    <dgm:linClrLst meth="repeat">
+      <a:schemeClr val="accent1"/>
+    </dgm:linClrLst>
+    <dgm:effectClrLst/>
+    <dgm:txLinClrLst/>
+    <dgm:txFillClrLst meth="repeat">
+      <a:schemeClr val="dk1"/>
+    </dgm:txFillClrLst>
+    <dgm:txEffectClrLst/>
+  </dgm:styleLbl>
+  <dgm:styleLbl name="fgAccFollowNode1">
+    <dgm:fillClrLst meth="repeat">
+      <a:schemeClr val="accent1">
+        <a:alpha val="90000"/>
+        <a:tint val="40000"/>
+      </a:schemeClr>
+    </dgm:fillClrLst>
+    <dgm:linClrLst meth="repeat">
+      <a:schemeClr val="accent1">
+        <a:alpha val="90000"/>
+        <a:tint val="40000"/>
+      </a:schemeClr>
+    </dgm:linClrLst>
+    <dgm:effectClrLst/>
+    <dgm:txLinClrLst/>
+    <dgm:txFillClrLst meth="repeat">
+      <a:schemeClr val="dk1"/>
+    </dgm:txFillClrLst>
+    <dgm:txEffectClrLst/>
+  </dgm:styleLbl>
+  <dgm:styleLbl name="alignAccFollowNode1">
+    <dgm:fillClrLst meth="repeat">
+      <a:schemeClr val="accent1">
+        <a:alpha val="90000"/>
+        <a:tint val="40000"/>
+      </a:schemeClr>
+    </dgm:fillClrLst>
+    <dgm:linClrLst meth="repeat">
+      <a:schemeClr val="accent1">
+        <a:alpha val="90000"/>
+        <a:tint val="40000"/>
+      </a:schemeClr>
+    </dgm:linClrLst>
+    <dgm:effectClrLst/>
+    <dgm:txLinClrLst/>
+    <dgm:txFillClrLst meth="repeat">
+      <a:schemeClr val="dk1"/>
+    </dgm:txFillClrLst>
+    <dgm:txEffectClrLst/>
+  </dgm:styleLbl>
+  <dgm:styleLbl name="bgAccFollowNode1">
+    <dgm:fillClrLst meth="repeat">
+      <a:schemeClr val="accent1">
+        <a:alpha val="90000"/>
+        <a:tint val="40000"/>
+      </a:schemeClr>
+    </dgm:fillClrLst>
+    <dgm:linClrLst meth="repeat">
+      <a:schemeClr val="accent1">
+        <a:alpha val="90000"/>
+        <a:tint val="40000"/>
+      </a:schemeClr>
+    </dgm:linClrLst>
+    <dgm:effectClrLst/>
+    <dgm:txLinClrLst/>
+    <dgm:txFillClrLst meth="repeat">
+      <a:schemeClr val="dk1"/>
+    </dgm:txFillClrLst>
+    <dgm:txEffectClrLst/>
+  </dgm:styleLbl>
+  <dgm:styleLbl name="fgAcc0">
+    <dgm:fillClrLst meth="repeat">
+      <a:schemeClr val="lt1">
+        <a:alpha val="90000"/>
+      </a:schemeClr>
+    </dgm:fillClrLst>
+    <dgm:linClrLst meth="repeat">
+      <a:schemeClr val="accent1"/>
+    </dgm:linClrLst>
+    <dgm:effectClrLst/>
+    <dgm:txLinClrLst/>
+    <dgm:txFillClrLst meth="repeat">
+      <a:schemeClr val="dk1"/>
+    </dgm:txFillClrLst>
+    <dgm:txEffectClrLst/>
+  </dgm:styleLbl>
+  <dgm:styleLbl name="fgAcc2">
+    <dgm:fillClrLst meth="repeat">
+      <a:schemeClr val="lt1">
+        <a:alpha val="90000"/>
+      </a:schemeClr>
+    </dgm:fillClrLst>
+    <dgm:linClrLst meth="repeat">
+      <a:schemeClr val="accent1"/>
+    </dgm:linClrLst>
+    <dgm:effectClrLst/>
+    <dgm:txLinClrLst/>
+    <dgm:txFillClrLst meth="repeat">
+      <a:schemeClr val="dk1"/>
+    </dgm:txFillClrLst>
+    <dgm:txEffectClrLst/>
+  </dgm:styleLbl>
+  <dgm:styleLbl name="fgAcc3">
+    <dgm:fillClrLst meth="repeat">
+      <a:schemeClr val="lt1">
+        <a:alpha val="90000"/>
+      </a:schemeClr>
+    </dgm:fillClrLst>
+    <dgm:linClrLst meth="repeat">
+      <a:schemeClr val="accent1"/>
+    </dgm:linClrLst>
+    <dgm:effectClrLst/>
+    <dgm:txLinClrLst/>
+    <dgm:txFillClrLst meth="repeat">
+      <a:schemeClr val="dk1"/>
+    </dgm:txFillClrLst>
+    <dgm:txEffectClrLst/>
+  </dgm:styleLbl>
+  <dgm:styleLbl name="fgAcc4">
+    <dgm:fillClrLst meth="repeat">
+      <a:schemeClr val="lt1">
+        <a:alpha val="90000"/>
+      </a:schemeClr>
+    </dgm:fillClrLst>
+    <dgm:linClrLst meth="repeat">
+      <a:schemeClr val="accent1"/>
+    </dgm:linClrLst>
+    <dgm:effectClrLst/>
+    <dgm:txLinClrLst/>
+    <dgm:txFillClrLst meth="repeat">
+      <a:schemeClr val="dk1"/>
+    </dgm:txFillClrLst>
+    <dgm:txEffectClrLst/>
+  </dgm:styleLbl>
+  <dgm:styleLbl name="bgShp">
+    <dgm:fillClrLst meth="repeat">
+      <a:schemeClr val="accent1">
+        <a:tint val="40000"/>
+      </a:schemeClr>
+    </dgm:fillClrLst>
+    <dgm:linClrLst meth="repeat">
+      <a:schemeClr val="accent1"/>
+    </dgm:linClrLst>
+    <dgm:effectClrLst/>
+    <dgm:txLinClrLst/>
+    <dgm:txFillClrLst meth="repeat">
+      <a:schemeClr val="dk1"/>
+    </dgm:txFillClrLst>
+    <dgm:txEffectClrLst/>
+  </dgm:styleLbl>
+  <dgm:styleLbl name="dkBgShp">
+    <dgm:fillClrLst meth="repeat">
+      <a:schemeClr val="accent1">
+        <a:shade val="80000"/>
+      </a:schemeClr>
+    </dgm:fillClrLst>
+    <dgm:linClrLst meth="repeat">
+      <a:schemeClr val="accent1"/>
+    </dgm:linClrLst>
+    <dgm:effectClrLst/>
+    <dgm:txLinClrLst/>
+    <dgm:txFillClrLst meth="repeat">
+      <a:schemeClr val="lt1"/>
+    </dgm:txFillClrLst>
+    <dgm:txEffectClrLst/>
+  </dgm:styleLbl>
+  <dgm:styleLbl name="trBgShp">
+    <dgm:fillClrLst meth="repeat">
+      <a:schemeClr val="accent1">
+        <a:tint val="50000"/>
+        <a:alpha val="40000"/>
+      </a:schemeClr>
+    </dgm:fillClrLst>
+    <dgm:linClrLst meth="repeat">
+      <a:schemeClr val="accent1"/>
+    </dgm:linClrLst>
+    <dgm:effectClrLst/>
+    <dgm:txLinClrLst/>
+    <dgm:txFillClrLst meth="repeat">
+      <a:schemeClr val="lt1"/>
+    </dgm:txFillClrLst>
+    <dgm:txEffectClrLst/>
+  </dgm:styleLbl>
+  <dgm:styleLbl name="fgShp">
+    <dgm:fillClrLst meth="repeat">
+      <a:schemeClr val="accent1">
+        <a:tint val="60000"/>
+      </a:schemeClr>
+    </dgm:fillClrLst>
+    <dgm:linClrLst meth="repeat">
+      <a:schemeClr val="lt1"/>
+    </dgm:linClrLst>
+    <dgm:effectClrLst/>
+    <dgm:txLinClrLst/>
+    <dgm:txFillClrLst meth="repeat">
+      <a:schemeClr val="dk1"/>
+    </dgm:txFillClrLst>
+    <dgm:txEffectClrLst/>
+  </dgm:styleLbl>
+  <dgm:styleLbl name="revTx">
+    <dgm:fillClrLst meth="repeat">
+      <a:schemeClr val="lt1">
+        <a:alpha val="0"/>
+      </a:schemeClr>
+    </dgm:fillClrLst>
+    <dgm:linClrLst meth="repeat">
+      <a:schemeClr val="dk1">
+        <a:alpha val="0"/>
+      </a:schemeClr>
+    </dgm:linClrLst>
+    <dgm:effectClrLst/>
+    <dgm:txLinClrLst/>
+    <dgm:txFillClrLst meth="repeat">
+      <a:schemeClr val="tx1"/>
+    </dgm:txFillClrLst>
+    <dgm:txEffectClrLst/>
+  </dgm:styleLbl>
+</dgm:colorsDef>
+</file>
+
+<file path=ppt/diagrams/data1.xml><?xml version="1.0" encoding="utf-8"?>
+<dgm:dataModel xmlns:dgm="http://schemas.openxmlformats.org/drawingml/2006/diagram" xmlns:a="http://schemas.openxmlformats.org/drawingml/2006/main">
+  <dgm:ptLst>
+    <dgm:pt modelId="{84A8D5EC-4D03-4E88-A646-5FF798BA9C08}" type="doc">
+      <dgm:prSet loTypeId="urn:microsoft.com/office/officeart/2005/8/layout/cycle7" loCatId="cycle" qsTypeId="urn:microsoft.com/office/officeart/2005/8/quickstyle/simple1" qsCatId="simple" csTypeId="urn:microsoft.com/office/officeart/2005/8/colors/accent1_2" csCatId="accent1" phldr="1"/>
+      <dgm:spPr/>
+      <dgm:t>
+        <a:bodyPr/>
+        <a:lstStyle/>
+        <a:p>
+          <a:endParaRPr lang="en-US"/>
+        </a:p>
+      </dgm:t>
+    </dgm:pt>
+    <dgm:pt modelId="{AC9B378E-1FF7-4B17-9EDC-5E9DFFEE7467}">
+      <dgm:prSet phldrT="[Text]"/>
+      <dgm:spPr/>
+      <dgm:t>
+        <a:bodyPr/>
+        <a:lstStyle/>
+        <a:p>
+          <a:r>
+            <a:rPr lang="en-US" dirty="0" smtClean="0"/>
+            <a:t>Shape</a:t>
+          </a:r>
+          <a:endParaRPr lang="en-US" dirty="0"/>
+        </a:p>
+      </dgm:t>
+    </dgm:pt>
+    <dgm:pt modelId="{6658C5DB-6B40-4420-91B3-09F5CFF79FFD}" type="parTrans" cxnId="{AC4FA462-3E48-4902-96F0-0C07F86CA282}">
+      <dgm:prSet/>
+      <dgm:spPr/>
+      <dgm:t>
+        <a:bodyPr/>
+        <a:lstStyle/>
+        <a:p>
+          <a:endParaRPr lang="en-US"/>
+        </a:p>
+      </dgm:t>
+    </dgm:pt>
+    <dgm:pt modelId="{21BDC168-4422-45E7-A4F7-4F33ECFBE7C1}" type="sibTrans" cxnId="{AC4FA462-3E48-4902-96F0-0C07F86CA282}">
+      <dgm:prSet/>
+      <dgm:spPr/>
+      <dgm:t>
+        <a:bodyPr/>
+        <a:lstStyle/>
+        <a:p>
+          <a:endParaRPr lang="en-US"/>
+        </a:p>
+      </dgm:t>
+    </dgm:pt>
+    <dgm:pt modelId="{26ECB958-7923-45EB-8D44-0F0644EE8F0B}">
+      <dgm:prSet phldrT="[Text]"/>
+      <dgm:spPr/>
+      <dgm:t>
+        <a:bodyPr/>
+        <a:lstStyle/>
+        <a:p>
+          <a:r>
+            <a:rPr lang="en-US" dirty="0" smtClean="0"/>
+            <a:t>Element</a:t>
+          </a:r>
+        </a:p>
+        <a:p>
+          <a:r>
+            <a:rPr lang="en-US" dirty="0" smtClean="0"/>
+            <a:t>(what’s actually displayed)</a:t>
+          </a:r>
+          <a:endParaRPr lang="en-US" dirty="0"/>
+        </a:p>
+      </dgm:t>
+    </dgm:pt>
+    <dgm:pt modelId="{55A0690F-1C3C-4402-A989-C28625AEA629}" type="parTrans" cxnId="{FDD20CA3-9C50-43A9-885B-D645A405C99B}">
+      <dgm:prSet/>
+      <dgm:spPr/>
+      <dgm:t>
+        <a:bodyPr/>
+        <a:lstStyle/>
+        <a:p>
+          <a:endParaRPr lang="en-US"/>
+        </a:p>
+      </dgm:t>
+    </dgm:pt>
+    <dgm:pt modelId="{88D8CAB2-C308-4FF7-9BE7-38AC726A53E8}" type="sibTrans" cxnId="{FDD20CA3-9C50-43A9-885B-D645A405C99B}">
+      <dgm:prSet/>
+      <dgm:spPr/>
+      <dgm:t>
+        <a:bodyPr/>
+        <a:lstStyle/>
+        <a:p>
+          <a:endParaRPr lang="en-US"/>
+        </a:p>
+      </dgm:t>
+    </dgm:pt>
+    <dgm:pt modelId="{7F3E1870-8796-4D3A-9D79-DE787B2F98DC}">
+      <dgm:prSet phldrT="[Text]"/>
+      <dgm:spPr/>
+      <dgm:t>
+        <a:bodyPr/>
+        <a:lstStyle/>
+        <a:p>
+          <a:r>
+            <a:rPr lang="en-US" dirty="0" smtClean="0"/>
+            <a:t>Form</a:t>
+          </a:r>
+        </a:p>
+        <a:p>
+          <a:r>
+            <a:rPr lang="en-US" dirty="0" smtClean="0"/>
+            <a:t>(things with coordinates)</a:t>
+          </a:r>
+          <a:endParaRPr lang="en-US" dirty="0"/>
+        </a:p>
+      </dgm:t>
+    </dgm:pt>
+    <dgm:pt modelId="{70427FAD-8889-4C27-8938-82B2C0C47C31}" type="parTrans" cxnId="{4B4FCF2E-46F2-4DBA-8493-801FC9C95232}">
+      <dgm:prSet/>
+      <dgm:spPr/>
+      <dgm:t>
+        <a:bodyPr/>
+        <a:lstStyle/>
+        <a:p>
+          <a:endParaRPr lang="en-US"/>
+        </a:p>
+      </dgm:t>
+    </dgm:pt>
+    <dgm:pt modelId="{C5B36EFE-8510-42A7-BF64-A98FFB216239}" type="sibTrans" cxnId="{4B4FCF2E-46F2-4DBA-8493-801FC9C95232}">
+      <dgm:prSet/>
+      <dgm:spPr/>
+      <dgm:t>
+        <a:bodyPr/>
+        <a:lstStyle/>
+        <a:p>
+          <a:endParaRPr lang="en-US"/>
+        </a:p>
+      </dgm:t>
+    </dgm:pt>
+    <dgm:pt modelId="{AB16FFB1-90C5-482C-803B-039FE39CF97B}" type="pres">
+      <dgm:prSet presAssocID="{84A8D5EC-4D03-4E88-A646-5FF798BA9C08}" presName="Name0" presStyleCnt="0">
+        <dgm:presLayoutVars>
+          <dgm:dir/>
+          <dgm:resizeHandles val="exact"/>
+        </dgm:presLayoutVars>
+      </dgm:prSet>
+      <dgm:spPr/>
+    </dgm:pt>
+    <dgm:pt modelId="{9A88539F-621D-4A0E-B2A8-D05BBAE2CE54}" type="pres">
+      <dgm:prSet presAssocID="{AC9B378E-1FF7-4B17-9EDC-5E9DFFEE7467}" presName="node" presStyleLbl="node1" presStyleIdx="0" presStyleCnt="3">
+        <dgm:presLayoutVars>
+          <dgm:bulletEnabled val="1"/>
+        </dgm:presLayoutVars>
+      </dgm:prSet>
+      <dgm:spPr/>
+    </dgm:pt>
+    <dgm:pt modelId="{87F039DC-28F8-4495-A627-97771EF04FFF}" type="pres">
+      <dgm:prSet presAssocID="{21BDC168-4422-45E7-A4F7-4F33ECFBE7C1}" presName="sibTrans" presStyleLbl="sibTrans2D1" presStyleIdx="0" presStyleCnt="3"/>
+      <dgm:spPr/>
+    </dgm:pt>
+    <dgm:pt modelId="{B479D381-F084-4EBE-A457-6815251C1D2E}" type="pres">
+      <dgm:prSet presAssocID="{21BDC168-4422-45E7-A4F7-4F33ECFBE7C1}" presName="connectorText" presStyleLbl="sibTrans2D1" presStyleIdx="0" presStyleCnt="3"/>
+      <dgm:spPr/>
+    </dgm:pt>
+    <dgm:pt modelId="{0B9A2C76-780C-4C57-B830-D7E64D1F4D4D}" type="pres">
+      <dgm:prSet presAssocID="{26ECB958-7923-45EB-8D44-0F0644EE8F0B}" presName="node" presStyleLbl="node1" presStyleIdx="1" presStyleCnt="3">
+        <dgm:presLayoutVars>
+          <dgm:bulletEnabled val="1"/>
+        </dgm:presLayoutVars>
+      </dgm:prSet>
+      <dgm:spPr/>
+    </dgm:pt>
+    <dgm:pt modelId="{769584D1-32B9-4854-8B50-960D3471C7EC}" type="pres">
+      <dgm:prSet presAssocID="{88D8CAB2-C308-4FF7-9BE7-38AC726A53E8}" presName="sibTrans" presStyleLbl="sibTrans2D1" presStyleIdx="1" presStyleCnt="3"/>
+      <dgm:spPr/>
+    </dgm:pt>
+    <dgm:pt modelId="{88A442DD-BF87-4877-8B9A-CBDA2E19B38A}" type="pres">
+      <dgm:prSet presAssocID="{88D8CAB2-C308-4FF7-9BE7-38AC726A53E8}" presName="connectorText" presStyleLbl="sibTrans2D1" presStyleIdx="1" presStyleCnt="3"/>
+      <dgm:spPr/>
+    </dgm:pt>
+    <dgm:pt modelId="{097FC5CA-DB8F-445F-A276-1306B6A9A847}" type="pres">
+      <dgm:prSet presAssocID="{7F3E1870-8796-4D3A-9D79-DE787B2F98DC}" presName="node" presStyleLbl="node1" presStyleIdx="2" presStyleCnt="3">
+        <dgm:presLayoutVars>
+          <dgm:bulletEnabled val="1"/>
+        </dgm:presLayoutVars>
+      </dgm:prSet>
+      <dgm:spPr/>
+    </dgm:pt>
+    <dgm:pt modelId="{E83F40C2-2124-4C2D-B648-62CD2867904C}" type="pres">
+      <dgm:prSet presAssocID="{C5B36EFE-8510-42A7-BF64-A98FFB216239}" presName="sibTrans" presStyleLbl="sibTrans2D1" presStyleIdx="2" presStyleCnt="3"/>
+      <dgm:spPr/>
+    </dgm:pt>
+    <dgm:pt modelId="{4075E528-39E9-44C4-83CE-1222BE5684E4}" type="pres">
+      <dgm:prSet presAssocID="{C5B36EFE-8510-42A7-BF64-A98FFB216239}" presName="connectorText" presStyleLbl="sibTrans2D1" presStyleIdx="2" presStyleCnt="3"/>
+      <dgm:spPr/>
+    </dgm:pt>
+  </dgm:ptLst>
+  <dgm:cxnLst>
+    <dgm:cxn modelId="{AC4FA462-3E48-4902-96F0-0C07F86CA282}" srcId="{84A8D5EC-4D03-4E88-A646-5FF798BA9C08}" destId="{AC9B378E-1FF7-4B17-9EDC-5E9DFFEE7467}" srcOrd="0" destOrd="0" parTransId="{6658C5DB-6B40-4420-91B3-09F5CFF79FFD}" sibTransId="{21BDC168-4422-45E7-A4F7-4F33ECFBE7C1}"/>
+    <dgm:cxn modelId="{A3F34D3D-F6BB-4B13-BC70-B1DEFBA258DA}" type="presOf" srcId="{21BDC168-4422-45E7-A4F7-4F33ECFBE7C1}" destId="{B479D381-F084-4EBE-A457-6815251C1D2E}" srcOrd="1" destOrd="0" presId="urn:microsoft.com/office/officeart/2005/8/layout/cycle7"/>
+    <dgm:cxn modelId="{D96EDF47-BD73-4248-8AA0-74E4DA90DFEF}" type="presOf" srcId="{AC9B378E-1FF7-4B17-9EDC-5E9DFFEE7467}" destId="{9A88539F-621D-4A0E-B2A8-D05BBAE2CE54}" srcOrd="0" destOrd="0" presId="urn:microsoft.com/office/officeart/2005/8/layout/cycle7"/>
+    <dgm:cxn modelId="{894AFA92-C820-4723-994A-B3DE270F04CB}" type="presOf" srcId="{21BDC168-4422-45E7-A4F7-4F33ECFBE7C1}" destId="{87F039DC-28F8-4495-A627-97771EF04FFF}" srcOrd="0" destOrd="0" presId="urn:microsoft.com/office/officeart/2005/8/layout/cycle7"/>
+    <dgm:cxn modelId="{58BD35F3-990B-4C17-89BA-4D37E04E1DA8}" type="presOf" srcId="{84A8D5EC-4D03-4E88-A646-5FF798BA9C08}" destId="{AB16FFB1-90C5-482C-803B-039FE39CF97B}" srcOrd="0" destOrd="0" presId="urn:microsoft.com/office/officeart/2005/8/layout/cycle7"/>
+    <dgm:cxn modelId="{B8EF9A21-7BB9-4BEC-97A6-31983B1D3232}" type="presOf" srcId="{26ECB958-7923-45EB-8D44-0F0644EE8F0B}" destId="{0B9A2C76-780C-4C57-B830-D7E64D1F4D4D}" srcOrd="0" destOrd="0" presId="urn:microsoft.com/office/officeart/2005/8/layout/cycle7"/>
+    <dgm:cxn modelId="{26BFED2B-9165-411E-BB4B-F688FFBA8D7D}" type="presOf" srcId="{C5B36EFE-8510-42A7-BF64-A98FFB216239}" destId="{4075E528-39E9-44C4-83CE-1222BE5684E4}" srcOrd="1" destOrd="0" presId="urn:microsoft.com/office/officeart/2005/8/layout/cycle7"/>
+    <dgm:cxn modelId="{FDD20CA3-9C50-43A9-885B-D645A405C99B}" srcId="{84A8D5EC-4D03-4E88-A646-5FF798BA9C08}" destId="{26ECB958-7923-45EB-8D44-0F0644EE8F0B}" srcOrd="1" destOrd="0" parTransId="{55A0690F-1C3C-4402-A989-C28625AEA629}" sibTransId="{88D8CAB2-C308-4FF7-9BE7-38AC726A53E8}"/>
+    <dgm:cxn modelId="{CD6A08E8-1DF5-46BD-83F6-212B0302C093}" type="presOf" srcId="{88D8CAB2-C308-4FF7-9BE7-38AC726A53E8}" destId="{88A442DD-BF87-4877-8B9A-CBDA2E19B38A}" srcOrd="1" destOrd="0" presId="urn:microsoft.com/office/officeart/2005/8/layout/cycle7"/>
+    <dgm:cxn modelId="{4B4FCF2E-46F2-4DBA-8493-801FC9C95232}" srcId="{84A8D5EC-4D03-4E88-A646-5FF798BA9C08}" destId="{7F3E1870-8796-4D3A-9D79-DE787B2F98DC}" srcOrd="2" destOrd="0" parTransId="{70427FAD-8889-4C27-8938-82B2C0C47C31}" sibTransId="{C5B36EFE-8510-42A7-BF64-A98FFB216239}"/>
+    <dgm:cxn modelId="{28365CC6-29D2-4AD4-B0C7-EF841A1F0747}" type="presOf" srcId="{88D8CAB2-C308-4FF7-9BE7-38AC726A53E8}" destId="{769584D1-32B9-4854-8B50-960D3471C7EC}" srcOrd="0" destOrd="0" presId="urn:microsoft.com/office/officeart/2005/8/layout/cycle7"/>
+    <dgm:cxn modelId="{0535D376-5757-4FE0-A211-B35C50A127C2}" type="presOf" srcId="{7F3E1870-8796-4D3A-9D79-DE787B2F98DC}" destId="{097FC5CA-DB8F-445F-A276-1306B6A9A847}" srcOrd="0" destOrd="0" presId="urn:microsoft.com/office/officeart/2005/8/layout/cycle7"/>
+    <dgm:cxn modelId="{6D410899-FBFB-473E-BBA9-1C758E889963}" type="presOf" srcId="{C5B36EFE-8510-42A7-BF64-A98FFB216239}" destId="{E83F40C2-2124-4C2D-B648-62CD2867904C}" srcOrd="0" destOrd="0" presId="urn:microsoft.com/office/officeart/2005/8/layout/cycle7"/>
+    <dgm:cxn modelId="{0F96B8E1-FCE2-45D8-9CD6-BBEA42FD84B6}" type="presParOf" srcId="{AB16FFB1-90C5-482C-803B-039FE39CF97B}" destId="{9A88539F-621D-4A0E-B2A8-D05BBAE2CE54}" srcOrd="0" destOrd="0" presId="urn:microsoft.com/office/officeart/2005/8/layout/cycle7"/>
+    <dgm:cxn modelId="{4D527465-574D-4FBB-B60B-4A46D9C2C8DF}" type="presParOf" srcId="{AB16FFB1-90C5-482C-803B-039FE39CF97B}" destId="{87F039DC-28F8-4495-A627-97771EF04FFF}" srcOrd="1" destOrd="0" presId="urn:microsoft.com/office/officeart/2005/8/layout/cycle7"/>
+    <dgm:cxn modelId="{F55C14BD-C865-4084-9DE6-2526B79D4B9F}" type="presParOf" srcId="{87F039DC-28F8-4495-A627-97771EF04FFF}" destId="{B479D381-F084-4EBE-A457-6815251C1D2E}" srcOrd="0" destOrd="0" presId="urn:microsoft.com/office/officeart/2005/8/layout/cycle7"/>
+    <dgm:cxn modelId="{F1D36494-9A3A-41F2-968F-AF351E5C62FF}" type="presParOf" srcId="{AB16FFB1-90C5-482C-803B-039FE39CF97B}" destId="{0B9A2C76-780C-4C57-B830-D7E64D1F4D4D}" srcOrd="2" destOrd="0" presId="urn:microsoft.com/office/officeart/2005/8/layout/cycle7"/>
+    <dgm:cxn modelId="{F83CF16D-D115-46F5-8E70-1B65CA646039}" type="presParOf" srcId="{AB16FFB1-90C5-482C-803B-039FE39CF97B}" destId="{769584D1-32B9-4854-8B50-960D3471C7EC}" srcOrd="3" destOrd="0" presId="urn:microsoft.com/office/officeart/2005/8/layout/cycle7"/>
+    <dgm:cxn modelId="{C1130BE9-C308-4393-BAFF-11CABCC2A184}" type="presParOf" srcId="{769584D1-32B9-4854-8B50-960D3471C7EC}" destId="{88A442DD-BF87-4877-8B9A-CBDA2E19B38A}" srcOrd="0" destOrd="0" presId="urn:microsoft.com/office/officeart/2005/8/layout/cycle7"/>
+    <dgm:cxn modelId="{7CE32DF5-670E-47C4-801E-8C276FFAD4DB}" type="presParOf" srcId="{AB16FFB1-90C5-482C-803B-039FE39CF97B}" destId="{097FC5CA-DB8F-445F-A276-1306B6A9A847}" srcOrd="4" destOrd="0" presId="urn:microsoft.com/office/officeart/2005/8/layout/cycle7"/>
+    <dgm:cxn modelId="{03873872-36F3-41E6-8AC5-6B2E38278101}" type="presParOf" srcId="{AB16FFB1-90C5-482C-803B-039FE39CF97B}" destId="{E83F40C2-2124-4C2D-B648-62CD2867904C}" srcOrd="5" destOrd="0" presId="urn:microsoft.com/office/officeart/2005/8/layout/cycle7"/>
+    <dgm:cxn modelId="{00645FEF-7419-45E0-BC6F-2466D254AA0A}" type="presParOf" srcId="{E83F40C2-2124-4C2D-B648-62CD2867904C}" destId="{4075E528-39E9-44C4-83CE-1222BE5684E4}" srcOrd="0" destOrd="0" presId="urn:microsoft.com/office/officeart/2005/8/layout/cycle7"/>
+  </dgm:cxnLst>
+  <dgm:bg/>
+  <dgm:whole/>
+  <dgm:extLst>
+    <a:ext uri="http://schemas.microsoft.com/office/drawing/2008/diagram">
+      <dsp:dataModelExt xmlns:dsp="http://schemas.microsoft.com/office/drawing/2008/diagram" relId="rId6" minVer="http://schemas.openxmlformats.org/drawingml/2006/diagram"/>
+    </a:ext>
+  </dgm:extLst>
+</dgm:dataModel>
+</file>
+
+<file path=ppt/diagrams/drawing1.xml><?xml version="1.0" encoding="utf-8"?>
+<dsp:drawing xmlns:dgm="http://schemas.openxmlformats.org/drawingml/2006/diagram" xmlns:dsp="http://schemas.microsoft.com/office/drawing/2008/diagram" xmlns:a="http://schemas.openxmlformats.org/drawingml/2006/main">
+  <dsp:spTree>
+    <dsp:nvGrpSpPr>
+      <dsp:cNvPr id="0" name=""/>
+      <dsp:cNvGrpSpPr/>
+    </dsp:nvGrpSpPr>
+    <dsp:grpSpPr/>
+    <dsp:sp modelId="{9A88539F-621D-4A0E-B2A8-D05BBAE2CE54}">
+      <dsp:nvSpPr>
+        <dsp:cNvPr id="0" name=""/>
+        <dsp:cNvSpPr/>
+      </dsp:nvSpPr>
+      <dsp:spPr>
+        <a:xfrm>
+          <a:off x="2912212" y="1049"/>
+          <a:ext cx="2328974" cy="1164487"/>
+        </a:xfrm>
+        <a:prstGeom prst="roundRect">
+          <a:avLst>
+            <a:gd name="adj" fmla="val 10000"/>
+          </a:avLst>
+        </a:prstGeom>
+        <a:solidFill>
+          <a:schemeClr val="accent1">
+            <a:hueOff val="0"/>
+            <a:satOff val="0"/>
+            <a:lumOff val="0"/>
+            <a:alphaOff val="0"/>
+          </a:schemeClr>
+        </a:solidFill>
+        <a:ln w="19050" cap="flat" cmpd="sng" algn="ctr">
+          <a:solidFill>
+            <a:schemeClr val="lt1">
+              <a:hueOff val="0"/>
+              <a:satOff val="0"/>
+              <a:lumOff val="0"/>
+              <a:alphaOff val="0"/>
+            </a:schemeClr>
+          </a:solidFill>
+          <a:prstDash val="solid"/>
+        </a:ln>
+        <a:effectLst/>
+      </dsp:spPr>
+      <dsp:style>
+        <a:lnRef idx="2">
+          <a:scrgbClr r="0" g="0" b="0"/>
+        </a:lnRef>
+        <a:fillRef idx="1">
+          <a:scrgbClr r="0" g="0" b="0"/>
+        </a:fillRef>
+        <a:effectRef idx="0">
+          <a:scrgbClr r="0" g="0" b="0"/>
+        </a:effectRef>
+        <a:fontRef idx="minor">
+          <a:schemeClr val="lt1"/>
+        </a:fontRef>
+      </dsp:style>
+      <dsp:txBody>
+        <a:bodyPr spcFirstLastPara="0" vert="horz" wrap="square" lIns="83820" tIns="83820" rIns="83820" bIns="83820" numCol="1" spcCol="1270" anchor="ctr" anchorCtr="0">
+          <a:noAutofit/>
+        </a:bodyPr>
+        <a:lstStyle/>
+        <a:p>
+          <a:pPr lvl="0" algn="ctr" defTabSz="977900">
+            <a:lnSpc>
+              <a:spcPct val="90000"/>
+            </a:lnSpc>
+            <a:spcBef>
+              <a:spcPct val="0"/>
+            </a:spcBef>
+            <a:spcAft>
+              <a:spcPct val="35000"/>
+            </a:spcAft>
+          </a:pPr>
+          <a:r>
+            <a:rPr lang="en-US" sz="2200" kern="1200" dirty="0" smtClean="0"/>
+            <a:t>Shape</a:t>
+          </a:r>
+          <a:endParaRPr lang="en-US" sz="2200" kern="1200" dirty="0"/>
+        </a:p>
+      </dsp:txBody>
+      <dsp:txXfrm>
+        <a:off x="2946319" y="35156"/>
+        <a:ext cx="2260760" cy="1096273"/>
+      </dsp:txXfrm>
+    </dsp:sp>
+    <dsp:sp modelId="{87F039DC-28F8-4495-A627-97771EF04FFF}">
+      <dsp:nvSpPr>
+        <dsp:cNvPr id="0" name=""/>
+        <dsp:cNvSpPr/>
+      </dsp:nvSpPr>
+      <dsp:spPr>
+        <a:xfrm rot="3600000">
+          <a:off x="4431652" y="2044114"/>
+          <a:ext cx="1212216" cy="407570"/>
+        </a:xfrm>
+        <a:prstGeom prst="leftRightArrow">
+          <a:avLst>
+            <a:gd name="adj1" fmla="val 60000"/>
+            <a:gd name="adj2" fmla="val 50000"/>
+          </a:avLst>
+        </a:prstGeom>
+        <a:solidFill>
+          <a:schemeClr val="accent1">
+            <a:tint val="60000"/>
+            <a:hueOff val="0"/>
+            <a:satOff val="0"/>
+            <a:lumOff val="0"/>
+            <a:alphaOff val="0"/>
+          </a:schemeClr>
+        </a:solidFill>
+        <a:ln>
+          <a:noFill/>
+        </a:ln>
+        <a:effectLst/>
+      </dsp:spPr>
+      <dsp:style>
+        <a:lnRef idx="0">
+          <a:scrgbClr r="0" g="0" b="0"/>
+        </a:lnRef>
+        <a:fillRef idx="1">
+          <a:scrgbClr r="0" g="0" b="0"/>
+        </a:fillRef>
+        <a:effectRef idx="0">
+          <a:scrgbClr r="0" g="0" b="0"/>
+        </a:effectRef>
+        <a:fontRef idx="minor">
+          <a:schemeClr val="lt1"/>
+        </a:fontRef>
+      </dsp:style>
+      <dsp:txBody>
+        <a:bodyPr spcFirstLastPara="0" vert="horz" wrap="square" lIns="0" tIns="0" rIns="0" bIns="0" numCol="1" spcCol="1270" anchor="ctr" anchorCtr="0">
+          <a:noAutofit/>
+        </a:bodyPr>
+        <a:lstStyle/>
+        <a:p>
+          <a:pPr lvl="0" algn="ctr" defTabSz="755650">
+            <a:lnSpc>
+              <a:spcPct val="90000"/>
+            </a:lnSpc>
+            <a:spcBef>
+              <a:spcPct val="0"/>
+            </a:spcBef>
+            <a:spcAft>
+              <a:spcPct val="35000"/>
+            </a:spcAft>
+          </a:pPr>
+          <a:endParaRPr lang="en-US" sz="1700" kern="1200"/>
+        </a:p>
+      </dsp:txBody>
+      <dsp:txXfrm>
+        <a:off x="4553923" y="2125628"/>
+        <a:ext cx="967674" cy="244542"/>
+      </dsp:txXfrm>
+    </dsp:sp>
+    <dsp:sp modelId="{0B9A2C76-780C-4C57-B830-D7E64D1F4D4D}">
+      <dsp:nvSpPr>
+        <dsp:cNvPr id="0" name=""/>
+        <dsp:cNvSpPr/>
+      </dsp:nvSpPr>
+      <dsp:spPr>
+        <a:xfrm>
+          <a:off x="4834335" y="3330263"/>
+          <a:ext cx="2328974" cy="1164487"/>
+        </a:xfrm>
+        <a:prstGeom prst="roundRect">
+          <a:avLst>
+            <a:gd name="adj" fmla="val 10000"/>
+          </a:avLst>
+        </a:prstGeom>
+        <a:solidFill>
+          <a:schemeClr val="accent1">
+            <a:hueOff val="0"/>
+            <a:satOff val="0"/>
+            <a:lumOff val="0"/>
+            <a:alphaOff val="0"/>
+          </a:schemeClr>
+        </a:solidFill>
+        <a:ln w="19050" cap="flat" cmpd="sng" algn="ctr">
+          <a:solidFill>
+            <a:schemeClr val="lt1">
+              <a:hueOff val="0"/>
+              <a:satOff val="0"/>
+              <a:lumOff val="0"/>
+              <a:alphaOff val="0"/>
+            </a:schemeClr>
+          </a:solidFill>
+          <a:prstDash val="solid"/>
+        </a:ln>
+        <a:effectLst/>
+      </dsp:spPr>
+      <dsp:style>
+        <a:lnRef idx="2">
+          <a:scrgbClr r="0" g="0" b="0"/>
+        </a:lnRef>
+        <a:fillRef idx="1">
+          <a:scrgbClr r="0" g="0" b="0"/>
+        </a:fillRef>
+        <a:effectRef idx="0">
+          <a:scrgbClr r="0" g="0" b="0"/>
+        </a:effectRef>
+        <a:fontRef idx="minor">
+          <a:schemeClr val="lt1"/>
+        </a:fontRef>
+      </dsp:style>
+      <dsp:txBody>
+        <a:bodyPr spcFirstLastPara="0" vert="horz" wrap="square" lIns="83820" tIns="83820" rIns="83820" bIns="83820" numCol="1" spcCol="1270" anchor="ctr" anchorCtr="0">
+          <a:noAutofit/>
+        </a:bodyPr>
+        <a:lstStyle/>
+        <a:p>
+          <a:pPr lvl="0" algn="ctr" defTabSz="977900">
+            <a:lnSpc>
+              <a:spcPct val="90000"/>
+            </a:lnSpc>
+            <a:spcBef>
+              <a:spcPct val="0"/>
+            </a:spcBef>
+            <a:spcAft>
+              <a:spcPct val="35000"/>
+            </a:spcAft>
+          </a:pPr>
+          <a:r>
+            <a:rPr lang="en-US" sz="2200" kern="1200" dirty="0" smtClean="0"/>
+            <a:t>Element</a:t>
+          </a:r>
+        </a:p>
+        <a:p>
+          <a:pPr lvl="0" algn="ctr" defTabSz="977900">
+            <a:lnSpc>
+              <a:spcPct val="90000"/>
+            </a:lnSpc>
+            <a:spcBef>
+              <a:spcPct val="0"/>
+            </a:spcBef>
+            <a:spcAft>
+              <a:spcPct val="35000"/>
+            </a:spcAft>
+          </a:pPr>
+          <a:r>
+            <a:rPr lang="en-US" sz="2200" kern="1200" dirty="0" smtClean="0"/>
+            <a:t>(what’s actually displayed)</a:t>
+          </a:r>
+          <a:endParaRPr lang="en-US" sz="2200" kern="1200" dirty="0"/>
+        </a:p>
+      </dsp:txBody>
+      <dsp:txXfrm>
+        <a:off x="4868442" y="3364370"/>
+        <a:ext cx="2260760" cy="1096273"/>
+      </dsp:txXfrm>
+    </dsp:sp>
+    <dsp:sp modelId="{769584D1-32B9-4854-8B50-960D3471C7EC}">
+      <dsp:nvSpPr>
+        <dsp:cNvPr id="0" name=""/>
+        <dsp:cNvSpPr/>
+      </dsp:nvSpPr>
+      <dsp:spPr>
+        <a:xfrm rot="10800000">
+          <a:off x="3470591" y="3708721"/>
+          <a:ext cx="1212216" cy="407570"/>
+        </a:xfrm>
+        <a:prstGeom prst="leftRightArrow">
+          <a:avLst>
+            <a:gd name="adj1" fmla="val 60000"/>
+            <a:gd name="adj2" fmla="val 50000"/>
+          </a:avLst>
+        </a:prstGeom>
+        <a:solidFill>
+          <a:schemeClr val="accent1">
+            <a:tint val="60000"/>
+            <a:hueOff val="0"/>
+            <a:satOff val="0"/>
+            <a:lumOff val="0"/>
+            <a:alphaOff val="0"/>
+          </a:schemeClr>
+        </a:solidFill>
+        <a:ln>
+          <a:noFill/>
+        </a:ln>
+        <a:effectLst/>
+      </dsp:spPr>
+      <dsp:style>
+        <a:lnRef idx="0">
+          <a:scrgbClr r="0" g="0" b="0"/>
+        </a:lnRef>
+        <a:fillRef idx="1">
+          <a:scrgbClr r="0" g="0" b="0"/>
+        </a:fillRef>
+        <a:effectRef idx="0">
+          <a:scrgbClr r="0" g="0" b="0"/>
+        </a:effectRef>
+        <a:fontRef idx="minor">
+          <a:schemeClr val="lt1"/>
+        </a:fontRef>
+      </dsp:style>
+      <dsp:txBody>
+        <a:bodyPr spcFirstLastPara="0" vert="horz" wrap="square" lIns="0" tIns="0" rIns="0" bIns="0" numCol="1" spcCol="1270" anchor="ctr" anchorCtr="0">
+          <a:noAutofit/>
+        </a:bodyPr>
+        <a:lstStyle/>
+        <a:p>
+          <a:pPr lvl="0" algn="ctr" defTabSz="755650">
+            <a:lnSpc>
+              <a:spcPct val="90000"/>
+            </a:lnSpc>
+            <a:spcBef>
+              <a:spcPct val="0"/>
+            </a:spcBef>
+            <a:spcAft>
+              <a:spcPct val="35000"/>
+            </a:spcAft>
+          </a:pPr>
+          <a:endParaRPr lang="en-US" sz="1700" kern="1200"/>
+        </a:p>
+      </dsp:txBody>
+      <dsp:txXfrm rot="10800000">
+        <a:off x="3592862" y="3790235"/>
+        <a:ext cx="967674" cy="244542"/>
+      </dsp:txXfrm>
+    </dsp:sp>
+    <dsp:sp modelId="{097FC5CA-DB8F-445F-A276-1306B6A9A847}">
+      <dsp:nvSpPr>
+        <dsp:cNvPr id="0" name=""/>
+        <dsp:cNvSpPr/>
+      </dsp:nvSpPr>
+      <dsp:spPr>
+        <a:xfrm>
+          <a:off x="990090" y="3330263"/>
+          <a:ext cx="2328974" cy="1164487"/>
+        </a:xfrm>
+        <a:prstGeom prst="roundRect">
+          <a:avLst>
+            <a:gd name="adj" fmla="val 10000"/>
+          </a:avLst>
+        </a:prstGeom>
+        <a:solidFill>
+          <a:schemeClr val="accent1">
+            <a:hueOff val="0"/>
+            <a:satOff val="0"/>
+            <a:lumOff val="0"/>
+            <a:alphaOff val="0"/>
+          </a:schemeClr>
+        </a:solidFill>
+        <a:ln w="19050" cap="flat" cmpd="sng" algn="ctr">
+          <a:solidFill>
+            <a:schemeClr val="lt1">
+              <a:hueOff val="0"/>
+              <a:satOff val="0"/>
+              <a:lumOff val="0"/>
+              <a:alphaOff val="0"/>
+            </a:schemeClr>
+          </a:solidFill>
+          <a:prstDash val="solid"/>
+        </a:ln>
+        <a:effectLst/>
+      </dsp:spPr>
+      <dsp:style>
+        <a:lnRef idx="2">
+          <a:scrgbClr r="0" g="0" b="0"/>
+        </a:lnRef>
+        <a:fillRef idx="1">
+          <a:scrgbClr r="0" g="0" b="0"/>
+        </a:fillRef>
+        <a:effectRef idx="0">
+          <a:scrgbClr r="0" g="0" b="0"/>
+        </a:effectRef>
+        <a:fontRef idx="minor">
+          <a:schemeClr val="lt1"/>
+        </a:fontRef>
+      </dsp:style>
+      <dsp:txBody>
+        <a:bodyPr spcFirstLastPara="0" vert="horz" wrap="square" lIns="83820" tIns="83820" rIns="83820" bIns="83820" numCol="1" spcCol="1270" anchor="ctr" anchorCtr="0">
+          <a:noAutofit/>
+        </a:bodyPr>
+        <a:lstStyle/>
+        <a:p>
+          <a:pPr lvl="0" algn="ctr" defTabSz="977900">
+            <a:lnSpc>
+              <a:spcPct val="90000"/>
+            </a:lnSpc>
+            <a:spcBef>
+              <a:spcPct val="0"/>
+            </a:spcBef>
+            <a:spcAft>
+              <a:spcPct val="35000"/>
+            </a:spcAft>
+          </a:pPr>
+          <a:r>
+            <a:rPr lang="en-US" sz="2200" kern="1200" dirty="0" smtClean="0"/>
+            <a:t>Form</a:t>
+          </a:r>
+        </a:p>
+        <a:p>
+          <a:pPr lvl="0" algn="ctr" defTabSz="977900">
+            <a:lnSpc>
+              <a:spcPct val="90000"/>
+            </a:lnSpc>
+            <a:spcBef>
+              <a:spcPct val="0"/>
+            </a:spcBef>
+            <a:spcAft>
+              <a:spcPct val="35000"/>
+            </a:spcAft>
+          </a:pPr>
+          <a:r>
+            <a:rPr lang="en-US" sz="2200" kern="1200" dirty="0" smtClean="0"/>
+            <a:t>(things with coordinates)</a:t>
+          </a:r>
+          <a:endParaRPr lang="en-US" sz="2200" kern="1200" dirty="0"/>
+        </a:p>
+      </dsp:txBody>
+      <dsp:txXfrm>
+        <a:off x="1024197" y="3364370"/>
+        <a:ext cx="2260760" cy="1096273"/>
+      </dsp:txXfrm>
+    </dsp:sp>
+    <dsp:sp modelId="{E83F40C2-2124-4C2D-B648-62CD2867904C}">
+      <dsp:nvSpPr>
+        <dsp:cNvPr id="0" name=""/>
+        <dsp:cNvSpPr/>
+      </dsp:nvSpPr>
+      <dsp:spPr>
+        <a:xfrm rot="18000000">
+          <a:off x="2509530" y="2044114"/>
+          <a:ext cx="1212216" cy="407570"/>
+        </a:xfrm>
+        <a:prstGeom prst="leftRightArrow">
+          <a:avLst>
+            <a:gd name="adj1" fmla="val 60000"/>
+            <a:gd name="adj2" fmla="val 50000"/>
+          </a:avLst>
+        </a:prstGeom>
+        <a:solidFill>
+          <a:schemeClr val="accent1">
+            <a:tint val="60000"/>
+            <a:hueOff val="0"/>
+            <a:satOff val="0"/>
+            <a:lumOff val="0"/>
+            <a:alphaOff val="0"/>
+          </a:schemeClr>
+        </a:solidFill>
+        <a:ln>
+          <a:noFill/>
+        </a:ln>
+        <a:effectLst/>
+      </dsp:spPr>
+      <dsp:style>
+        <a:lnRef idx="0">
+          <a:scrgbClr r="0" g="0" b="0"/>
+        </a:lnRef>
+        <a:fillRef idx="1">
+          <a:scrgbClr r="0" g="0" b="0"/>
+        </a:fillRef>
+        <a:effectRef idx="0">
+          <a:scrgbClr r="0" g="0" b="0"/>
+        </a:effectRef>
+        <a:fontRef idx="minor">
+          <a:schemeClr val="lt1"/>
+        </a:fontRef>
+      </dsp:style>
+      <dsp:txBody>
+        <a:bodyPr spcFirstLastPara="0" vert="horz" wrap="square" lIns="0" tIns="0" rIns="0" bIns="0" numCol="1" spcCol="1270" anchor="ctr" anchorCtr="0">
+          <a:noAutofit/>
+        </a:bodyPr>
+        <a:lstStyle/>
+        <a:p>
+          <a:pPr lvl="0" algn="ctr" defTabSz="755650">
+            <a:lnSpc>
+              <a:spcPct val="90000"/>
+            </a:lnSpc>
+            <a:spcBef>
+              <a:spcPct val="0"/>
+            </a:spcBef>
+            <a:spcAft>
+              <a:spcPct val="35000"/>
+            </a:spcAft>
+          </a:pPr>
+          <a:endParaRPr lang="en-US" sz="1700" kern="1200"/>
+        </a:p>
+      </dsp:txBody>
+      <dsp:txXfrm>
+        <a:off x="2631801" y="2125628"/>
+        <a:ext cx="967674" cy="244542"/>
+      </dsp:txXfrm>
+    </dsp:sp>
+  </dsp:spTree>
+</dsp:drawing>
+</file>
+
+<file path=ppt/diagrams/layout1.xml><?xml version="1.0" encoding="utf-8"?>
+<dgm:layoutDef xmlns:dgm="http://schemas.openxmlformats.org/drawingml/2006/diagram" xmlns:a="http://schemas.openxmlformats.org/drawingml/2006/main" uniqueId="urn:microsoft.com/office/officeart/2005/8/layout/cycle7">
+  <dgm:title val=""/>
+  <dgm:desc val=""/>
+  <dgm:catLst>
+    <dgm:cat type="cycle" pri="6000"/>
+  </dgm:catLst>
+  <dgm:sampData>
+    <dgm:dataModel>
+      <dgm:ptLst>
+        <dgm:pt modelId="0" type="doc"/>
+        <dgm:pt modelId="1">
+          <dgm:prSet phldr="1"/>
+        </dgm:pt>
+        <dgm:pt modelId="2">
+          <dgm:prSet phldr="1"/>
+        </dgm:pt>
+        <dgm:pt modelId="3">
+          <dgm:prSet phldr="1"/>
+        </dgm:pt>
+      </dgm:ptLst>
+      <dgm:cxnLst>
+        <dgm:cxn modelId="6" srcId="0" destId="1" srcOrd="0" destOrd="0"/>
+        <dgm:cxn modelId="7" srcId="0" destId="2" srcOrd="1" destOrd="0"/>
+        <dgm:cxn modelId="8" srcId="0" destId="3" srcOrd="2" destOrd="0"/>
+      </dgm:cxnLst>
+      <dgm:bg/>
+      <dgm:whole/>
+    </dgm:dataModel>
+  </dgm:sampData>
+  <dgm:styleData>
+    <dgm:dataModel>
+      <dgm:ptLst>
+        <dgm:pt modelId="0" type="doc"/>
+        <dgm:pt modelId="1"/>
+        <dgm:pt modelId="2"/>
+        <dgm:pt modelId="3"/>
+      </dgm:ptLst>
+      <dgm:cxnLst>
+        <dgm:cxn modelId="4" srcId="0" destId="1" srcOrd="0" destOrd="0"/>
+        <dgm:cxn modelId="5" srcId="0" destId="2" srcOrd="1" destOrd="0"/>
+        <dgm:cxn modelId="6" srcId="0" destId="3" srcOrd="2" destOrd="0"/>
+      </dgm:cxnLst>
+      <dgm:bg/>
+      <dgm:whole/>
+    </dgm:dataModel>
+  </dgm:styleData>
+  <dgm:clrData>
+    <dgm:dataModel>
+      <dgm:ptLst>
+        <dgm:pt modelId="0" type="doc"/>
+        <dgm:pt modelId="1"/>
+        <dgm:pt modelId="2"/>
+        <dgm:pt modelId="3"/>
+        <dgm:pt modelId="4"/>
+        <dgm:pt modelId="5"/>
+        <dgm:pt modelId="6"/>
+      </dgm:ptLst>
+      <dgm:cxnLst>
+        <dgm:cxn modelId="7" srcId="0" destId="1" srcOrd="0" destOrd="0"/>
+        <dgm:cxn modelId="8" srcId="0" destId="2" srcOrd="1" destOrd="0"/>
+        <dgm:cxn modelId="9" srcId="0" destId="3" srcOrd="2" destOrd="0"/>
+        <dgm:cxn modelId="10" srcId="0" destId="4" srcOrd="3" destOrd="0"/>
+        <dgm:cxn modelId="11" srcId="0" destId="5" srcOrd="4" destOrd="0"/>
+        <dgm:cxn modelId="12" srcId="0" destId="6" srcOrd="5" destOrd="0"/>
+      </dgm:cxnLst>
+      <dgm:bg/>
+      <dgm:whole/>
+    </dgm:dataModel>
+  </dgm:clrData>
+  <dgm:layoutNode name="Name0">
+    <dgm:varLst>
+      <dgm:dir/>
+      <dgm:resizeHandles val="exact"/>
+    </dgm:varLst>
+    <dgm:choose name="Name1">
+      <dgm:if name="Name2" func="var" arg="dir" op="equ" val="norm">
+        <dgm:alg type="cycle">
+          <dgm:param type="stAng" val="0"/>
+          <dgm:param type="spanAng" val="360"/>
+        </dgm:alg>
+      </dgm:if>
+      <dgm:else name="Name3">
+        <dgm:alg type="cycle">
+          <dgm:param type="stAng" val="0"/>
+          <dgm:param type="spanAng" val="-360"/>
+        </dgm:alg>
+      </dgm:else>
+    </dgm:choose>
+    <dgm:shape xmlns:r="http://schemas.openxmlformats.org/officeDocument/2006/relationships" r:blip="">
+      <dgm:adjLst/>
+    </dgm:shape>
+    <dgm:presOf/>
+    <dgm:constrLst>
+      <dgm:constr type="diam" refType="w"/>
+      <dgm:constr type="w" for="ch" ptType="node" refType="w"/>
+      <dgm:constr type="primFontSz" for="ch" ptType="node" op="equ" val="65"/>
+      <dgm:constr type="w" for="ch" forName="sibTrans" refType="w" refFor="ch" refPtType="node" op="equ" fact="0.35"/>
+      <dgm:constr type="connDist" for="ch" forName="sibTrans" op="equ"/>
+      <dgm:constr type="primFontSz" for="des" forName="connectorText" op="equ" val="55"/>
+      <dgm:constr type="primFontSz" for="des" forName="connectorText" refType="primFontSz" refFor="ch" refPtType="node" op="lte" fact="0.8"/>
+      <dgm:constr type="sibSp" refType="w" refFor="ch" refPtType="node" op="equ" fact="0.65"/>
+    </dgm:constrLst>
+    <dgm:ruleLst/>
+    <dgm:forEach name="nodesForEach" axis="ch" ptType="node">
+      <dgm:layoutNode name="node">
+        <dgm:varLst>
+          <dgm:bulletEnabled val="1"/>
+        </dgm:varLst>
+        <dgm:alg type="tx"/>
+        <dgm:shape xmlns:r="http://schemas.openxmlformats.org/officeDocument/2006/relationships" type="roundRect" r:blip="">
+          <dgm:adjLst>
+            <dgm:adj idx="1" val="0.1"/>
+          </dgm:adjLst>
+        </dgm:shape>
+        <dgm:presOf axis="desOrSelf" ptType="node"/>
+        <dgm:constrLst>
+          <dgm:constr type="h" refType="w" fact="0.5"/>
+          <dgm:constr type="tMarg" refType="primFontSz" fact="0.3"/>
+          <dgm:constr type="bMarg" refType="primFontSz" fact="0.3"/>
+          <dgm:constr type="lMarg" refType="primFontSz" fact="0.3"/>
+          <dgm:constr type="rMarg" refType="primFontSz" fact="0.3"/>
+        </dgm:constrLst>
+        <dgm:ruleLst>
+          <dgm:rule type="primFontSz" val="5" fact="NaN" max="NaN"/>
+        </dgm:ruleLst>
+      </dgm:layoutNode>
+      <dgm:choose name="Name4">
+        <dgm:if name="Name5" axis="par ch" ptType="doc node" func="cnt" op="gt" val="1">
+          <dgm:forEach name="sibTransForEach" axis="followSib" ptType="sibTrans" hideLastTrans="0" cnt="1">
+            <dgm:layoutNode name="sibTrans">
+              <dgm:choose name="Name6">
+                <dgm:if name="Name7" axis="par ch" ptType="doc node" func="posEven" op="equ" val="1">
+                  <dgm:alg type="conn">
+                    <dgm:param type="begPts" val="radial"/>
+                    <dgm:param type="endPts" val="radial"/>
+                    <dgm:param type="begSty" val="arr"/>
+                    <dgm:param type="endSty" val="arr"/>
+                  </dgm:alg>
+                </dgm:if>
+                <dgm:else name="Name8">
+                  <dgm:alg type="conn">
+                    <dgm:param type="begPts" val="auto"/>
+                    <dgm:param type="endPts" val="auto"/>
+                    <dgm:param type="begSty" val="arr"/>
+                    <dgm:param type="endSty" val="arr"/>
+                  </dgm:alg>
+                </dgm:else>
+              </dgm:choose>
+              <dgm:shape xmlns:r="http://schemas.openxmlformats.org/officeDocument/2006/relationships" type="conn" r:blip="">
+                <dgm:adjLst/>
+              </dgm:shape>
+              <dgm:presOf axis="self"/>
+              <dgm:constrLst>
+                <dgm:constr type="h" refType="w" fact="0.5"/>
+                <dgm:constr type="connDist"/>
+                <dgm:constr type="begPad" refType="connDist" fact="0.1"/>
+                <dgm:constr type="endPad" refType="connDist" fact="0.1"/>
+              </dgm:constrLst>
+              <dgm:ruleLst/>
+              <dgm:layoutNode name="connectorText">
+                <dgm:alg type="tx">
+                  <dgm:param type="autoTxRot" val="grav"/>
+                </dgm:alg>
+                <dgm:shape xmlns:r="http://schemas.openxmlformats.org/officeDocument/2006/relationships" type="conn" r:blip="" hideGeom="1">
+                  <dgm:adjLst/>
+                </dgm:shape>
+                <dgm:presOf axis="self"/>
+                <dgm:constrLst>
+                  <dgm:constr type="lMarg"/>
+                  <dgm:constr type="rMarg"/>
+                  <dgm:constr type="tMarg"/>
+                  <dgm:constr type="bMarg"/>
+                </dgm:constrLst>
+                <dgm:ruleLst>
+                  <dgm:rule type="primFontSz" val="5" fact="NaN" max="NaN"/>
+                </dgm:ruleLst>
+              </dgm:layoutNode>
+            </dgm:layoutNode>
+          </dgm:forEach>
+        </dgm:if>
+        <dgm:else name="Name9"/>
+      </dgm:choose>
+    </dgm:forEach>
+  </dgm:layoutNode>
+</dgm:layoutDef>
+</file>
+
+<file path=ppt/diagrams/quickStyle1.xml><?xml version="1.0" encoding="utf-8"?>
+<dgm:styleDef xmlns:dgm="http://schemas.openxmlformats.org/drawingml/2006/diagram" xmlns:a="http://schemas.openxmlformats.org/drawingml/2006/main" uniqueId="urn:microsoft.com/office/officeart/2005/8/quickstyle/simple1">
+  <dgm:title val=""/>
+  <dgm:desc val=""/>
+  <dgm:catLst>
+    <dgm:cat type="simple" pri="10100"/>
+  </dgm:catLst>
+  <dgm:scene3d>
+    <a:camera prst="orthographicFront"/>
+    <a:lightRig rig="threePt" dir="t"/>
+  </dgm:scene3d>
+  <dgm:styleLbl name="node0">
+    <dgm:scene3d>
+      <a:camera prst="orthographicFront"/>
+      <a:lightRig rig="threePt" dir="t"/>
+    </dgm:scene3d>
+    <dgm:sp3d/>
+    <dgm:txPr/>
+    <dgm:style>
+      <a:lnRef idx="2">
+        <a:scrgbClr r="0" g="0" b="0"/>
+      </a:lnRef>
+      <a:fillRef idx="1">
+        <a:scrgbClr r="0" g="0" b="0"/>
+      </a:fillRef>
+      <a:effectRef idx="0">
+        <a:scrgbClr r="0" g="0" b="0"/>
+      </a:effectRef>
+      <a:fontRef idx="minor">
+        <a:schemeClr val="lt1"/>
+      </a:fontRef>
+    </dgm:style>
+  </dgm:styleLbl>
+  <dgm:styleLbl name="lnNode1">
+    <dgm:scene3d>
+      <a:camera prst="orthographicFront"/>
+      <a:lightRig rig="threePt" dir="t"/>
+    </dgm:scene3d>
+    <dgm:sp3d/>
+    <dgm:txPr/>
+    <dgm:style>
+      <a:lnRef idx="2">
+        <a:scrgbClr r="0" g="0" b="0"/>
+      </a:lnRef>
+      <a:fillRef idx="1">
+        <a:scrgbClr r="0" g="0" b="0"/>
+      </a:fillRef>
+      <a:effectRef idx="0">
+        <a:scrgbClr r="0" g="0" b="0"/>
+      </a:effectRef>
+      <a:fontRef idx="minor">
+        <a:schemeClr val="lt1"/>
+      </a:fontRef>
+    </dgm:style>
+  </dgm:styleLbl>
+  <dgm:styleLbl name="vennNode1">
+    <dgm:scene3d>
+      <a:camera prst="orthographicFront"/>
+      <a:lightRig rig="threePt" dir="t"/>
+    </dgm:scene3d>
+    <dgm:sp3d/>
+    <dgm:txPr/>
+    <dgm:style>
+      <a:lnRef idx="2">
+        <a:scrgbClr r="0" g="0" b="0"/>
+      </a:lnRef>
+      <a:fillRef idx="1">
+        <a:scrgbClr r="0" g="0" b="0"/>
+      </a:fillRef>
+      <a:effectRef idx="0">
+        <a:scrgbClr r="0" g="0" b="0"/>
+      </a:effectRef>
+      <a:fontRef idx="minor">
+        <a:schemeClr val="tx1"/>
+      </a:fontRef>
+    </dgm:style>
+  </dgm:styleLbl>
+  <dgm:styleLbl name="alignNode1">
+    <dgm:scene3d>
+      <a:camera prst="orthographicFront"/>
+      <a:lightRig rig="threePt" dir="t"/>
+    </dgm:scene3d>
+    <dgm:sp3d/>
+    <dgm:txPr/>
+    <dgm:style>
+      <a:lnRef idx="2">
+        <a:scrgbClr r="0" g="0" b="0"/>
+      </a:lnRef>
+      <a:fillRef idx="1">
+        <a:scrgbClr r="0" g="0" b="0"/>
+      </a:fillRef>
+      <a:effectRef idx="0">
+        <a:scrgbClr r="0" g="0" b="0"/>
+      </a:effectRef>
+      <a:fontRef idx="minor">
+        <a:schemeClr val="lt1"/>
+      </a:fontRef>
+    </dgm:style>
+  </dgm:styleLbl>
+  <dgm:styleLbl name="node1">
+    <dgm:scene3d>
+      <a:camera prst="orthographicFront"/>
+      <a:lightRig rig="threePt" dir="t"/>
+    </dgm:scene3d>
+    <dgm:sp3d/>
+    <dgm:txPr/>
+    <dgm:style>
+      <a:lnRef idx="2">
+        <a:scrgbClr r="0" g="0" b="0"/>
+      </a:lnRef>
+      <a:fillRef idx="1">
+        <a:scrgbClr r="0" g="0" b="0"/>
+      </a:fillRef>
+      <a:effectRef idx="0">
+        <a:scrgbClr r="0" g="0" b="0"/>
+      </a:effectRef>
+      <a:fontRef idx="minor">
+        <a:schemeClr val="lt1"/>
+      </a:fontRef>
+    </dgm:style>
+  </dgm:styleLbl>
+  <dgm:styleLbl name="node2">
+    <dgm:scene3d>
+      <a:camera prst="orthographicFront"/>
+      <a:lightRig rig="threePt" dir="t"/>
+    </dgm:scene3d>
+    <dgm:sp3d/>
+    <dgm:txPr/>
+    <dgm:style>
+      <a:lnRef idx="2">
+        <a:scrgbClr r="0" g="0" b="0"/>
+      </a:lnRef>
+      <a:fillRef idx="1">
+        <a:scrgbClr r="0" g="0" b="0"/>
+      </a:fillRef>
+      <a:effectRef idx="0">
+        <a:scrgbClr r="0" g="0" b="0"/>
+      </a:effectRef>
+      <a:fontRef idx="minor">
+        <a:schemeClr val="lt1"/>
+      </a:fontRef>
+    </dgm:style>
+  </dgm:styleLbl>
+  <dgm:styleLbl name="node3">
+    <dgm:scene3d>
+      <a:camera prst="orthographicFront"/>
+      <a:lightRig rig="threePt" dir="t"/>
+    </dgm:scene3d>
+    <dgm:sp3d/>
+    <dgm:txPr/>
+    <dgm:style>
+      <a:lnRef idx="2">
+        <a:scrgbClr r="0" g="0" b="0"/>
+      </a:lnRef>
+      <a:fillRef idx="1">
+        <a:scrgbClr r="0" g="0" b="0"/>
+      </a:fillRef>
+      <a:effectRef idx="0">
+        <a:scrgbClr r="0" g="0" b="0"/>
+      </a:effectRef>
+      <a:fontRef idx="minor">
+        <a:schemeClr val="lt1"/>
+      </a:fontRef>
+    </dgm:style>
+  </dgm:styleLbl>
+  <dgm:styleLbl name="node4">
+    <dgm:scene3d>
+      <a:camera prst="orthographicFront"/>
+      <a:lightRig rig="threePt" dir="t"/>
+    </dgm:scene3d>
+    <dgm:sp3d/>
+    <dgm:txPr/>
+    <dgm:style>
+      <a:lnRef idx="2">
+        <a:scrgbClr r="0" g="0" b="0"/>
+      </a:lnRef>
+      <a:fillRef idx="1">
+        <a:scrgbClr r="0" g="0" b="0"/>
+      </a:fillRef>
+      <a:effectRef idx="0">
+        <a:scrgbClr r="0" g="0" b="0"/>
+      </a:effectRef>
+      <a:fontRef idx="minor">
+        <a:schemeClr val="lt1"/>
+      </a:fontRef>
+    </dgm:style>
+  </dgm:styleLbl>
+  <dgm:styleLbl name="fgImgPlace1">
+    <dgm:scene3d>
+      <a:camera prst="orthographicFront"/>
+      <a:lightRig rig="threePt" dir="t"/>
+    </dgm:scene3d>
+    <dgm:sp3d/>
+    <dgm:txPr/>
+    <dgm:style>
+      <a:lnRef idx="2">
+        <a:scrgbClr r="0" g="0" b="0"/>
+      </a:lnRef>
+      <a:fillRef idx="1">
+        <a:scrgbClr r="0" g="0" b="0"/>
+      </a:fillRef>
+      <a:effectRef idx="0">
+        <a:scrgbClr r="0" g="0" b="0"/>
+      </a:effectRef>
+      <a:fontRef idx="minor"/>
+    </dgm:style>
+  </dgm:styleLbl>
+  <dgm:styleLbl name="alignImgPlace1">
+    <dgm:scene3d>
+      <a:camera prst="orthographicFront"/>
+      <a:lightRig rig="threePt" dir="t"/>
+    </dgm:scene3d>
+    <dgm:sp3d/>
+    <dgm:txPr/>
+    <dgm:style>
+      <a:lnRef idx="2">
+        <a:scrgbClr r="0" g="0" b="0"/>
+      </a:lnRef>
+      <a:fillRef idx="1">
+        <a:scrgbClr r="0" g="0" b="0"/>
+      </a:fillRef>
+      <a:effectRef idx="0">
+        <a:scrgbClr r="0" g="0" b="0"/>
+      </a:effectRef>
+      <a:fontRef idx="minor"/>
+    </dgm:style>
+  </dgm:styleLbl>
+  <dgm:styleLbl name="bgImgPlace1">
+    <dgm:scene3d>
+      <a:camera prst="orthographicFront"/>
+      <a:lightRig rig="threePt" dir="t"/>
+    </dgm:scene3d>
+    <dgm:sp3d/>
+    <dgm:txPr/>
+    <dgm:style>
+      <a:lnRef idx="2">
+        <a:scrgbClr r="0" g="0" b="0"/>
+      </a:lnRef>
+      <a:fillRef idx="1">
+        <a:scrgbClr r="0" g="0" b="0"/>
+      </a:fillRef>
+      <a:effectRef idx="0">
+        <a:scrgbClr r="0" g="0" b="0"/>
+      </a:effectRef>
+      <a:fontRef idx="minor"/>
+    </dgm:style>
+  </dgm:styleLbl>
+  <dgm:styleLbl name="sibTrans2D1">
+    <dgm:scene3d>
+      <a:camera prst="orthographicFront"/>
+      <a:lightRig rig="threePt" dir="t"/>
+    </dgm:scene3d>
+    <dgm:sp3d/>
+    <dgm:txPr/>
+    <dgm:style>
+      <a:lnRef idx="0">
+        <a:scrgbClr r="0" g="0" b="0"/>
+      </a:lnRef>
+      <a:fillRef idx="1">
+        <a:scrgbClr r="0" g="0" b="0"/>
+      </a:fillRef>
+      <a:effectRef idx="0">
+        <a:scrgbClr r="0" g="0" b="0"/>
+      </a:effectRef>
+      <a:fontRef idx="minor">
+        <a:schemeClr val="lt1"/>
+      </a:fontRef>
+    </dgm:style>
+  </dgm:styleLbl>
+  <dgm:styleLbl name="fgSibTrans2D1">
+    <dgm:scene3d>
+      <a:camera prst="orthographicFront"/>
+      <a:lightRig rig="threePt" dir="t"/>
+    </dgm:scene3d>
+    <dgm:sp3d/>
+    <dgm:txPr/>
+    <dgm:style>
+      <a:lnRef idx="0">
+        <a:scrgbClr r="0" g="0" b="0"/>
+      </a:lnRef>
+      <a:fillRef idx="1">
+        <a:scrgbClr r="0" g="0" b="0"/>
+      </a:fillRef>
+      <a:effectRef idx="0">
+        <a:scrgbClr r="0" g="0" b="0"/>
+      </a:effectRef>
+      <a:fontRef idx="minor">
+        <a:schemeClr val="lt1"/>
+      </a:fontRef>
+    </dgm:style>
+  </dgm:styleLbl>
+  <dgm:styleLbl name="bgSibTrans2D1">
+    <dgm:scene3d>
+      <a:camera prst="orthographicFront"/>
+      <a:lightRig rig="threePt" dir="t"/>
+    </dgm:scene3d>
+    <dgm:sp3d/>
+    <dgm:txPr/>
+    <dgm:style>
+      <a:lnRef idx="0">
+        <a:scrgbClr r="0" g="0" b="0"/>
+      </a:lnRef>
+      <a:fillRef idx="1">
+        <a:scrgbClr r="0" g="0" b="0"/>
+      </a:fillRef>
+      <a:effectRef idx="0">
+        <a:scrgbClr r="0" g="0" b="0"/>
+      </a:effectRef>
+      <a:fontRef idx="minor">
+        <a:schemeClr val="lt1"/>
+      </a:fontRef>
+    </dgm:style>
+  </dgm:styleLbl>
+  <dgm:styleLbl name="sibTrans1D1">
+    <dgm:scene3d>
+      <a:camera prst="orthographicFront"/>
+      <a:lightRig rig="threePt" dir="t"/>
+    </dgm:scene3d>
+    <dgm:sp3d/>
+    <dgm:txPr/>
+    <dgm:style>
+      <a:lnRef idx="1">
+        <a:scrgbClr r="0" g="0" b="0"/>
+      </a:lnRef>
+      <a:fillRef idx="0">
+        <a:scrgbClr r="0" g="0" b="0"/>
+      </a:fillRef>
+      <a:effectRef idx="0">
+        <a:scrgbClr r="0" g="0" b="0"/>
+      </a:effectRef>
+      <a:fontRef idx="minor"/>
+    </dgm:style>
+  </dgm:styleLbl>
+  <dgm:styleLbl name="callout">
+    <dgm:scene3d>
+      <a:camera prst="orthographicFront"/>
+      <a:lightRig rig="threePt" dir="t"/>
+    </dgm:scene3d>
+    <dgm:sp3d/>
+    <dgm:txPr/>
+    <dgm:style>
+      <a:lnRef idx="2">
+        <a:scrgbClr r="0" g="0" b="0"/>
+      </a:lnRef>
+      <a:fillRef idx="1">
+        <a:scrgbClr r="0" g="0" b="0"/>
+      </a:fillRef>
+      <a:effectRef idx="0">
+        <a:scrgbClr r="0" g="0" b="0"/>
+      </a:effectRef>
+      <a:fontRef idx="minor"/>
+    </dgm:style>
+  </dgm:styleLbl>
+  <dgm:styleLbl name="asst0">
+    <dgm:scene3d>
+      <a:camera prst="orthographicFront"/>
+      <a:lightRig rig="threePt" dir="t"/>
+    </dgm:scene3d>
+    <dgm:sp3d/>
+    <dgm:txPr/>
+    <dgm:style>
+      <a:lnRef idx="2">
+        <a:scrgbClr r="0" g="0" b="0"/>
+      </a:lnRef>
+      <a:fillRef idx="1">
+        <a:scrgbClr r="0" g="0" b="0"/>
+      </a:fillRef>
+      <a:effectRef idx="0">
+        <a:scrgbClr r="0" g="0" b="0"/>
+      </a:effectRef>
+      <a:fontRef idx="minor">
+        <a:schemeClr val="lt1"/>
+      </a:fontRef>
+    </dgm:style>
+  </dgm:styleLbl>
+  <dgm:styleLbl name="asst1">
+    <dgm:scene3d>
+      <a:camera prst="orthographicFront"/>
+      <a:lightRig rig="threePt" dir="t"/>
+    </dgm:scene3d>
+    <dgm:sp3d/>
+    <dgm:txPr/>
+    <dgm:style>
+      <a:lnRef idx="2">
+        <a:scrgbClr r="0" g="0" b="0"/>
+      </a:lnRef>
+      <a:fillRef idx="1">
+        <a:scrgbClr r="0" g="0" b="0"/>
+      </a:fillRef>
+      <a:effectRef idx="0">
+        <a:scrgbClr r="0" g="0" b="0"/>
+      </a:effectRef>
+      <a:fontRef idx="minor">
+        <a:schemeClr val="lt1"/>
+      </a:fontRef>
+    </dgm:style>
+  </dgm:styleLbl>
+  <dgm:styleLbl name="asst2">
+    <dgm:scene3d>
+      <a:camera prst="orthographicFront"/>
+      <a:lightRig rig="threePt" dir="t"/>
+    </dgm:scene3d>
+    <dgm:sp3d/>
+    <dgm:txPr/>
+    <dgm:style>
+      <a:lnRef idx="2">
+        <a:scrgbClr r="0" g="0" b="0"/>
+      </a:lnRef>
+      <a:fillRef idx="1">
+        <a:scrgbClr r="0" g="0" b="0"/>
+      </a:fillRef>
+      <a:effectRef idx="0">
+        <a:scrgbClr r="0" g="0" b="0"/>
+      </a:effectRef>
+      <a:fontRef idx="minor">
+        <a:schemeClr val="lt1"/>
+      </a:fontRef>
+    </dgm:style>
+  </dgm:styleLbl>
+  <dgm:styleLbl name="asst3">
+    <dgm:scene3d>
+      <a:camera prst="orthographicFront"/>
+      <a:lightRig rig="threePt" dir="t"/>
+    </dgm:scene3d>
+    <dgm:sp3d/>
+    <dgm:txPr/>
+    <dgm:style>
+      <a:lnRef idx="2">
+        <a:scrgbClr r="0" g="0" b="0"/>
+      </a:lnRef>
+      <a:fillRef idx="1">
+        <a:scrgbClr r="0" g="0" b="0"/>
+      </a:fillRef>
+      <a:effectRef idx="0">
+        <a:scrgbClr r="0" g="0" b="0"/>
+      </a:effectRef>
+      <a:fontRef idx="minor">
+        <a:schemeClr val="lt1"/>
+      </a:fontRef>
+    </dgm:style>
+  </dgm:styleLbl>
+  <dgm:styleLbl name="asst4">
+    <dgm:scene3d>
+      <a:camera prst="orthographicFront"/>
+      <a:lightRig rig="threePt" dir="t"/>
+    </dgm:scene3d>
+    <dgm:sp3d/>
+    <dgm:txPr/>
+    <dgm:style>
+      <a:lnRef idx="2">
+        <a:scrgbClr r="0" g="0" b="0"/>
+      </a:lnRef>
+      <a:fillRef idx="1">
+        <a:scrgbClr r="0" g="0" b="0"/>
+      </a:fillRef>
+      <a:effectRef idx="0">
+        <a:scrgbClr r="0" g="0" b="0"/>
+      </a:effectRef>
+      <a:fontRef idx="minor">
+        <a:schemeClr val="lt1"/>
+      </a:fontRef>
+    </dgm:style>
+  </dgm:styleLbl>
+  <dgm:styleLbl name="parChTrans2D1">
+    <dgm:scene3d>
+      <a:camera prst="orthographicFront"/>
+      <a:lightRig rig="threePt" dir="t"/>
+    </dgm:scene3d>
+    <dgm:sp3d/>
+    <dgm:txPr/>
+    <dgm:style>
+      <a:lnRef idx="2">
+        <a:scrgbClr r="0" g="0" b="0"/>
+      </a:lnRef>
+      <a:fillRef idx="1">
+        <a:scrgbClr r="0" g="0" b="0"/>
+      </a:fillRef>
+      <a:effectRef idx="0">
+        <a:scrgbClr r="0" g="0" b="0"/>
+      </a:effectRef>
+      <a:fontRef idx="minor">
+        <a:schemeClr val="lt1"/>
+      </a:fontRef>
+    </dgm:style>
+  </dgm:styleLbl>
+  <dgm:styleLbl name="parChTrans2D2">
+    <dgm:scene3d>
+      <a:camera prst="orthographicFront"/>
+      <a:lightRig rig="threePt" dir="t"/>
+    </dgm:scene3d>
+    <dgm:sp3d/>
+    <dgm:txPr/>
+    <dgm:style>
+      <a:lnRef idx="2">
+        <a:scrgbClr r="0" g="0" b="0"/>
+      </a:lnRef>
+      <a:fillRef idx="1">
+        <a:scrgbClr r="0" g="0" b="0"/>
+      </a:fillRef>
+      <a:effectRef idx="0">
+        <a:scrgbClr r="0" g="0" b="0"/>
+      </a:effectRef>
+      <a:fontRef idx="minor">
+        <a:schemeClr val="lt1"/>
+      </a:fontRef>
+    </dgm:style>
+  </dgm:styleLbl>
+  <dgm:styleLbl name="parChTrans2D3">
+    <dgm:scene3d>
+      <a:camera prst="orthographicFront"/>
+      <a:lightRig rig="threePt" dir="t"/>
+    </dgm:scene3d>
+    <dgm:sp3d/>
+    <dgm:txPr/>
+    <dgm:style>
+      <a:lnRef idx="2">
+        <a:scrgbClr r="0" g="0" b="0"/>
+      </a:lnRef>
+      <a:fillRef idx="1">
+        <a:scrgbClr r="0" g="0" b="0"/>
+      </a:fillRef>
+      <a:effectRef idx="0">
+        <a:scrgbClr r="0" g="0" b="0"/>
+      </a:effectRef>
+      <a:fontRef idx="minor">
+        <a:schemeClr val="lt1"/>
+      </a:fontRef>
+    </dgm:style>
+  </dgm:styleLbl>
+  <dgm:styleLbl name="parChTrans2D4">
+    <dgm:scene3d>
+      <a:camera prst="orthographicFront"/>
+      <a:lightRig rig="threePt" dir="t"/>
+    </dgm:scene3d>
+    <dgm:sp3d/>
+    <dgm:txPr/>
+    <dgm:style>
+      <a:lnRef idx="2">
+        <a:scrgbClr r="0" g="0" b="0"/>
+      </a:lnRef>
+      <a:fillRef idx="1">
+        <a:scrgbClr r="0" g="0" b="0"/>
+      </a:fillRef>
+      <a:effectRef idx="0">
+        <a:scrgbClr r="0" g="0" b="0"/>
+      </a:effectRef>
+      <a:fontRef idx="minor">
+        <a:schemeClr val="lt1"/>
+      </a:fontRef>
+    </dgm:style>
+  </dgm:styleLbl>
+  <dgm:styleLbl name="parChTrans1D1">
+    <dgm:scene3d>
+      <a:camera prst="orthographicFront"/>
+      <a:lightRig rig="threePt" dir="t"/>
+    </dgm:scene3d>
+    <dgm:sp3d/>
+    <dgm:txPr/>
+    <dgm:style>
+      <a:lnRef idx="2">
+        <a:scrgbClr r="0" g="0" b="0"/>
+      </a:lnRef>
+      <a:fillRef idx="0">
+        <a:scrgbClr r="0" g="0" b="0"/>
+      </a:fillRef>
+      <a:effectRef idx="0">
+        <a:scrgbClr r="0" g="0" b="0"/>
+      </a:effectRef>
+      <a:fontRef idx="minor"/>
+    </dgm:style>
+  </dgm:styleLbl>
+  <dgm:styleLbl name="parChTrans1D2">
+    <dgm:scene3d>
+      <a:camera prst="orthographicFront"/>
+      <a:lightRig rig="threePt" dir="t"/>
+    </dgm:scene3d>
+    <dgm:sp3d/>
+    <dgm:txPr/>
+    <dgm:style>
+      <a:lnRef idx="2">
+        <a:scrgbClr r="0" g="0" b="0"/>
+      </a:lnRef>
+      <a:fillRef idx="0">
+        <a:scrgbClr r="0" g="0" b="0"/>
+      </a:fillRef>
+      <a:effectRef idx="0">
+        <a:scrgbClr r="0" g="0" b="0"/>
+      </a:effectRef>
+      <a:fontRef idx="minor"/>
+    </dgm:style>
+  </dgm:styleLbl>
+  <dgm:styleLbl name="parChTrans1D3">
+    <dgm:scene3d>
+      <a:camera prst="orthographicFront"/>
+      <a:lightRig rig="threePt" dir="t"/>
+    </dgm:scene3d>
+    <dgm:sp3d/>
+    <dgm:txPr/>
+    <dgm:style>
+      <a:lnRef idx="2">
+        <a:scrgbClr r="0" g="0" b="0"/>
+      </a:lnRef>
+      <a:fillRef idx="0">
+        <a:scrgbClr r="0" g="0" b="0"/>
+      </a:fillRef>
+      <a:effectRef idx="0">
+        <a:scrgbClr r="0" g="0" b="0"/>
+      </a:effectRef>
+      <a:fontRef idx="minor"/>
+    </dgm:style>
+  </dgm:styleLbl>
+  <dgm:styleLbl name="parChTrans1D4">
+    <dgm:scene3d>
+      <a:camera prst="orthographicFront"/>
+      <a:lightRig rig="threePt" dir="t"/>
+    </dgm:scene3d>
+    <dgm:sp3d/>
+    <dgm:txPr/>
+    <dgm:style>
+      <a:lnRef idx="2">
+        <a:scrgbClr r="0" g="0" b="0"/>
+      </a:lnRef>
+      <a:fillRef idx="0">
+        <a:scrgbClr r="0" g="0" b="0"/>
+      </a:fillRef>
+      <a:effectRef idx="0">
+        <a:scrgbClr r="0" g="0" b="0"/>
+      </a:effectRef>
+      <a:fontRef idx="minor"/>
+    </dgm:style>
+  </dgm:styleLbl>
+  <dgm:styleLbl name="fgAcc1">
+    <dgm:scene3d>
+      <a:camera prst="orthographicFront"/>
+      <a:lightRig rig="threePt" dir="t"/>
+    </dgm:scene3d>
+    <dgm:sp3d/>
+    <dgm:txPr/>
+    <dgm:style>
+      <a:lnRef idx="2">
+        <a:scrgbClr r="0" g="0" b="0"/>
+      </a:lnRef>
+      <a:fillRef idx="1">
+        <a:scrgbClr r="0" g="0" b="0"/>
+      </a:fillRef>
+      <a:effectRef idx="0">
+        <a:scrgbClr r="0" g="0" b="0"/>
+      </a:effectRef>
+      <a:fontRef idx="minor"/>
+    </dgm:style>
+  </dgm:styleLbl>
+  <dgm:styleLbl name="conFgAcc1">
+    <dgm:scene3d>
+      <a:camera prst="orthographicFront"/>
+      <a:lightRig rig="threePt" dir="t"/>
+    </dgm:scene3d>
+    <dgm:sp3d/>
+    <dgm:txPr/>
+    <dgm:style>
+      <a:lnRef idx="2">
+        <a:scrgbClr r="0" g="0" b="0"/>
+      </a:lnRef>
+      <a:fillRef idx="1">
+        <a:scrgbClr r="0" g="0" b="0"/>
+      </a:fillRef>
+      <a:effectRef idx="0">
+        <a:scrgbClr r="0" g="0" b="0"/>
+      </a:effectRef>
+      <a:fontRef idx="minor"/>
+    </dgm:style>
+  </dgm:styleLbl>
+  <dgm:styleLbl name="alignAcc1">
+    <dgm:scene3d>
+      <a:camera prst="orthographicFront"/>
+      <a:lightRig rig="threePt" dir="t"/>
+    </dgm:scene3d>
+    <dgm:sp3d/>
+    <dgm:txPr/>
+    <dgm:style>
+      <a:lnRef idx="2">
+        <a:scrgbClr r="0" g="0" b="0"/>
+      </a:lnRef>
+      <a:fillRef idx="1">
+        <a:scrgbClr r="0" g="0" b="0"/>
+      </a:fillRef>
+      <a:effectRef idx="0">
+        <a:scrgbClr r="0" g="0" b="0"/>
+      </a:effectRef>
+      <a:fontRef idx="minor"/>
+    </dgm:style>
+  </dgm:styleLbl>
+  <dgm:styleLbl name="trAlignAcc1">
+    <dgm:scene3d>
+      <a:camera prst="orthographicFront"/>
+      <a:lightRig rig="threePt" dir="t"/>
+    </dgm:scene3d>
+    <dgm:sp3d/>
+    <dgm:txPr/>
+    <dgm:style>
+      <a:lnRef idx="1">
+        <a:scrgbClr r="0" g="0" b="0"/>
+      </a:lnRef>
+      <a:fillRef idx="1">
+        <a:scrgbClr r="0" g="0" b="0"/>
+      </a:fillRef>
+      <a:effectRef idx="0">
+        <a:scrgbClr r="0" g="0" b="0"/>
+      </a:effectRef>
+      <a:fontRef idx="minor"/>
+    </dgm:style>
+  </dgm:styleLbl>
+  <dgm:styleLbl name="bgAcc1">
+    <dgm:scene3d>
+      <a:camera prst="orthographicFront"/>
+      <a:lightRig rig="threePt" dir="t"/>
+    </dgm:scene3d>
+    <dgm:sp3d/>
+    <dgm:txPr/>
+    <dgm:style>
+      <a:lnRef idx="2">
+        <a:scrgbClr r="0" g="0" b="0"/>
+      </a:lnRef>
+      <a:fillRef idx="1">
+        <a:scrgbClr r="0" g="0" b="0"/>
+      </a:fillRef>
+      <a:effectRef idx="0">
+        <a:scrgbClr r="0" g="0" b="0"/>
+      </a:effectRef>
+      <a:fontRef idx="minor"/>
+    </dgm:style>
+  </dgm:styleLbl>
+  <dgm:styleLbl name="solidFgAcc1">
+    <dgm:scene3d>
+      <a:camera prst="orthographicFront"/>
+      <a:lightRig rig="threePt" dir="t"/>
+    </dgm:scene3d>
+    <dgm:sp3d/>
+    <dgm:txPr/>
+    <dgm:style>
+      <a:lnRef idx="2">
+        <a:scrgbClr r="0" g="0" b="0"/>
+      </a:lnRef>
+      <a:fillRef idx="1">
+        <a:scrgbClr r="0" g="0" b="0"/>
+      </a:fillRef>
+      <a:effectRef idx="0">
+        <a:scrgbClr r="0" g="0" b="0"/>
+      </a:effectRef>
+      <a:fontRef idx="minor"/>
+    </dgm:style>
+  </dgm:styleLbl>
+  <dgm:styleLbl name="solidAlignAcc1">
+    <dgm:scene3d>
+      <a:camera prst="orthographicFront"/>
+      <a:lightRig rig="threePt" dir="t"/>
+    </dgm:scene3d>
+    <dgm:sp3d/>
+    <dgm:txPr/>
+    <dgm:style>
+      <a:lnRef idx="2">
+        <a:scrgbClr r="0" g="0" b="0"/>
+      </a:lnRef>
+      <a:fillRef idx="1">
+        <a:scrgbClr r="0" g="0" b="0"/>
+      </a:fillRef>
+      <a:effectRef idx="0">
+        <a:scrgbClr r="0" g="0" b="0"/>
+      </a:effectRef>
+      <a:fontRef idx="minor"/>
+    </dgm:style>
+  </dgm:styleLbl>
+  <dgm:styleLbl name="solidBgAcc1">
+    <dgm:scene3d>
+      <a:camera prst="orthographicFront"/>
+      <a:lightRig rig="threePt" dir="t"/>
+    </dgm:scene3d>
+    <dgm:sp3d/>
+    <dgm:txPr/>
+    <dgm:style>
+      <a:lnRef idx="2">
+        <a:scrgbClr r="0" g="0" b="0"/>
+      </a:lnRef>
+      <a:fillRef idx="1">
+        <a:scrgbClr r="0" g="0" b="0"/>
+      </a:fillRef>
+      <a:effectRef idx="0">
+        <a:scrgbClr r="0" g="0" b="0"/>
+      </a:effectRef>
+      <a:fontRef idx="minor"/>
+    </dgm:style>
+  </dgm:styleLbl>
+  <dgm:styleLbl name="fgAccFollowNode1">
+    <dgm:scene3d>
+      <a:camera prst="orthographicFront"/>
+      <a:lightRig rig="threePt" dir="t"/>
+    </dgm:scene3d>
+    <dgm:sp3d/>
+    <dgm:txPr/>
+    <dgm:style>
+      <a:lnRef idx="2">
+        <a:scrgbClr r="0" g="0" b="0"/>
+      </a:lnRef>
+      <a:fillRef idx="1">
+        <a:scrgbClr r="0" g="0" b="0"/>
+      </a:fillRef>
+      <a:effectRef idx="0">
+        <a:scrgbClr r="0" g="0" b="0"/>
+      </a:effectRef>
+      <a:fontRef idx="minor"/>
+    </dgm:style>
+  </dgm:styleLbl>
+  <dgm:styleLbl name="alignAccFollowNode1">
+    <dgm:scene3d>
+      <a:camera prst="orthographicFront"/>
+      <a:lightRig rig="threePt" dir="t"/>
+    </dgm:scene3d>
+    <dgm:sp3d/>
+    <dgm:txPr/>
+    <dgm:style>
+      <a:lnRef idx="2">
+        <a:scrgbClr r="0" g="0" b="0"/>
+      </a:lnRef>
+      <a:fillRef idx="1">
+        <a:scrgbClr r="0" g="0" b="0"/>
+      </a:fillRef>
+      <a:effectRef idx="0">
+        <a:scrgbClr r="0" g="0" b="0"/>
+      </a:effectRef>
+      <a:fontRef idx="minor"/>
+    </dgm:style>
+  </dgm:styleLbl>
+  <dgm:styleLbl name="bgAccFollowNode1">
+    <dgm:scene3d>
+      <a:camera prst="orthographicFront"/>
+      <a:lightRig rig="threePt" dir="t"/>
+    </dgm:scene3d>
+    <dgm:sp3d/>
+    <dgm:txPr/>
+    <dgm:style>
+      <a:lnRef idx="2">
+        <a:scrgbClr r="0" g="0" b="0"/>
+      </a:lnRef>
+      <a:fillRef idx="1">
+        <a:scrgbClr r="0" g="0" b="0"/>
+      </a:fillRef>
+      <a:effectRef idx="0">
+        <a:scrgbClr r="0" g="0" b="0"/>
+      </a:effectRef>
+      <a:fontRef idx="minor"/>
+    </dgm:style>
+  </dgm:styleLbl>
+  <dgm:styleLbl name="fgAcc0">
+    <dgm:scene3d>
+      <a:camera prst="orthographicFront"/>
+      <a:lightRig rig="threePt" dir="t"/>
+    </dgm:scene3d>
+    <dgm:sp3d/>
+    <dgm:txPr/>
+    <dgm:style>
+      <a:lnRef idx="2">
+        <a:scrgbClr r="0" g="0" b="0"/>
+      </a:lnRef>
+      <a:fillRef idx="1">
+        <a:scrgbClr r="0" g="0" b="0"/>
+      </a:fillRef>
+      <a:effectRef idx="0">
+        <a:scrgbClr r="0" g="0" b="0"/>
+      </a:effectRef>
+      <a:fontRef idx="minor"/>
+    </dgm:style>
+  </dgm:styleLbl>
+  <dgm:styleLbl name="fgAcc2">
+    <dgm:scene3d>
+      <a:camera prst="orthographicFront"/>
+      <a:lightRig rig="threePt" dir="t"/>
+    </dgm:scene3d>
+    <dgm:sp3d/>
+    <dgm:txPr/>
+    <dgm:style>
+      <a:lnRef idx="2">
+        <a:scrgbClr r="0" g="0" b="0"/>
+      </a:lnRef>
+      <a:fillRef idx="1">
+        <a:scrgbClr r="0" g="0" b="0"/>
+      </a:fillRef>
+      <a:effectRef idx="0">
+        <a:scrgbClr r="0" g="0" b="0"/>
+      </a:effectRef>
+      <a:fontRef idx="minor"/>
+    </dgm:style>
+  </dgm:styleLbl>
+  <dgm:styleLbl name="fgAcc3">
+    <dgm:scene3d>
+      <a:camera prst="orthographicFront"/>
+      <a:lightRig rig="threePt" dir="t"/>
+    </dgm:scene3d>
+    <dgm:sp3d/>
+    <dgm:txPr/>
+    <dgm:style>
+      <a:lnRef idx="2">
+        <a:scrgbClr r="0" g="0" b="0"/>
+      </a:lnRef>
+      <a:fillRef idx="1">
+        <a:scrgbClr r="0" g="0" b="0"/>
+      </a:fillRef>
+      <a:effectRef idx="0">
+        <a:scrgbClr r="0" g="0" b="0"/>
+      </a:effectRef>
+      <a:fontRef idx="minor"/>
+    </dgm:style>
+  </dgm:styleLbl>
+  <dgm:styleLbl name="fgAcc4">
+    <dgm:scene3d>
+      <a:camera prst="orthographicFront"/>
+      <a:lightRig rig="threePt" dir="t"/>
+    </dgm:scene3d>
+    <dgm:sp3d/>
+    <dgm:txPr/>
+    <dgm:style>
+      <a:lnRef idx="2">
+        <a:scrgbClr r="0" g="0" b="0"/>
+      </a:lnRef>
+      <a:fillRef idx="1">
+        <a:scrgbClr r="0" g="0" b="0"/>
+      </a:fillRef>
+      <a:effectRef idx="0">
+        <a:scrgbClr r="0" g="0" b="0"/>
+      </a:effectRef>
+      <a:fontRef idx="minor"/>
+    </dgm:style>
+  </dgm:styleLbl>
+  <dgm:styleLbl name="bgShp">
+    <dgm:scene3d>
+      <a:camera prst="orthographicFront"/>
+      <a:lightRig rig="threePt" dir="t"/>
+    </dgm:scene3d>
+    <dgm:sp3d/>
+    <dgm:txPr/>
+    <dgm:style>
+      <a:lnRef idx="0">
+        <a:scrgbClr r="0" g="0" b="0"/>
+      </a:lnRef>
+      <a:fillRef idx="1">
+        <a:scrgbClr r="0" g="0" b="0"/>
+      </a:fillRef>
+      <a:effectRef idx="0">
+        <a:scrgbClr r="0" g="0" b="0"/>
+      </a:effectRef>
+      <a:fontRef idx="minor"/>
+    </dgm:style>
+  </dgm:styleLbl>
+  <dgm:styleLbl name="dkBgShp">
+    <dgm:scene3d>
+      <a:camera prst="orthographicFront"/>
+      <a:lightRig rig="threePt" dir="t"/>
+    </dgm:scene3d>
+    <dgm:sp3d/>
+    <dgm:txPr/>
+    <dgm:style>
+      <a:lnRef idx="0">
+        <a:scrgbClr r="0" g="0" b="0"/>
+      </a:lnRef>
+      <a:fillRef idx="1">
+        <a:scrgbClr r="0" g="0" b="0"/>
+      </a:fillRef>
+      <a:effectRef idx="0">
+        <a:scrgbClr r="0" g="0" b="0"/>
+      </a:effectRef>
+      <a:fontRef idx="minor"/>
+    </dgm:style>
+  </dgm:styleLbl>
+  <dgm:styleLbl name="trBgShp">
+    <dgm:scene3d>
+      <a:camera prst="orthographicFront"/>
+      <a:lightRig rig="threePt" dir="t"/>
+    </dgm:scene3d>
+    <dgm:sp3d/>
+    <dgm:txPr/>
+    <dgm:style>
+      <a:lnRef idx="0">
+        <a:scrgbClr r="0" g="0" b="0"/>
+      </a:lnRef>
+      <a:fillRef idx="1">
+        <a:scrgbClr r="0" g="0" b="0"/>
+      </a:fillRef>
+      <a:effectRef idx="0">
+        <a:scrgbClr r="0" g="0" b="0"/>
+      </a:effectRef>
+      <a:fontRef idx="minor"/>
+    </dgm:style>
+  </dgm:styleLbl>
+  <dgm:styleLbl name="fgShp">
+    <dgm:scene3d>
+      <a:camera prst="orthographicFront"/>
+      <a:lightRig rig="threePt" dir="t"/>
+    </dgm:scene3d>
+    <dgm:sp3d/>
+    <dgm:txPr/>
+    <dgm:style>
+      <a:lnRef idx="2">
+        <a:scrgbClr r="0" g="0" b="0"/>
+      </a:lnRef>
+      <a:fillRef idx="1">
+        <a:scrgbClr r="0" g="0" b="0"/>
+      </a:fillRef>
+      <a:effectRef idx="0">
+        <a:scrgbClr r="0" g="0" b="0"/>
+      </a:effectRef>
+      <a:fontRef idx="minor"/>
+    </dgm:style>
+  </dgm:styleLbl>
+  <dgm:styleLbl name="revTx">
+    <dgm:scene3d>
+      <a:camera prst="orthographicFront"/>
+      <a:lightRig rig="threePt" dir="t"/>
+    </dgm:scene3d>
+    <dgm:sp3d/>
+    <dgm:txPr/>
+    <dgm:style>
+      <a:lnRef idx="0">
+        <a:scrgbClr r="0" g="0" b="0"/>
+      </a:lnRef>
+      <a:fillRef idx="0">
+        <a:scrgbClr r="0" g="0" b="0"/>
+      </a:fillRef>
+      <a:effectRef idx="0">
+        <a:scrgbClr r="0" g="0" b="0"/>
+      </a:effectRef>
+      <a:fontRef idx="minor"/>
+    </dgm:style>
+  </dgm:styleLbl>
+</dgm:styleDef>
 </file>
 
 <file path=ppt/notesMasters/notesMaster1.xml><?xml version="1.0" encoding="utf-8"?>
@@ -728,41 +3413,14 @@
           <a:bodyPr/>
           <a:lstStyle/>
           <a:p>
-            <a:pPr lvl="1"/>
             <a:r>
               <a:rPr lang="en-US" dirty="0" smtClean="0"/>
-              <a:t>map (\x -&gt; x+1) [1, 2, 3] gives [2, 3, 4]</a:t>
-            </a:r>
-          </a:p>
-          <a:p>
-            <a:r>
-              <a:rPr lang="en-US" dirty="0" smtClean="0"/>
-              <a:t>M</a:t>
-            </a:r>
-          </a:p>
-          <a:p>
-            <a:pPr lvl="1"/>
-            <a:r>
-              <a:rPr lang="en-US" dirty="0" err="1" smtClean="0"/>
-              <a:t>foldl</a:t>
-            </a:r>
-            <a:r>
-              <a:rPr lang="en-US" dirty="0" smtClean="0"/>
-              <a:t> (+) 0 [1, 2, 3] gives 6</a:t>
-            </a:r>
-          </a:p>
-          <a:p>
-            <a:pPr lvl="1"/>
-            <a:r>
-              <a:rPr lang="en-US" dirty="0" err="1" smtClean="0"/>
-              <a:t>foldl</a:t>
-            </a:r>
-            <a:r>
-              <a:rPr lang="en-US" dirty="0" smtClean="0"/>
-              <a:t> (\x y -&gt; if x then y + 1 else y) 0 [True, True, False, False, True]</a:t>
-            </a:r>
-          </a:p>
-          <a:p>
+              <a:t>TODO: need example</a:t>
+            </a:r>
+            <a:r>
+              <a:rPr lang="en-US" baseline="0" dirty="0" smtClean="0"/>
+              <a:t> like List a</a:t>
+            </a:r>
             <a:endParaRPr lang="en-US" dirty="0"/>
           </a:p>
         </p:txBody>
@@ -793,7 +3451,7 @@
     </p:spTree>
     <p:extLst>
       <p:ext uri="{BB962C8B-B14F-4D97-AF65-F5344CB8AC3E}">
-        <p14:creationId xmlns:p14="http://schemas.microsoft.com/office/powerpoint/2010/main" val="554600469"/>
+        <p14:creationId xmlns:p14="http://schemas.microsoft.com/office/powerpoint/2010/main" val="265579559"/>
       </p:ext>
     </p:extLst>
   </p:cSld>
@@ -847,42 +3505,6 @@
           <a:bodyPr/>
           <a:lstStyle/>
           <a:p>
-            <a:r>
-              <a:rPr lang="en-US" dirty="0" smtClean="0"/>
-              <a:t>scores : List </a:t>
-            </a:r>
-            <a:r>
-              <a:rPr lang="en-US" dirty="0" err="1" smtClean="0"/>
-              <a:t>Int</a:t>
-            </a:r>
-            <a:r>
-              <a:rPr lang="en-US" dirty="0" smtClean="0"/>
-              <a:t> (scores is a list of integers)</a:t>
-            </a:r>
-          </a:p>
-          <a:p>
-            <a:r>
-              <a:rPr lang="en-US" dirty="0" smtClean="0"/>
-              <a:t>average : List </a:t>
-            </a:r>
-            <a:r>
-              <a:rPr lang="en-US" dirty="0" err="1" smtClean="0"/>
-              <a:t>Int</a:t>
-            </a:r>
-            <a:r>
-              <a:rPr lang="en-US" dirty="0" smtClean="0"/>
-              <a:t> -&gt; </a:t>
-            </a:r>
-            <a:r>
-              <a:rPr lang="en-US" dirty="0" err="1" smtClean="0"/>
-              <a:t>Int</a:t>
-            </a:r>
-            <a:r>
-              <a:rPr lang="en-US" dirty="0" smtClean="0"/>
-              <a:t> (average takes a string of integers and returns an integer)</a:t>
-            </a:r>
-          </a:p>
-          <a:p>
             <a:endParaRPr lang="en-US" dirty="0"/>
           </a:p>
         </p:txBody>
@@ -904,7 +3526,7 @@
           <a:p>
             <a:fld id="{529F813A-BFB1-4657-BE8B-04D7D9CDD57C}" type="slidenum">
               <a:rPr lang="en-US" smtClean="0"/>
-              <a:t>15</a:t>
+              <a:t>14</a:t>
             </a:fld>
             <a:endParaRPr lang="en-US"/>
           </a:p>
@@ -913,7 +3535,7 @@
     </p:spTree>
     <p:extLst>
       <p:ext uri="{BB962C8B-B14F-4D97-AF65-F5344CB8AC3E}">
-        <p14:creationId xmlns:p14="http://schemas.microsoft.com/office/powerpoint/2010/main" val="2820932782"/>
+        <p14:creationId xmlns:p14="http://schemas.microsoft.com/office/powerpoint/2010/main" val="3703271410"/>
       </p:ext>
     </p:extLst>
   </p:cSld>
@@ -967,6 +3589,49 @@
           <a:bodyPr/>
           <a:lstStyle/>
           <a:p>
+            <a:r>
+              <a:rPr lang="en-US" dirty="0" smtClean="0"/>
+              <a:t>In</a:t>
+            </a:r>
+            <a:r>
+              <a:rPr lang="en-US" baseline="0" dirty="0" smtClean="0"/>
+              <a:t> programming, there’s way too many functions to remember. Instead, have a good idea in your head of what you want to do, and then look up the functions/syntax that you need.</a:t>
+            </a:r>
+          </a:p>
+          <a:p>
+            <a:r>
+              <a:rPr lang="en-US" dirty="0" smtClean="0">
+                <a:hlinkClick r:id="rId3"/>
+              </a:rPr>
+              <a:t>http://elm-lang.org/Examples.elm</a:t>
+            </a:r>
+            <a:r>
+              <a:rPr lang="en-US" dirty="0" smtClean="0"/>
+              <a:t> </a:t>
+            </a:r>
+          </a:p>
+          <a:p>
+            <a:r>
+              <a:rPr lang="en-US" dirty="0" smtClean="0"/>
+              <a:t>If you work in groups…</a:t>
+            </a:r>
+          </a:p>
+          <a:p>
+            <a:pPr lvl="1"/>
+            <a:r>
+              <a:rPr lang="en-US" dirty="0" smtClean="0"/>
+              <a:t>Use the </a:t>
+            </a:r>
+            <a:r>
+              <a:rPr lang="en-US" b="1" dirty="0" smtClean="0"/>
+              <a:t>modular nature</a:t>
+            </a:r>
+            <a:r>
+              <a:rPr lang="en-US" dirty="0" smtClean="0"/>
+              <a:t> of functional programming to divide up work!</a:t>
+            </a:r>
+          </a:p>
+          <a:p>
             <a:endParaRPr lang="en-US" dirty="0"/>
           </a:p>
         </p:txBody>
@@ -988,134 +3653,7 @@
           <a:p>
             <a:fld id="{529F813A-BFB1-4657-BE8B-04D7D9CDD57C}" type="slidenum">
               <a:rPr lang="en-US" smtClean="0"/>
-              <a:t>16</a:t>
-            </a:fld>
-            <a:endParaRPr lang="en-US"/>
-          </a:p>
-        </p:txBody>
-      </p:sp>
-    </p:spTree>
-    <p:extLst>
-      <p:ext uri="{BB962C8B-B14F-4D97-AF65-F5344CB8AC3E}">
-        <p14:creationId xmlns:p14="http://schemas.microsoft.com/office/powerpoint/2010/main" val="3703271410"/>
-      </p:ext>
-    </p:extLst>
-  </p:cSld>
-  <p:clrMapOvr>
-    <a:masterClrMapping/>
-  </p:clrMapOvr>
-</p:notes>
-</file>
-
-<file path=ppt/notesSlides/notesSlide13.xml><?xml version="1.0" encoding="utf-8"?>
-<p:notes xmlns:a="http://schemas.openxmlformats.org/drawingml/2006/main" xmlns:r="http://schemas.openxmlformats.org/officeDocument/2006/relationships" xmlns:p="http://schemas.openxmlformats.org/presentationml/2006/main">
-  <p:cSld>
-    <p:spTree>
-      <p:nvGrpSpPr>
-        <p:cNvPr id="1" name=""/>
-        <p:cNvGrpSpPr/>
-        <p:nvPr/>
-      </p:nvGrpSpPr>
-      <p:grpSpPr>
-        <a:xfrm>
-          <a:off x="0" y="0"/>
-          <a:ext cx="0" cy="0"/>
-          <a:chOff x="0" y="0"/>
-          <a:chExt cx="0" cy="0"/>
-        </a:xfrm>
-      </p:grpSpPr>
-      <p:sp>
-        <p:nvSpPr>
-          <p:cNvPr id="2" name="Slide Image Placeholder 1"/>
-          <p:cNvSpPr>
-            <a:spLocks noGrp="1" noRot="1" noChangeAspect="1"/>
-          </p:cNvSpPr>
-          <p:nvPr>
-            <p:ph type="sldImg"/>
-          </p:nvPr>
-        </p:nvSpPr>
-        <p:spPr/>
-      </p:sp>
-      <p:sp>
-        <p:nvSpPr>
-          <p:cNvPr id="3" name="Notes Placeholder 2"/>
-          <p:cNvSpPr>
-            <a:spLocks noGrp="1"/>
-          </p:cNvSpPr>
-          <p:nvPr>
-            <p:ph type="body" idx="1"/>
-          </p:nvPr>
-        </p:nvSpPr>
-        <p:spPr/>
-        <p:txBody>
-          <a:bodyPr/>
-          <a:lstStyle/>
-          <a:p>
-            <a:r>
-              <a:rPr lang="en-US" dirty="0" smtClean="0"/>
-              <a:t>In</a:t>
-            </a:r>
-            <a:r>
-              <a:rPr lang="en-US" baseline="0" dirty="0" smtClean="0"/>
-              <a:t> programming, there’s way too many functions to remember. Instead, have a good idea in your head of what you want to do, and then look up the functions/syntax that you need.</a:t>
-            </a:r>
-          </a:p>
-          <a:p>
-            <a:r>
-              <a:rPr lang="en-US" dirty="0" smtClean="0">
-                <a:hlinkClick r:id="rId3"/>
-              </a:rPr>
-              <a:t>http://elm-lang.org/Examples.elm</a:t>
-            </a:r>
-            <a:r>
-              <a:rPr lang="en-US" dirty="0" smtClean="0"/>
-              <a:t> </a:t>
-            </a:r>
-          </a:p>
-          <a:p>
-            <a:r>
-              <a:rPr lang="en-US" dirty="0" smtClean="0"/>
-              <a:t>If you work in groups…</a:t>
-            </a:r>
-          </a:p>
-          <a:p>
-            <a:pPr lvl="1"/>
-            <a:r>
-              <a:rPr lang="en-US" dirty="0" smtClean="0"/>
-              <a:t>Use the </a:t>
-            </a:r>
-            <a:r>
-              <a:rPr lang="en-US" b="1" dirty="0" smtClean="0"/>
-              <a:t>modular nature</a:t>
-            </a:r>
-            <a:r>
-              <a:rPr lang="en-US" dirty="0" smtClean="0"/>
-              <a:t> of functional programming to divide up work!</a:t>
-            </a:r>
-          </a:p>
-          <a:p>
-            <a:endParaRPr lang="en-US" dirty="0"/>
-          </a:p>
-        </p:txBody>
-      </p:sp>
-      <p:sp>
-        <p:nvSpPr>
-          <p:cNvPr id="4" name="Slide Number Placeholder 3"/>
-          <p:cNvSpPr>
-            <a:spLocks noGrp="1"/>
-          </p:cNvSpPr>
-          <p:nvPr>
-            <p:ph type="sldNum" sz="quarter" idx="10"/>
-          </p:nvPr>
-        </p:nvSpPr>
-        <p:spPr/>
-        <p:txBody>
-          <a:bodyPr/>
-          <a:lstStyle/>
-          <a:p>
-            <a:fld id="{529F813A-BFB1-4657-BE8B-04D7D9CDD57C}" type="slidenum">
-              <a:rPr lang="en-US" smtClean="0"/>
-              <a:t>29</a:t>
+              <a:t>26</a:t>
             </a:fld>
             <a:endParaRPr lang="en-US"/>
           </a:p>
@@ -1290,35 +3828,7 @@
           <a:bodyPr/>
           <a:lstStyle/>
           <a:p>
-            <a:r>
-              <a:rPr lang="en-US" dirty="0" smtClean="0"/>
-              <a:t>When people</a:t>
-            </a:r>
-            <a:r>
-              <a:rPr lang="en-US" baseline="0" dirty="0" smtClean="0"/>
-              <a:t> write apps in Elm, often they write part of it in Elm, part of it in another language, and when the program crashes, it’s the non-Elm part.</a:t>
-            </a:r>
-          </a:p>
-          <a:p>
-            <a:endParaRPr lang="en-US" baseline="0" dirty="0" smtClean="0"/>
-          </a:p>
-          <a:p>
-            <a:r>
-              <a:rPr lang="en-US" baseline="0" dirty="0" smtClean="0"/>
-              <a:t>Something about the language just makes the process of coding easier.</a:t>
-            </a:r>
-          </a:p>
-          <a:p>
-            <a:endParaRPr lang="en-US" baseline="0" dirty="0" smtClean="0"/>
-          </a:p>
-          <a:p>
-            <a:r>
-              <a:rPr lang="en-US" dirty="0" smtClean="0">
-                <a:hlinkClick r:id="rId3"/>
-              </a:rPr>
-              <a:t>http://localhost:8000/elm-examples/Mario.elm?debug</a:t>
-            </a:r>
-            <a:endParaRPr lang="en-US" baseline="0" dirty="0" smtClean="0"/>
+            <a:endParaRPr lang="en-US" dirty="0"/>
           </a:p>
         </p:txBody>
       </p:sp>
@@ -1348,7 +3858,7 @@
     </p:spTree>
     <p:extLst>
       <p:ext uri="{BB962C8B-B14F-4D97-AF65-F5344CB8AC3E}">
-        <p14:creationId xmlns:p14="http://schemas.microsoft.com/office/powerpoint/2010/main" val="2543642186"/>
+        <p14:creationId xmlns:p14="http://schemas.microsoft.com/office/powerpoint/2010/main" val="533495869"/>
       </p:ext>
     </p:extLst>
   </p:cSld>
@@ -1402,7 +3912,35 @@
           <a:bodyPr/>
           <a:lstStyle/>
           <a:p>
-            <a:endParaRPr lang="en-US" dirty="0"/>
+            <a:r>
+              <a:rPr lang="en-US" dirty="0" smtClean="0"/>
+              <a:t>When people</a:t>
+            </a:r>
+            <a:r>
+              <a:rPr lang="en-US" baseline="0" dirty="0" smtClean="0"/>
+              <a:t> write apps in Elm, often they write part of it in Elm, part of it in another language, and when the program crashes, it’s the non-Elm part.</a:t>
+            </a:r>
+          </a:p>
+          <a:p>
+            <a:endParaRPr lang="en-US" baseline="0" dirty="0" smtClean="0"/>
+          </a:p>
+          <a:p>
+            <a:r>
+              <a:rPr lang="en-US" baseline="0" dirty="0" smtClean="0"/>
+              <a:t>Something about the language just makes the process of coding easier.</a:t>
+            </a:r>
+          </a:p>
+          <a:p>
+            <a:endParaRPr lang="en-US" baseline="0" dirty="0" smtClean="0"/>
+          </a:p>
+          <a:p>
+            <a:r>
+              <a:rPr lang="en-US" dirty="0" smtClean="0">
+                <a:hlinkClick r:id="rId3"/>
+              </a:rPr>
+              <a:t>http://localhost:8000/elm-examples/Mario.elm?debug</a:t>
+            </a:r>
+            <a:endParaRPr lang="en-US" baseline="0" dirty="0" smtClean="0"/>
           </a:p>
         </p:txBody>
       </p:sp>
@@ -1423,7 +3961,7 @@
           <a:p>
             <a:fld id="{529F813A-BFB1-4657-BE8B-04D7D9CDD57C}" type="slidenum">
               <a:rPr lang="en-US" smtClean="0"/>
-              <a:t>6</a:t>
+              <a:t>7</a:t>
             </a:fld>
             <a:endParaRPr lang="en-US" dirty="0"/>
           </a:p>
@@ -1432,7 +3970,7 @@
     </p:spTree>
     <p:extLst>
       <p:ext uri="{BB962C8B-B14F-4D97-AF65-F5344CB8AC3E}">
-        <p14:creationId xmlns:p14="http://schemas.microsoft.com/office/powerpoint/2010/main" val="533495869"/>
+        <p14:creationId xmlns:p14="http://schemas.microsoft.com/office/powerpoint/2010/main" val="2543642186"/>
       </p:ext>
     </p:extLst>
   </p:cSld>
@@ -1605,8 +4143,76 @@
             </a:r>
             <a:r>
               <a:rPr lang="en-US" baseline="0" dirty="0" smtClean="0"/>
-              <a:t> program isn’t so much a list of commands as telling the computer how to obtain the result.</a:t>
-            </a:r>
+              <a:t> program isn’t so much a list of commands as telling the computer how to obtain the result</a:t>
+            </a:r>
+            <a:r>
+              <a:rPr lang="en-US" baseline="0" dirty="0" smtClean="0"/>
+              <a:t>.</a:t>
+            </a:r>
+          </a:p>
+          <a:p>
+            <a:pPr lvl="1"/>
+            <a:endParaRPr lang="en-US" baseline="0" dirty="0" smtClean="0"/>
+          </a:p>
+          <a:p>
+            <a:pPr lvl="1"/>
+            <a:r>
+              <a:rPr lang="en-US" dirty="0" smtClean="0"/>
+              <a:t>type Gender = Male | Female</a:t>
+            </a:r>
+          </a:p>
+          <a:p>
+            <a:pPr lvl="1"/>
+            <a:r>
+              <a:rPr lang="en-US" dirty="0" smtClean="0"/>
+              <a:t>type List a = Empty | Cons a (List a)</a:t>
+            </a:r>
+          </a:p>
+          <a:p>
+            <a:pPr lvl="1"/>
+            <a:endParaRPr lang="en-US" dirty="0" smtClean="0"/>
+          </a:p>
+          <a:p>
+            <a:pPr marL="457200" marR="0" lvl="1" indent="0" algn="l" defTabSz="914400" rtl="0" eaLnBrk="1" fontAlgn="auto" latinLnBrk="0" hangingPunct="1">
+              <a:lnSpc>
+                <a:spcPct val="100000"/>
+              </a:lnSpc>
+              <a:spcBef>
+                <a:spcPts val="0"/>
+              </a:spcBef>
+              <a:spcAft>
+                <a:spcPts val="0"/>
+              </a:spcAft>
+              <a:buClrTx/>
+              <a:buSzTx/>
+              <a:buFontTx/>
+              <a:buNone/>
+              <a:tabLst/>
+              <a:defRPr/>
+            </a:pPr>
+            <a:r>
+              <a:rPr lang="en-US" dirty="0" smtClean="0"/>
+              <a:t>type alias Person = {name : String, gender : Gender, age : </a:t>
+            </a:r>
+            <a:r>
+              <a:rPr lang="en-US" dirty="0" err="1" smtClean="0"/>
+              <a:t>Int</a:t>
+            </a:r>
+            <a:r>
+              <a:rPr lang="en-US" dirty="0" smtClean="0"/>
+              <a:t>, married : </a:t>
+            </a:r>
+            <a:r>
+              <a:rPr lang="en-US" dirty="0" err="1" smtClean="0"/>
+              <a:t>Bool</a:t>
+            </a:r>
+            <a:r>
+              <a:rPr lang="en-US" dirty="0" smtClean="0"/>
+              <a:t>}</a:t>
+            </a:r>
+          </a:p>
+          <a:p>
+            <a:pPr lvl="1"/>
             <a:endParaRPr lang="en-US" dirty="0"/>
           </a:p>
         </p:txBody>
@@ -1694,57 +4300,75 @@
             <a:pPr lvl="1"/>
             <a:r>
               <a:rPr lang="en-US" dirty="0" smtClean="0"/>
-              <a:t>type Gender = Male | Female</a:t>
+              <a:t>A subtle difference: the</a:t>
+            </a:r>
+            <a:r>
+              <a:rPr lang="en-US" baseline="0" dirty="0" smtClean="0"/>
+              <a:t> program isn’t so much a list of commands as telling the computer how to obtain the result</a:t>
+            </a:r>
+            <a:r>
+              <a:rPr lang="en-US" baseline="0" dirty="0" smtClean="0"/>
+              <a:t>.</a:t>
             </a:r>
           </a:p>
           <a:p>
             <a:pPr lvl="1"/>
+            <a:endParaRPr lang="en-US" baseline="0" dirty="0" smtClean="0"/>
+          </a:p>
+          <a:p>
+            <a:pPr lvl="1"/>
             <a:r>
               <a:rPr lang="en-US" dirty="0" smtClean="0"/>
-              <a:t>type List a = Empty | (List a</a:t>
+              <a:t>-- NO: statements do not go in bodies of `if` statements. Values do.</a:t>
             </a:r>
           </a:p>
           <a:p>
             <a:pPr lvl="1"/>
-            <a:endParaRPr lang="en-US" dirty="0" smtClean="0"/>
-          </a:p>
-          <a:p>
-            <a:pPr marL="457200" marR="0" lvl="1" indent="0" algn="l" defTabSz="914400" rtl="0" eaLnBrk="1" fontAlgn="auto" latinLnBrk="0" hangingPunct="1">
-              <a:lnSpc>
-                <a:spcPct val="100000"/>
-              </a:lnSpc>
-              <a:spcBef>
-                <a:spcPts val="0"/>
-              </a:spcBef>
-              <a:spcAft>
-                <a:spcPts val="0"/>
-              </a:spcAft>
-              <a:buClrTx/>
-              <a:buSzTx/>
-              <a:buFontTx/>
-              <a:buNone/>
-              <a:tabLst/>
-              <a:defRPr/>
-            </a:pPr>
             <a:r>
               <a:rPr lang="en-US" dirty="0" smtClean="0"/>
-              <a:t>type alias Person = {name : String, gender : Gender, age : </a:t>
-            </a:r>
-            <a:r>
-              <a:rPr lang="en-US" dirty="0" err="1" smtClean="0"/>
-              <a:t>Int</a:t>
-            </a:r>
+              <a:t>if x &gt; 0</a:t>
+            </a:r>
+          </a:p>
+          <a:p>
+            <a:pPr lvl="1"/>
             <a:r>
               <a:rPr lang="en-US" dirty="0" smtClean="0"/>
-              <a:t>, married : </a:t>
-            </a:r>
-            <a:r>
-              <a:rPr lang="en-US" dirty="0" err="1" smtClean="0"/>
-              <a:t>Bool</a:t>
-            </a:r>
+              <a:t>then string = "positive" </a:t>
+            </a:r>
+          </a:p>
+          <a:p>
+            <a:pPr lvl="1"/>
             <a:r>
               <a:rPr lang="en-US" dirty="0" smtClean="0"/>
-              <a:t>}</a:t>
+              <a:t>else string = "not positive"</a:t>
+            </a:r>
+          </a:p>
+          <a:p>
+            <a:pPr lvl="1"/>
+            <a:r>
+              <a:rPr lang="en-US" dirty="0" smtClean="0"/>
+              <a:t>-- YES</a:t>
+            </a:r>
+          </a:p>
+          <a:p>
+            <a:pPr lvl="1"/>
+            <a:r>
+              <a:rPr lang="en-US" dirty="0" smtClean="0"/>
+              <a:t>string = if x &gt; 0 </a:t>
+            </a:r>
+          </a:p>
+          <a:p>
+            <a:pPr lvl="1"/>
+            <a:r>
+              <a:rPr lang="en-US" dirty="0" smtClean="0"/>
+              <a:t>         then "positive" </a:t>
+            </a:r>
+          </a:p>
+          <a:p>
+            <a:pPr lvl="1"/>
+            <a:r>
+              <a:rPr lang="en-US" dirty="0" smtClean="0"/>
+              <a:t>         else "not positive"</a:t>
             </a:r>
           </a:p>
           <a:p>
@@ -1834,14 +4458,6 @@
           <a:lstStyle/>
           <a:p>
             <a:pPr lvl="1"/>
-            <a:r>
-              <a:rPr lang="en-US" dirty="0" smtClean="0"/>
-              <a:t>A subtle difference: the</a:t>
-            </a:r>
-            <a:r>
-              <a:rPr lang="en-US" baseline="0" dirty="0" smtClean="0"/>
-              <a:t> program isn’t so much a list of commands as telling the computer how to obtain the result.</a:t>
-            </a:r>
             <a:endParaRPr lang="en-US" dirty="0"/>
           </a:p>
         </p:txBody>
@@ -1927,6 +4543,40 @@
           <a:lstStyle/>
           <a:p>
             <a:pPr lvl="1"/>
+            <a:r>
+              <a:rPr lang="en-US" dirty="0" smtClean="0"/>
+              <a:t>map (\x -&gt; x+1) [1, 2, 3] gives [2, 3, 4]</a:t>
+            </a:r>
+          </a:p>
+          <a:p>
+            <a:r>
+              <a:rPr lang="en-US" dirty="0" smtClean="0"/>
+              <a:t>M</a:t>
+            </a:r>
+          </a:p>
+          <a:p>
+            <a:pPr lvl="1"/>
+            <a:r>
+              <a:rPr lang="en-US" dirty="0" err="1" smtClean="0"/>
+              <a:t>foldl</a:t>
+            </a:r>
+            <a:r>
+              <a:rPr lang="en-US" dirty="0" smtClean="0"/>
+              <a:t> (+) 0 [1, 2, 3] gives 6</a:t>
+            </a:r>
+          </a:p>
+          <a:p>
+            <a:pPr lvl="1"/>
+            <a:r>
+              <a:rPr lang="en-US" dirty="0" err="1" smtClean="0"/>
+              <a:t>foldl</a:t>
+            </a:r>
+            <a:r>
+              <a:rPr lang="en-US" dirty="0" smtClean="0"/>
+              <a:t> (\x y -&gt; if x then y + 1 else y) 0 [True, True, False, False, True]</a:t>
+            </a:r>
+          </a:p>
+          <a:p>
             <a:endParaRPr lang="en-US" dirty="0"/>
           </a:p>
         </p:txBody>
@@ -1957,7 +4607,7 @@
     </p:spTree>
     <p:extLst>
       <p:ext uri="{BB962C8B-B14F-4D97-AF65-F5344CB8AC3E}">
-        <p14:creationId xmlns:p14="http://schemas.microsoft.com/office/powerpoint/2010/main" val="109188564"/>
+        <p14:creationId xmlns:p14="http://schemas.microsoft.com/office/powerpoint/2010/main" val="554600469"/>
       </p:ext>
     </p:extLst>
   </p:cSld>
@@ -5578,11 +8228,7 @@
           <a:p>
             <a:r>
               <a:rPr lang="en-US" dirty="0" smtClean="0"/>
-              <a:t>Splash </a:t>
-            </a:r>
-            <a:r>
-              <a:rPr lang="en-US" dirty="0" smtClean="0"/>
-              <a:t>2016</a:t>
+              <a:t>Splash 2016</a:t>
             </a:r>
             <a:endParaRPr lang="en-US" dirty="0"/>
           </a:p>
@@ -5642,11 +8288,7 @@
           <a:p>
             <a:r>
               <a:rPr lang="en-US" dirty="0" smtClean="0"/>
-              <a:t>Basic programming: </a:t>
-            </a:r>
-            <a:r>
-              <a:rPr lang="en-US" dirty="0" err="1" smtClean="0"/>
-              <a:t>Datatypes</a:t>
+              <a:t>What’s different about functional?</a:t>
             </a:r>
             <a:endParaRPr lang="en-US" dirty="0"/>
           </a:p>
@@ -5675,111 +8317,6 @@
           <a:lstStyle/>
           <a:p>
             <a:r>
-              <a:rPr lang="en-US" sz="3200" dirty="0" smtClean="0"/>
-              <a:t>Primitive types: </a:t>
-            </a:r>
-            <a:r>
-              <a:rPr lang="en-US" sz="3200" dirty="0" err="1" smtClean="0"/>
-              <a:t>Bool</a:t>
-            </a:r>
-            <a:r>
-              <a:rPr lang="en-US" sz="3200" dirty="0" smtClean="0"/>
-              <a:t>, </a:t>
-            </a:r>
-            <a:r>
-              <a:rPr lang="en-US" sz="3200" dirty="0" err="1" smtClean="0"/>
-              <a:t>Int</a:t>
-            </a:r>
-            <a:r>
-              <a:rPr lang="en-US" sz="3200" dirty="0" smtClean="0"/>
-              <a:t>, Float, Char, String</a:t>
-            </a:r>
-          </a:p>
-        </p:txBody>
-      </p:sp>
-    </p:spTree>
-    <p:extLst>
-      <p:ext uri="{BB962C8B-B14F-4D97-AF65-F5344CB8AC3E}">
-        <p14:creationId xmlns:p14="http://schemas.microsoft.com/office/powerpoint/2010/main" val="3382627137"/>
-      </p:ext>
-    </p:extLst>
-  </p:cSld>
-  <p:clrMapOvr>
-    <a:masterClrMapping/>
-  </p:clrMapOvr>
-  <p:timing>
-    <p:tnLst>
-      <p:par>
-        <p:cTn id="1" dur="indefinite" restart="never" nodeType="tmRoot"/>
-      </p:par>
-    </p:tnLst>
-  </p:timing>
-</p:sld>
-</file>
-
-<file path=ppt/slides/slide11.xml><?xml version="1.0" encoding="utf-8"?>
-<p:sld xmlns:a="http://schemas.openxmlformats.org/drawingml/2006/main" xmlns:r="http://schemas.openxmlformats.org/officeDocument/2006/relationships" xmlns:p="http://schemas.openxmlformats.org/presentationml/2006/main">
-  <p:cSld>
-    <p:spTree>
-      <p:nvGrpSpPr>
-        <p:cNvPr id="1" name=""/>
-        <p:cNvGrpSpPr/>
-        <p:nvPr/>
-      </p:nvGrpSpPr>
-      <p:grpSpPr>
-        <a:xfrm>
-          <a:off x="0" y="0"/>
-          <a:ext cx="0" cy="0"/>
-          <a:chOff x="0" y="0"/>
-          <a:chExt cx="0" cy="0"/>
-        </a:xfrm>
-      </p:grpSpPr>
-      <p:sp>
-        <p:nvSpPr>
-          <p:cNvPr id="2" name="Title 1"/>
-          <p:cNvSpPr>
-            <a:spLocks noGrp="1"/>
-          </p:cNvSpPr>
-          <p:nvPr>
-            <p:ph type="title"/>
-          </p:nvPr>
-        </p:nvSpPr>
-        <p:spPr/>
-        <p:txBody>
-          <a:bodyPr/>
-          <a:lstStyle/>
-          <a:p>
-            <a:r>
-              <a:rPr lang="en-US" dirty="0" smtClean="0"/>
-              <a:t>What’s different about functional?</a:t>
-            </a:r>
-            <a:endParaRPr lang="en-US" dirty="0"/>
-          </a:p>
-        </p:txBody>
-      </p:sp>
-      <p:sp>
-        <p:nvSpPr>
-          <p:cNvPr id="3" name="Content Placeholder 2"/>
-          <p:cNvSpPr>
-            <a:spLocks noGrp="1"/>
-          </p:cNvSpPr>
-          <p:nvPr>
-            <p:ph sz="quarter" idx="1"/>
-          </p:nvPr>
-        </p:nvSpPr>
-        <p:spPr>
-          <a:xfrm>
-            <a:off x="612648" y="1600200"/>
-            <a:ext cx="8153400" cy="5105400"/>
-          </a:xfrm>
-        </p:spPr>
-        <p:txBody>
-          <a:bodyPr>
-            <a:normAutofit/>
-          </a:bodyPr>
-          <a:lstStyle/>
-          <a:p>
-            <a:r>
               <a:rPr lang="en-US" sz="2800" dirty="0" smtClean="0"/>
               <a:t>Variables are </a:t>
             </a:r>
@@ -5850,8 +8387,15 @@
           <a:p>
             <a:r>
               <a:rPr lang="en-US" sz="2800" dirty="0" smtClean="0"/>
-              <a:t>Partial application</a:t>
-            </a:r>
+              <a:t>Partial </a:t>
+            </a:r>
+            <a:r>
+              <a:rPr lang="en-US" sz="2800" dirty="0" smtClean="0"/>
+              <a:t>application</a:t>
+            </a:r>
+          </a:p>
+          <a:p>
+            <a:endParaRPr lang="en-US" sz="2800" dirty="0" smtClean="0"/>
           </a:p>
         </p:txBody>
       </p:sp>
@@ -5875,7 +8419,7 @@
 </p:sld>
 </file>
 
-<file path=ppt/slides/slide12.xml><?xml version="1.0" encoding="utf-8"?>
+<file path=ppt/slides/slide11.xml><?xml version="1.0" encoding="utf-8"?>
 <p:sld xmlns:a="http://schemas.openxmlformats.org/drawingml/2006/main" xmlns:r="http://schemas.openxmlformats.org/officeDocument/2006/relationships" xmlns:p="http://schemas.openxmlformats.org/presentationml/2006/main">
   <p:cSld>
     <p:spTree>
@@ -6110,7 +8654,7 @@
 </p:sld>
 </file>
 
-<file path=ppt/slides/slide13.xml><?xml version="1.0" encoding="utf-8"?>
+<file path=ppt/slides/slide12.xml><?xml version="1.0" encoding="utf-8"?>
 <p:sld xmlns:a="http://schemas.openxmlformats.org/drawingml/2006/main" xmlns:r="http://schemas.openxmlformats.org/officeDocument/2006/relationships" xmlns:p="http://schemas.openxmlformats.org/presentationml/2006/main">
   <p:cSld>
     <p:spTree>
@@ -6236,7 +8780,7 @@
 </p:sld>
 </file>
 
-<file path=ppt/slides/slide14.xml><?xml version="1.0" encoding="utf-8"?>
+<file path=ppt/slides/slide13.xml><?xml version="1.0" encoding="utf-8"?>
 <p:sld xmlns:a="http://schemas.openxmlformats.org/drawingml/2006/main" xmlns:r="http://schemas.openxmlformats.org/officeDocument/2006/relationships" xmlns:p="http://schemas.openxmlformats.org/presentationml/2006/main">
   <p:cSld>
     <p:spTree>
@@ -6290,9 +8834,16 @@
             <p:ph sz="quarter" idx="1"/>
           </p:nvPr>
         </p:nvSpPr>
-        <p:spPr/>
-        <p:txBody>
-          <a:bodyPr/>
+        <p:spPr>
+          <a:xfrm>
+            <a:off x="612648" y="1600200"/>
+            <a:ext cx="8153400" cy="4724400"/>
+          </a:xfrm>
+        </p:spPr>
+        <p:txBody>
+          <a:bodyPr>
+            <a:normAutofit/>
+          </a:bodyPr>
           <a:lstStyle/>
           <a:p>
             <a:r>
@@ -6304,21 +8855,35 @@
             <a:pPr lvl="1"/>
             <a:r>
               <a:rPr lang="en-US" sz="2800" dirty="0"/>
-              <a:t>type Suit = Club | Diamond | Spade | Heart</a:t>
+              <a:t>type Suit = Club | Diamond | Spade | </a:t>
+            </a:r>
+            <a:r>
+              <a:rPr lang="en-US" sz="2800" dirty="0" smtClean="0"/>
+              <a:t>Heart</a:t>
             </a:r>
           </a:p>
           <a:p>
             <a:pPr lvl="1"/>
             <a:r>
-              <a:rPr lang="en-US" sz="2800" dirty="0"/>
-              <a:t>type Gender = Male | Female</a:t>
-            </a:r>
-          </a:p>
-          <a:p>
-            <a:r>
-              <a:rPr lang="en-US" sz="3200" dirty="0"/>
+              <a:rPr lang="en-US" sz="2800" dirty="0" smtClean="0"/>
+              <a:t>type Status = </a:t>
+            </a:r>
+            <a:r>
+              <a:rPr lang="en-US" sz="2800" dirty="0" err="1" smtClean="0"/>
+              <a:t>HasMoney</a:t>
+            </a:r>
+            <a:r>
+              <a:rPr lang="en-US" sz="2800" dirty="0" smtClean="0"/>
+              <a:t> Float | Bankrupt</a:t>
+            </a:r>
+            <a:endParaRPr lang="en-US" sz="2800" dirty="0"/>
+          </a:p>
+          <a:p>
+            <a:r>
+              <a:rPr lang="en-US" sz="3200" dirty="0" smtClean="0"/>
               <a:t>Records</a:t>
             </a:r>
+            <a:endParaRPr lang="en-US" sz="3200" dirty="0"/>
           </a:p>
           <a:p>
             <a:pPr lvl="1"/>
@@ -6339,24 +8904,52 @@
             <a:pPr lvl="1"/>
             <a:r>
               <a:rPr lang="en-US" sz="2800" dirty="0"/>
-              <a:t>type alias Student = {name : String, gender : Gender, grade : </a:t>
-            </a:r>
-            <a:r>
-              <a:rPr lang="en-US" sz="2800" dirty="0" err="1"/>
+              <a:t>type </a:t>
+            </a:r>
+            <a:r>
+              <a:rPr lang="en-US" sz="2800" dirty="0"/>
+              <a:t>alias </a:t>
+            </a:r>
+            <a:r>
+              <a:rPr lang="en-US" sz="2800" dirty="0" smtClean="0"/>
+              <a:t>Model = {position </a:t>
+            </a:r>
+            <a:r>
+              <a:rPr lang="en-US" sz="2800" dirty="0"/>
+              <a:t>: Vector, facing : Vector</a:t>
+            </a:r>
+            <a:r>
+              <a:rPr lang="en-US" sz="2800" dirty="0" smtClean="0"/>
+              <a:t>}</a:t>
+            </a:r>
+          </a:p>
+          <a:p>
+            <a:pPr lvl="2"/>
+            <a:r>
+              <a:rPr lang="es-ES" sz="2500" dirty="0" err="1"/>
+              <a:t>type</a:t>
+            </a:r>
+            <a:r>
+              <a:rPr lang="es-ES" sz="2500" dirty="0"/>
+              <a:t> alias Vector = {x : </a:t>
+            </a:r>
+            <a:r>
+              <a:rPr lang="es-ES" sz="2500" dirty="0" err="1"/>
               <a:t>Int</a:t>
             </a:r>
             <a:r>
-              <a:rPr lang="en-US" sz="2800" dirty="0"/>
-              <a:t>, scores : List </a:t>
-            </a:r>
-            <a:r>
-              <a:rPr lang="en-US" sz="2800" dirty="0" err="1"/>
+              <a:rPr lang="es-ES" sz="2500" dirty="0"/>
+              <a:t>, y : </a:t>
+            </a:r>
+            <a:r>
+              <a:rPr lang="es-ES" sz="2500" dirty="0" err="1"/>
               <a:t>Int</a:t>
             </a:r>
             <a:r>
-              <a:rPr lang="en-US" sz="2800" dirty="0"/>
+              <a:rPr lang="es-ES" sz="2500" dirty="0"/>
               <a:t>}</a:t>
             </a:r>
+            <a:endParaRPr lang="en-US" sz="2500" dirty="0"/>
           </a:p>
           <a:p>
             <a:endParaRPr lang="en-US" dirty="0"/>
@@ -6383,86 +8976,7 @@
 </p:sld>
 </file>
 
-<file path=ppt/slides/slide15.xml><?xml version="1.0" encoding="utf-8"?>
-<p:sld xmlns:a="http://schemas.openxmlformats.org/drawingml/2006/main" xmlns:r="http://schemas.openxmlformats.org/officeDocument/2006/relationships" xmlns:p="http://schemas.openxmlformats.org/presentationml/2006/main">
-  <p:cSld>
-    <p:spTree>
-      <p:nvGrpSpPr>
-        <p:cNvPr id="1" name=""/>
-        <p:cNvGrpSpPr/>
-        <p:nvPr/>
-      </p:nvGrpSpPr>
-      <p:grpSpPr>
-        <a:xfrm>
-          <a:off x="0" y="0"/>
-          <a:ext cx="0" cy="0"/>
-          <a:chOff x="0" y="0"/>
-          <a:chExt cx="0" cy="0"/>
-        </a:xfrm>
-      </p:grpSpPr>
-      <p:sp>
-        <p:nvSpPr>
-          <p:cNvPr id="2" name="Title 1"/>
-          <p:cNvSpPr>
-            <a:spLocks noGrp="1"/>
-          </p:cNvSpPr>
-          <p:nvPr>
-            <p:ph type="title"/>
-          </p:nvPr>
-        </p:nvSpPr>
-        <p:spPr/>
-        <p:txBody>
-          <a:bodyPr/>
-          <a:lstStyle/>
-          <a:p>
-            <a:r>
-              <a:rPr lang="en-US" dirty="0" smtClean="0"/>
-              <a:t>Student example</a:t>
-            </a:r>
-            <a:endParaRPr lang="en-US" dirty="0"/>
-          </a:p>
-        </p:txBody>
-      </p:sp>
-      <p:sp>
-        <p:nvSpPr>
-          <p:cNvPr id="3" name="Content Placeholder 2"/>
-          <p:cNvSpPr>
-            <a:spLocks noGrp="1"/>
-          </p:cNvSpPr>
-          <p:nvPr>
-            <p:ph sz="quarter" idx="1"/>
-          </p:nvPr>
-        </p:nvSpPr>
-        <p:spPr/>
-        <p:txBody>
-          <a:bodyPr/>
-          <a:lstStyle/>
-          <a:p>
-            <a:endParaRPr lang="en-US" dirty="0"/>
-          </a:p>
-        </p:txBody>
-      </p:sp>
-    </p:spTree>
-    <p:extLst>
-      <p:ext uri="{BB962C8B-B14F-4D97-AF65-F5344CB8AC3E}">
-        <p14:creationId xmlns:p14="http://schemas.microsoft.com/office/powerpoint/2010/main" val="3750506920"/>
-      </p:ext>
-    </p:extLst>
-  </p:cSld>
-  <p:clrMapOvr>
-    <a:masterClrMapping/>
-  </p:clrMapOvr>
-  <p:timing>
-    <p:tnLst>
-      <p:par>
-        <p:cTn id="1" dur="indefinite" restart="never" nodeType="tmRoot"/>
-      </p:par>
-    </p:tnLst>
-  </p:timing>
-</p:sld>
-</file>
-
-<file path=ppt/slides/slide16.xml><?xml version="1.0" encoding="utf-8"?>
+<file path=ppt/slides/slide14.xml><?xml version="1.0" encoding="utf-8"?>
 <p:sld xmlns:a="http://schemas.openxmlformats.org/drawingml/2006/main" xmlns:r="http://schemas.openxmlformats.org/officeDocument/2006/relationships" xmlns:p="http://schemas.openxmlformats.org/presentationml/2006/main">
   <p:cSld>
     <p:spTree>
@@ -7177,7 +9691,7 @@
 </p:sld>
 </file>
 
-<file path=ppt/slides/slide17.xml><?xml version="1.0" encoding="utf-8"?>
+<file path=ppt/slides/slide15.xml><?xml version="1.0" encoding="utf-8"?>
 <p:sld xmlns:a="http://schemas.openxmlformats.org/drawingml/2006/main" xmlns:r="http://schemas.openxmlformats.org/officeDocument/2006/relationships" xmlns:p="http://schemas.openxmlformats.org/presentationml/2006/main">
   <p:cSld>
     <p:spTree>
@@ -7256,7 +9770,7 @@
 </p:sld>
 </file>
 
-<file path=ppt/slides/slide18.xml><?xml version="1.0" encoding="utf-8"?>
+<file path=ppt/slides/slide16.xml><?xml version="1.0" encoding="utf-8"?>
 <p:sld xmlns:a="http://schemas.openxmlformats.org/drawingml/2006/main" xmlns:r="http://schemas.openxmlformats.org/officeDocument/2006/relationships" xmlns:p="http://schemas.openxmlformats.org/presentationml/2006/main">
   <p:cSld>
     <p:spTree>
@@ -7385,7 +9899,7 @@
 </p:sld>
 </file>
 
-<file path=ppt/slides/slide19.xml><?xml version="1.0" encoding="utf-8"?>
+<file path=ppt/slides/slide17.xml><?xml version="1.0" encoding="utf-8"?>
 <p:sld xmlns:a="http://schemas.openxmlformats.org/drawingml/2006/main" xmlns:r="http://schemas.openxmlformats.org/officeDocument/2006/relationships" xmlns:p="http://schemas.openxmlformats.org/presentationml/2006/main">
   <p:cSld>
     <p:spTree>
@@ -7561,122 +10075,7 @@
 </p:sld>
 </file>
 
-<file path=ppt/slides/slide2.xml><?xml version="1.0" encoding="utf-8"?>
-<p:sld xmlns:a="http://schemas.openxmlformats.org/drawingml/2006/main" xmlns:r="http://schemas.openxmlformats.org/officeDocument/2006/relationships" xmlns:p="http://schemas.openxmlformats.org/presentationml/2006/main">
-  <p:cSld>
-    <p:spTree>
-      <p:nvGrpSpPr>
-        <p:cNvPr id="1" name=""/>
-        <p:cNvGrpSpPr/>
-        <p:nvPr/>
-      </p:nvGrpSpPr>
-      <p:grpSpPr>
-        <a:xfrm>
-          <a:off x="0" y="0"/>
-          <a:ext cx="0" cy="0"/>
-          <a:chOff x="0" y="0"/>
-          <a:chExt cx="0" cy="0"/>
-        </a:xfrm>
-      </p:grpSpPr>
-      <p:sp>
-        <p:nvSpPr>
-          <p:cNvPr id="2" name="Title 1"/>
-          <p:cNvSpPr>
-            <a:spLocks noGrp="1"/>
-          </p:cNvSpPr>
-          <p:nvPr>
-            <p:ph type="title"/>
-          </p:nvPr>
-        </p:nvSpPr>
-        <p:spPr/>
-        <p:txBody>
-          <a:bodyPr/>
-          <a:lstStyle/>
-          <a:p>
-            <a:r>
-              <a:rPr lang="en-US" dirty="0" smtClean="0"/>
-              <a:t>Game programming with Elm</a:t>
-            </a:r>
-            <a:endParaRPr lang="en-US" dirty="0"/>
-          </a:p>
-        </p:txBody>
-      </p:sp>
-      <p:sp>
-        <p:nvSpPr>
-          <p:cNvPr id="3" name="Content Placeholder 2"/>
-          <p:cNvSpPr>
-            <a:spLocks noGrp="1"/>
-          </p:cNvSpPr>
-          <p:nvPr>
-            <p:ph sz="quarter" idx="1"/>
-          </p:nvPr>
-        </p:nvSpPr>
-        <p:spPr/>
-        <p:txBody>
-          <a:bodyPr>
-            <a:normAutofit/>
-          </a:bodyPr>
-          <a:lstStyle/>
-          <a:p>
-            <a:pPr marL="0" indent="0">
-              <a:buNone/>
-            </a:pPr>
-            <a:r>
-              <a:rPr lang="en-US" sz="6000" dirty="0" smtClean="0">
-                <a:hlinkClick r:id="rId2"/>
-              </a:rPr>
-              <a:t>http://bit.ly/elmclass</a:t>
-            </a:r>
-            <a:r>
-              <a:rPr lang="en-US" sz="6000" dirty="0" smtClean="0"/>
-              <a:t> </a:t>
-            </a:r>
-          </a:p>
-          <a:p>
-            <a:pPr marL="0" indent="0">
-              <a:buNone/>
-            </a:pPr>
-            <a:r>
-              <a:rPr lang="en-US" sz="6000" dirty="0" smtClean="0">
-                <a:hlinkClick r:id="rId3"/>
-              </a:rPr>
-              <a:t>http</a:t>
-            </a:r>
-            <a:r>
-              <a:rPr lang="en-US" sz="6000" dirty="0" smtClean="0">
-                <a:hlinkClick r:id="rId3"/>
-              </a:rPr>
-              <a:t>://www.elm-lang.org</a:t>
-            </a:r>
-            <a:r>
-              <a:rPr lang="en-US" sz="6000" dirty="0" smtClean="0"/>
-              <a:t> </a:t>
-            </a:r>
-            <a:endParaRPr lang="en-US" sz="6000" dirty="0"/>
-          </a:p>
-        </p:txBody>
-      </p:sp>
-    </p:spTree>
-    <p:extLst>
-      <p:ext uri="{BB962C8B-B14F-4D97-AF65-F5344CB8AC3E}">
-        <p14:creationId xmlns:p14="http://schemas.microsoft.com/office/powerpoint/2010/main" val="4089930095"/>
-      </p:ext>
-    </p:extLst>
-  </p:cSld>
-  <p:clrMapOvr>
-    <a:masterClrMapping/>
-  </p:clrMapOvr>
-  <p:timing>
-    <p:tnLst>
-      <p:par>
-        <p:cTn id="1" dur="indefinite" restart="never" nodeType="tmRoot"/>
-      </p:par>
-    </p:tnLst>
-  </p:timing>
-</p:sld>
-</file>
-
-<file path=ppt/slides/slide20.xml><?xml version="1.0" encoding="utf-8"?>
+<file path=ppt/slides/slide18.xml><?xml version="1.0" encoding="utf-8"?>
 <p:sld xmlns:a="http://schemas.openxmlformats.org/drawingml/2006/main" xmlns:r="http://schemas.openxmlformats.org/officeDocument/2006/relationships" xmlns:p="http://schemas.openxmlformats.org/presentationml/2006/main">
   <p:cSld>
     <p:spTree>
@@ -8482,7 +10881,7 @@
 </p:sld>
 </file>
 
-<file path=ppt/slides/slide21.xml><?xml version="1.0" encoding="utf-8"?>
+<file path=ppt/slides/slide19.xml><?xml version="1.0" encoding="utf-8"?>
 <p:sld xmlns:a="http://schemas.openxmlformats.org/drawingml/2006/main" xmlns:r="http://schemas.openxmlformats.org/officeDocument/2006/relationships" xmlns:p="http://schemas.openxmlformats.org/presentationml/2006/main">
   <p:cSld>
     <p:spTree>
@@ -8557,7 +10956,116 @@
 </p:sld>
 </file>
 
-<file path=ppt/slides/slide22.xml><?xml version="1.0" encoding="utf-8"?>
+<file path=ppt/slides/slide2.xml><?xml version="1.0" encoding="utf-8"?>
+<p:sld xmlns:a="http://schemas.openxmlformats.org/drawingml/2006/main" xmlns:r="http://schemas.openxmlformats.org/officeDocument/2006/relationships" xmlns:p="http://schemas.openxmlformats.org/presentationml/2006/main">
+  <p:cSld>
+    <p:spTree>
+      <p:nvGrpSpPr>
+        <p:cNvPr id="1" name=""/>
+        <p:cNvGrpSpPr/>
+        <p:nvPr/>
+      </p:nvGrpSpPr>
+      <p:grpSpPr>
+        <a:xfrm>
+          <a:off x="0" y="0"/>
+          <a:ext cx="0" cy="0"/>
+          <a:chOff x="0" y="0"/>
+          <a:chExt cx="0" cy="0"/>
+        </a:xfrm>
+      </p:grpSpPr>
+      <p:sp>
+        <p:nvSpPr>
+          <p:cNvPr id="2" name="Title 1"/>
+          <p:cNvSpPr>
+            <a:spLocks noGrp="1"/>
+          </p:cNvSpPr>
+          <p:nvPr>
+            <p:ph type="title"/>
+          </p:nvPr>
+        </p:nvSpPr>
+        <p:spPr/>
+        <p:txBody>
+          <a:bodyPr/>
+          <a:lstStyle/>
+          <a:p>
+            <a:r>
+              <a:rPr lang="en-US" dirty="0" smtClean="0"/>
+              <a:t>Game programming with Elm</a:t>
+            </a:r>
+            <a:endParaRPr lang="en-US" dirty="0"/>
+          </a:p>
+        </p:txBody>
+      </p:sp>
+      <p:sp>
+        <p:nvSpPr>
+          <p:cNvPr id="3" name="Content Placeholder 2"/>
+          <p:cNvSpPr>
+            <a:spLocks noGrp="1"/>
+          </p:cNvSpPr>
+          <p:nvPr>
+            <p:ph sz="quarter" idx="1"/>
+          </p:nvPr>
+        </p:nvSpPr>
+        <p:spPr/>
+        <p:txBody>
+          <a:bodyPr>
+            <a:normAutofit/>
+          </a:bodyPr>
+          <a:lstStyle/>
+          <a:p>
+            <a:pPr marL="0" indent="0">
+              <a:buNone/>
+            </a:pPr>
+            <a:r>
+              <a:rPr lang="en-US" sz="6000" dirty="0" smtClean="0">
+                <a:hlinkClick r:id="rId2"/>
+              </a:rPr>
+              <a:t>http://bit.ly/elmclass</a:t>
+            </a:r>
+            <a:r>
+              <a:rPr lang="en-US" sz="6000" dirty="0" smtClean="0"/>
+              <a:t> </a:t>
+            </a:r>
+          </a:p>
+          <a:p>
+            <a:pPr marL="0" indent="0">
+              <a:buNone/>
+            </a:pPr>
+            <a:r>
+              <a:rPr lang="en-US" sz="6000" dirty="0" smtClean="0">
+                <a:hlinkClick r:id="rId3"/>
+              </a:rPr>
+              <a:t>http://www.elm-lang.org</a:t>
+            </a:r>
+            <a:r>
+              <a:rPr lang="en-US" sz="6000" dirty="0" smtClean="0"/>
+              <a:t> </a:t>
+            </a:r>
+            <a:endParaRPr lang="en-US" sz="6000" dirty="0"/>
+          </a:p>
+        </p:txBody>
+      </p:sp>
+    </p:spTree>
+    <p:extLst>
+      <p:ext uri="{BB962C8B-B14F-4D97-AF65-F5344CB8AC3E}">
+        <p14:creationId xmlns:p14="http://schemas.microsoft.com/office/powerpoint/2010/main" val="4089930095"/>
+      </p:ext>
+    </p:extLst>
+  </p:cSld>
+  <p:clrMapOvr>
+    <a:masterClrMapping/>
+  </p:clrMapOvr>
+  <p:timing>
+    <p:tnLst>
+      <p:par>
+        <p:cTn id="1" dur="indefinite" restart="never" nodeType="tmRoot"/>
+      </p:par>
+    </p:tnLst>
+  </p:timing>
+</p:sld>
+</file>
+
+<file path=ppt/slides/slide20.xml><?xml version="1.0" encoding="utf-8"?>
 <p:sld xmlns:a="http://schemas.openxmlformats.org/drawingml/2006/main" xmlns:r="http://schemas.openxmlformats.org/officeDocument/2006/relationships" xmlns:p="http://schemas.openxmlformats.org/presentationml/2006/main">
   <p:cSld>
     <p:spTree>
@@ -9367,7 +11875,7 @@
 </p:sld>
 </file>
 
-<file path=ppt/slides/slide23.xml><?xml version="1.0" encoding="utf-8"?>
+<file path=ppt/slides/slide21.xml><?xml version="1.0" encoding="utf-8"?>
 <p:sld xmlns:a="http://schemas.openxmlformats.org/drawingml/2006/main" xmlns:r="http://schemas.openxmlformats.org/officeDocument/2006/relationships" xmlns:p="http://schemas.openxmlformats.org/presentationml/2006/main">
   <p:cSld>
     <p:spTree>
@@ -9591,7 +12099,7 @@
 </p:sld>
 </file>
 
-<file path=ppt/slides/slide24.xml><?xml version="1.0" encoding="utf-8"?>
+<file path=ppt/slides/slide22.xml><?xml version="1.0" encoding="utf-8"?>
 <p:sld xmlns:a="http://schemas.openxmlformats.org/drawingml/2006/main" xmlns:r="http://schemas.openxmlformats.org/officeDocument/2006/relationships" xmlns:p="http://schemas.openxmlformats.org/presentationml/2006/main">
   <p:cSld>
     <p:spTree>
@@ -10762,6 +13270,367 @@
 </p:sld>
 </file>
 
+<file path=ppt/slides/slide23.xml><?xml version="1.0" encoding="utf-8"?>
+<p:sld xmlns:a="http://schemas.openxmlformats.org/drawingml/2006/main" xmlns:r="http://schemas.openxmlformats.org/officeDocument/2006/relationships" xmlns:p="http://schemas.openxmlformats.org/presentationml/2006/main">
+  <p:cSld>
+    <p:spTree>
+      <p:nvGrpSpPr>
+        <p:cNvPr id="1" name=""/>
+        <p:cNvGrpSpPr/>
+        <p:nvPr/>
+      </p:nvGrpSpPr>
+      <p:grpSpPr>
+        <a:xfrm>
+          <a:off x="0" y="0"/>
+          <a:ext cx="0" cy="0"/>
+          <a:chOff x="0" y="0"/>
+          <a:chExt cx="0" cy="0"/>
+        </a:xfrm>
+      </p:grpSpPr>
+      <p:sp>
+        <p:nvSpPr>
+          <p:cNvPr id="2" name="Title 1"/>
+          <p:cNvSpPr>
+            <a:spLocks noGrp="1"/>
+          </p:cNvSpPr>
+          <p:nvPr>
+            <p:ph type="title"/>
+          </p:nvPr>
+        </p:nvSpPr>
+        <p:spPr/>
+        <p:txBody>
+          <a:bodyPr/>
+          <a:lstStyle/>
+          <a:p>
+            <a:endParaRPr lang="en-US"/>
+          </a:p>
+        </p:txBody>
+      </p:sp>
+      <p:sp>
+        <p:nvSpPr>
+          <p:cNvPr id="3" name="Content Placeholder 2"/>
+          <p:cNvSpPr>
+            <a:spLocks noGrp="1"/>
+          </p:cNvSpPr>
+          <p:nvPr>
+            <p:ph sz="quarter" idx="1"/>
+          </p:nvPr>
+        </p:nvSpPr>
+        <p:spPr/>
+        <p:txBody>
+          <a:bodyPr/>
+          <a:lstStyle/>
+          <a:p>
+            <a:pPr marL="0" indent="0">
+              <a:buNone/>
+            </a:pPr>
+            <a:r>
+              <a:rPr lang="en-US" b="1" dirty="0" smtClean="0">
+                <a:latin typeface="Courier New" panose="02070309020205020404" pitchFamily="49" charset="0"/>
+                <a:cs typeface="Courier New" panose="02070309020205020404" pitchFamily="49" charset="0"/>
+              </a:rPr>
+              <a:t>main : Signal Element</a:t>
+            </a:r>
+            <a:endParaRPr lang="en-US" b="1" dirty="0">
+              <a:latin typeface="Courier New" panose="02070309020205020404" pitchFamily="49" charset="0"/>
+              <a:cs typeface="Courier New" panose="02070309020205020404" pitchFamily="49" charset="0"/>
+              <a:hlinkClick r:id="rId2"/>
+            </a:endParaRPr>
+          </a:p>
+          <a:p>
+            <a:pPr marL="0" indent="0">
+              <a:buNone/>
+            </a:pPr>
+            <a:endParaRPr lang="en-US" b="1" dirty="0">
+              <a:latin typeface="Courier New" panose="02070309020205020404" pitchFamily="49" charset="0"/>
+              <a:cs typeface="Courier New" panose="02070309020205020404" pitchFamily="49" charset="0"/>
+              <a:hlinkClick r:id="rId2"/>
+            </a:endParaRPr>
+          </a:p>
+          <a:p>
+            <a:pPr marL="0" indent="0">
+              <a:buNone/>
+            </a:pPr>
+            <a:r>
+              <a:rPr lang="en-US" b="1" dirty="0" err="1" smtClean="0">
+                <a:latin typeface="Courier New" panose="02070309020205020404" pitchFamily="49" charset="0"/>
+                <a:cs typeface="Courier New" panose="02070309020205020404" pitchFamily="49" charset="0"/>
+                <a:hlinkClick r:id="rId2"/>
+              </a:rPr>
+              <a:t>foldp</a:t>
+            </a:r>
+            <a:r>
+              <a:rPr lang="en-US" dirty="0">
+                <a:latin typeface="Courier New" panose="02070309020205020404" pitchFamily="49" charset="0"/>
+                <a:cs typeface="Courier New" panose="02070309020205020404" pitchFamily="49" charset="0"/>
+              </a:rPr>
+              <a:t> : (a -&gt; state -&gt; state) -&gt; state -&gt; Signal a -&gt; Signal </a:t>
+            </a:r>
+            <a:r>
+              <a:rPr lang="en-US" dirty="0" smtClean="0">
+                <a:latin typeface="Courier New" panose="02070309020205020404" pitchFamily="49" charset="0"/>
+                <a:cs typeface="Courier New" panose="02070309020205020404" pitchFamily="49" charset="0"/>
+              </a:rPr>
+              <a:t>state</a:t>
+            </a:r>
+          </a:p>
+          <a:p>
+            <a:pPr marL="0" indent="0">
+              <a:buNone/>
+            </a:pPr>
+            <a:endParaRPr lang="en-US" dirty="0">
+              <a:latin typeface="Courier New" panose="02070309020205020404" pitchFamily="49" charset="0"/>
+              <a:cs typeface="Courier New" panose="02070309020205020404" pitchFamily="49" charset="0"/>
+            </a:endParaRPr>
+          </a:p>
+          <a:p>
+            <a:pPr marL="0" indent="0">
+              <a:buNone/>
+            </a:pPr>
+            <a:r>
+              <a:rPr lang="en-US" dirty="0" err="1">
+                <a:latin typeface="Courier New" panose="02070309020205020404" pitchFamily="49" charset="0"/>
+                <a:cs typeface="Courier New" panose="02070309020205020404" pitchFamily="49" charset="0"/>
+              </a:rPr>
+              <a:t>foldp</a:t>
+            </a:r>
+            <a:r>
+              <a:rPr lang="en-US" dirty="0">
+                <a:latin typeface="Courier New" panose="02070309020205020404" pitchFamily="49" charset="0"/>
+                <a:cs typeface="Courier New" panose="02070309020205020404" pitchFamily="49" charset="0"/>
+              </a:rPr>
+              <a:t> update </a:t>
+            </a:r>
+            <a:r>
+              <a:rPr lang="en-US" dirty="0" err="1" smtClean="0">
+                <a:latin typeface="Courier New" panose="02070309020205020404" pitchFamily="49" charset="0"/>
+                <a:cs typeface="Courier New" panose="02070309020205020404" pitchFamily="49" charset="0"/>
+              </a:rPr>
+              <a:t>startModel</a:t>
+            </a:r>
+            <a:r>
+              <a:rPr lang="en-US" dirty="0" smtClean="0">
+                <a:latin typeface="Courier New" panose="02070309020205020404" pitchFamily="49" charset="0"/>
+                <a:cs typeface="Courier New" panose="02070309020205020404" pitchFamily="49" charset="0"/>
+              </a:rPr>
+              <a:t> </a:t>
+            </a:r>
+            <a:r>
+              <a:rPr lang="en-US" dirty="0">
+                <a:latin typeface="Courier New" panose="02070309020205020404" pitchFamily="49" charset="0"/>
+                <a:cs typeface="Courier New" panose="02070309020205020404" pitchFamily="49" charset="0"/>
+              </a:rPr>
+              <a:t>input </a:t>
+            </a:r>
+          </a:p>
+        </p:txBody>
+      </p:sp>
+    </p:spTree>
+    <p:extLst>
+      <p:ext uri="{BB962C8B-B14F-4D97-AF65-F5344CB8AC3E}">
+        <p14:creationId xmlns:p14="http://schemas.microsoft.com/office/powerpoint/2010/main" val="4007939402"/>
+      </p:ext>
+    </p:extLst>
+  </p:cSld>
+  <p:clrMapOvr>
+    <a:masterClrMapping/>
+  </p:clrMapOvr>
+  <p:timing>
+    <p:tnLst>
+      <p:par>
+        <p:cTn id="1" dur="indefinite" restart="never" nodeType="tmRoot"/>
+      </p:par>
+    </p:tnLst>
+  </p:timing>
+</p:sld>
+</file>
+
+<file path=ppt/slides/slide24.xml><?xml version="1.0" encoding="utf-8"?>
+<p:sld xmlns:a="http://schemas.openxmlformats.org/drawingml/2006/main" xmlns:r="http://schemas.openxmlformats.org/officeDocument/2006/relationships" xmlns:p="http://schemas.openxmlformats.org/presentationml/2006/main">
+  <p:cSld>
+    <p:spTree>
+      <p:nvGrpSpPr>
+        <p:cNvPr id="1" name=""/>
+        <p:cNvGrpSpPr/>
+        <p:nvPr/>
+      </p:nvGrpSpPr>
+      <p:grpSpPr>
+        <a:xfrm>
+          <a:off x="0" y="0"/>
+          <a:ext cx="0" cy="0"/>
+          <a:chOff x="0" y="0"/>
+          <a:chExt cx="0" cy="0"/>
+        </a:xfrm>
+      </p:grpSpPr>
+      <p:sp>
+        <p:nvSpPr>
+          <p:cNvPr id="2" name="Title 1"/>
+          <p:cNvSpPr>
+            <a:spLocks noGrp="1"/>
+          </p:cNvSpPr>
+          <p:nvPr>
+            <p:ph type="title"/>
+          </p:nvPr>
+        </p:nvSpPr>
+        <p:spPr/>
+        <p:txBody>
+          <a:bodyPr/>
+          <a:lstStyle/>
+          <a:p>
+            <a:r>
+              <a:rPr lang="en-US" dirty="0" smtClean="0"/>
+              <a:t>Shapes, Forms, and Elements</a:t>
+            </a:r>
+            <a:endParaRPr lang="en-US" dirty="0"/>
+          </a:p>
+        </p:txBody>
+      </p:sp>
+      <p:sp>
+        <p:nvSpPr>
+          <p:cNvPr id="3" name="Content Placeholder 2"/>
+          <p:cNvSpPr>
+            <a:spLocks noGrp="1"/>
+          </p:cNvSpPr>
+          <p:nvPr>
+            <p:ph sz="quarter" idx="1"/>
+          </p:nvPr>
+        </p:nvSpPr>
+        <p:spPr>
+          <a:xfrm>
+            <a:off x="612648" y="1600200"/>
+            <a:ext cx="8153400" cy="5257800"/>
+          </a:xfrm>
+        </p:spPr>
+        <p:txBody>
+          <a:bodyPr>
+            <a:normAutofit/>
+          </a:bodyPr>
+          <a:lstStyle/>
+          <a:p>
+            <a:r>
+              <a:rPr lang="en-US" dirty="0" smtClean="0"/>
+              <a:t>Shapes and paths</a:t>
+            </a:r>
+          </a:p>
+          <a:p>
+            <a:pPr lvl="1"/>
+            <a:r>
+              <a:rPr lang="en-US" dirty="0" smtClean="0"/>
+              <a:t>circle : Float -&gt; Shape</a:t>
+            </a:r>
+          </a:p>
+          <a:p>
+            <a:pPr lvl="1"/>
+            <a:r>
+              <a:rPr lang="en-US" dirty="0" smtClean="0"/>
+              <a:t>filled : Color -&gt; Shape -&gt; Form</a:t>
+            </a:r>
+          </a:p>
+          <a:p>
+            <a:r>
+              <a:rPr lang="en-US" dirty="0" smtClean="0"/>
+              <a:t>Forms: things with coordinates</a:t>
+            </a:r>
+          </a:p>
+          <a:p>
+            <a:pPr lvl="1"/>
+            <a:r>
+              <a:rPr lang="en-US" dirty="0" smtClean="0"/>
+              <a:t>move : Float -&gt; Float -&gt; Form -&gt; Form</a:t>
+            </a:r>
+          </a:p>
+          <a:p>
+            <a:r>
+              <a:rPr lang="en-US" dirty="0" smtClean="0"/>
+              <a:t>Elements: what’s actually displayed</a:t>
+            </a:r>
+          </a:p>
+          <a:p>
+            <a:pPr lvl="1"/>
+            <a:r>
+              <a:rPr lang="en-US" dirty="0" smtClean="0"/>
+              <a:t>collage : </a:t>
+            </a:r>
+            <a:r>
+              <a:rPr lang="en-US" dirty="0" err="1" smtClean="0"/>
+              <a:t>Int</a:t>
+            </a:r>
+            <a:r>
+              <a:rPr lang="en-US" dirty="0" smtClean="0"/>
+              <a:t> -&gt; </a:t>
+            </a:r>
+            <a:r>
+              <a:rPr lang="en-US" dirty="0" err="1" smtClean="0"/>
+              <a:t>Int</a:t>
+            </a:r>
+            <a:r>
+              <a:rPr lang="en-US" dirty="0" smtClean="0"/>
+              <a:t> -&gt; List Form -&gt; Element</a:t>
+            </a:r>
+          </a:p>
+          <a:p>
+            <a:pPr lvl="1"/>
+            <a:r>
+              <a:rPr lang="en-US" dirty="0" err="1" smtClean="0"/>
+              <a:t>toForm</a:t>
+            </a:r>
+            <a:r>
+              <a:rPr lang="en-US" dirty="0" smtClean="0"/>
+              <a:t> : Element -&gt; Form</a:t>
+            </a:r>
+          </a:p>
+          <a:p>
+            <a:pPr lvl="1"/>
+            <a:r>
+              <a:rPr lang="en-US" dirty="0" smtClean="0"/>
+              <a:t>flow : Direction -&gt; List Element -&gt; Element</a:t>
+            </a:r>
+          </a:p>
+          <a:p>
+            <a:pPr lvl="1"/>
+            <a:r>
+              <a:rPr lang="en-US" dirty="0" smtClean="0"/>
+              <a:t>image : </a:t>
+            </a:r>
+            <a:r>
+              <a:rPr lang="en-US" dirty="0" err="1" smtClean="0"/>
+              <a:t>Int</a:t>
+            </a:r>
+            <a:r>
+              <a:rPr lang="en-US" dirty="0" smtClean="0"/>
+              <a:t> -&gt; </a:t>
+            </a:r>
+            <a:r>
+              <a:rPr lang="en-US" dirty="0" err="1" smtClean="0"/>
+              <a:t>Int</a:t>
+            </a:r>
+            <a:r>
+              <a:rPr lang="en-US" dirty="0" smtClean="0"/>
+              <a:t> -&gt; String -&gt; Element</a:t>
+            </a:r>
+          </a:p>
+        </p:txBody>
+      </p:sp>
+    </p:spTree>
+    <p:extLst>
+      <p:ext uri="{BB962C8B-B14F-4D97-AF65-F5344CB8AC3E}">
+        <p14:creationId xmlns:p14="http://schemas.microsoft.com/office/powerpoint/2010/main" val="4174156917"/>
+      </p:ext>
+    </p:extLst>
+  </p:cSld>
+  <p:clrMapOvr>
+    <a:masterClrMapping/>
+  </p:clrMapOvr>
+  <p:timing>
+    <p:tnLst>
+      <p:par>
+        <p:cTn id="1" dur="indefinite" restart="never" nodeType="tmRoot"/>
+      </p:par>
+    </p:tnLst>
+  </p:timing>
+</p:sld>
+</file>
+
 <file path=ppt/slides/slide25.xml><?xml version="1.0" encoding="utf-8"?>
 <p:sld xmlns:a="http://schemas.openxmlformats.org/drawingml/2006/main" xmlns:r="http://schemas.openxmlformats.org/officeDocument/2006/relationships" xmlns:p="http://schemas.openxmlformats.org/presentationml/2006/main">
   <p:cSld>
@@ -10796,52 +13665,279 @@
           <a:p>
             <a:r>
               <a:rPr lang="en-US" dirty="0" smtClean="0"/>
-              <a:t>Examples</a:t>
+              <a:t>Shapes, Forms, and Elements</a:t>
             </a:r>
             <a:endParaRPr lang="en-US" dirty="0"/>
           </a:p>
         </p:txBody>
       </p:sp>
-      <p:sp>
-        <p:nvSpPr>
-          <p:cNvPr id="3" name="Content Placeholder 2"/>
-          <p:cNvSpPr>
-            <a:spLocks noGrp="1"/>
-          </p:cNvSpPr>
+      <p:graphicFrame>
+        <p:nvGraphicFramePr>
+          <p:cNvPr id="4" name="Content Placeholder 3"/>
+          <p:cNvGraphicFramePr>
+            <a:graphicFrameLocks noGrp="1"/>
+          </p:cNvGraphicFramePr>
           <p:nvPr>
             <p:ph sz="quarter" idx="1"/>
+            <p:extLst>
+              <p:ext uri="{D42A27DB-BD31-4B8C-83A1-F6EECF244321}">
+                <p14:modId xmlns:p14="http://schemas.microsoft.com/office/powerpoint/2010/main" val="1853890591"/>
+              </p:ext>
+            </p:extLst>
           </p:nvPr>
-        </p:nvSpPr>
-        <p:spPr/>
-        <p:txBody>
-          <a:bodyPr/>
-          <a:lstStyle/>
-          <a:p>
+        </p:nvGraphicFramePr>
+        <p:xfrm>
+          <a:off x="612775" y="1600200"/>
+          <a:ext cx="8153400" cy="4495800"/>
+        </p:xfrm>
+        <a:graphic>
+          <a:graphicData uri="http://schemas.openxmlformats.org/drawingml/2006/diagram">
+            <dgm:relIds xmlns:dgm="http://schemas.openxmlformats.org/drawingml/2006/diagram" xmlns:r="http://schemas.openxmlformats.org/officeDocument/2006/relationships" r:dm="rId2" r:lo="rId3" r:qs="rId4" r:cs="rId5"/>
+          </a:graphicData>
+        </a:graphic>
+      </p:graphicFrame>
+      <p:sp>
+        <p:nvSpPr>
+          <p:cNvPr id="5" name="TextBox 4"/>
+          <p:cNvSpPr txBox="1"/>
+          <p:nvPr/>
+        </p:nvSpPr>
+        <p:spPr>
+          <a:xfrm>
+            <a:off x="762000" y="1676400"/>
+            <a:ext cx="2286000" cy="646331"/>
+          </a:xfrm>
+          <a:prstGeom prst="rect">
+            <a:avLst/>
+          </a:prstGeom>
+          <a:noFill/>
+        </p:spPr>
+        <p:txBody>
+          <a:bodyPr wrap="square" rtlCol="0">
+            <a:spAutoFit/>
+          </a:bodyPr>
+          <a:lstStyle/>
+          <a:p>
+            <a:pPr marL="0" lvl="1"/>
+            <a:r>
+              <a:rPr lang="en-US" dirty="0"/>
+              <a:t>circle : Float -&gt; Shape</a:t>
+            </a:r>
+          </a:p>
+          <a:p>
+            <a:endParaRPr lang="en-US" dirty="0"/>
+          </a:p>
+        </p:txBody>
+      </p:sp>
+      <p:sp>
+        <p:nvSpPr>
+          <p:cNvPr id="6" name="TextBox 5"/>
+          <p:cNvSpPr txBox="1"/>
+          <p:nvPr/>
+        </p:nvSpPr>
+        <p:spPr>
+          <a:xfrm>
+            <a:off x="533400" y="6211669"/>
+            <a:ext cx="3735446" cy="646331"/>
+          </a:xfrm>
+          <a:prstGeom prst="rect">
+            <a:avLst/>
+          </a:prstGeom>
+          <a:noFill/>
+        </p:spPr>
+        <p:txBody>
+          <a:bodyPr wrap="none" rtlCol="0">
+            <a:spAutoFit/>
+          </a:bodyPr>
+          <a:lstStyle/>
+          <a:p>
+            <a:pPr marL="0" lvl="1"/>
+            <a:r>
+              <a:rPr lang="en-US" dirty="0"/>
+              <a:t>move : Float -&gt; Float -&gt; Form -&gt; Form</a:t>
+            </a:r>
+          </a:p>
+          <a:p>
+            <a:endParaRPr lang="en-US" dirty="0"/>
+          </a:p>
+        </p:txBody>
+      </p:sp>
+      <p:sp>
+        <p:nvSpPr>
+          <p:cNvPr id="7" name="TextBox 6"/>
+          <p:cNvSpPr txBox="1"/>
+          <p:nvPr/>
+        </p:nvSpPr>
+        <p:spPr>
+          <a:xfrm>
+            <a:off x="2971800" y="4640179"/>
+            <a:ext cx="4034438" cy="646331"/>
+          </a:xfrm>
+          <a:prstGeom prst="rect">
+            <a:avLst/>
+          </a:prstGeom>
+          <a:noFill/>
+        </p:spPr>
+        <p:txBody>
+          <a:bodyPr wrap="none" rtlCol="0">
+            <a:spAutoFit/>
+          </a:bodyPr>
+          <a:lstStyle/>
+          <a:p>
+            <a:pPr marL="0" lvl="1"/>
+            <a:r>
+              <a:rPr lang="en-US" dirty="0"/>
+              <a:t>collage : </a:t>
+            </a:r>
+            <a:r>
+              <a:rPr lang="en-US" dirty="0" err="1"/>
+              <a:t>Int</a:t>
+            </a:r>
+            <a:r>
+              <a:rPr lang="en-US" dirty="0"/>
+              <a:t> -&gt; </a:t>
+            </a:r>
+            <a:r>
+              <a:rPr lang="en-US" dirty="0" err="1"/>
+              <a:t>Int</a:t>
+            </a:r>
+            <a:r>
+              <a:rPr lang="en-US" dirty="0"/>
+              <a:t> -&gt; List Form -&gt; Element</a:t>
+            </a:r>
+          </a:p>
+          <a:p>
+            <a:endParaRPr lang="en-US" dirty="0"/>
+          </a:p>
+        </p:txBody>
+      </p:sp>
+      <p:sp>
+        <p:nvSpPr>
+          <p:cNvPr id="8" name="TextBox 7"/>
+          <p:cNvSpPr txBox="1"/>
+          <p:nvPr/>
+        </p:nvSpPr>
+        <p:spPr>
+          <a:xfrm>
+            <a:off x="5125398" y="6195627"/>
+            <a:ext cx="4018601" cy="923330"/>
+          </a:xfrm>
+          <a:prstGeom prst="rect">
+            <a:avLst/>
+          </a:prstGeom>
+          <a:noFill/>
+        </p:spPr>
+        <p:txBody>
+          <a:bodyPr wrap="none" rtlCol="0">
+            <a:spAutoFit/>
+          </a:bodyPr>
+          <a:lstStyle/>
+          <a:p>
+            <a:pPr marL="0" lvl="1"/>
+            <a:r>
+              <a:rPr lang="en-US" dirty="0"/>
+              <a:t>image : </a:t>
+            </a:r>
+            <a:r>
+              <a:rPr lang="en-US" dirty="0" err="1"/>
+              <a:t>Int</a:t>
+            </a:r>
+            <a:r>
+              <a:rPr lang="en-US" dirty="0"/>
+              <a:t> -&gt; </a:t>
+            </a:r>
+            <a:r>
+              <a:rPr lang="en-US" dirty="0" err="1"/>
+              <a:t>Int</a:t>
+            </a:r>
+            <a:r>
+              <a:rPr lang="en-US" dirty="0"/>
+              <a:t> -&gt; String -&gt; </a:t>
+            </a:r>
             <a:r>
               <a:rPr lang="en-US" dirty="0" smtClean="0"/>
-              <a:t>Hello World with timer</a:t>
-            </a:r>
-          </a:p>
-          <a:p>
+              <a:t>Element</a:t>
+            </a:r>
+          </a:p>
+          <a:p>
+            <a:pPr marL="0" lvl="1"/>
             <a:r>
               <a:rPr lang="en-US" dirty="0" smtClean="0"/>
-              <a:t>Spaceship</a:t>
-            </a:r>
-          </a:p>
-          <a:p>
-            <a:r>
-              <a:rPr lang="en-US" dirty="0" smtClean="0"/>
-              <a:t>Guessing </a:t>
+              <a:t>flow </a:t>
             </a:r>
             <a:r>
               <a:rPr lang="en-US" dirty="0"/>
-              <a:t>game: you have 5 tries to guess a random number between 0 and 100.</a:t>
-            </a:r>
-          </a:p>
-          <a:p>
+              <a:t>: Direction -&gt; List Element -&gt; Element</a:t>
+            </a:r>
+          </a:p>
+          <a:p>
+            <a:endParaRPr lang="en-US" dirty="0"/>
+          </a:p>
+        </p:txBody>
+      </p:sp>
+      <p:sp>
+        <p:nvSpPr>
+          <p:cNvPr id="9" name="TextBox 8"/>
+          <p:cNvSpPr txBox="1"/>
+          <p:nvPr/>
+        </p:nvSpPr>
+        <p:spPr>
+          <a:xfrm>
+            <a:off x="3505200" y="5795211"/>
+            <a:ext cx="2500941" cy="646331"/>
+          </a:xfrm>
+          <a:prstGeom prst="rect">
+            <a:avLst/>
+          </a:prstGeom>
+          <a:noFill/>
+        </p:spPr>
+        <p:txBody>
+          <a:bodyPr wrap="none" rtlCol="0">
+            <a:spAutoFit/>
+          </a:bodyPr>
+          <a:lstStyle/>
+          <a:p>
+            <a:pPr marL="0" lvl="1"/>
+            <a:r>
+              <a:rPr lang="en-US" dirty="0" err="1"/>
+              <a:t>toForm</a:t>
+            </a:r>
             <a:r>
               <a:rPr lang="en-US" dirty="0"/>
-              <a:t>Snake</a:t>
+              <a:t> : Element -&gt; Form</a:t>
+            </a:r>
+          </a:p>
+          <a:p>
+            <a:endParaRPr lang="en-US" dirty="0"/>
+          </a:p>
+        </p:txBody>
+      </p:sp>
+      <p:sp>
+        <p:nvSpPr>
+          <p:cNvPr id="10" name="TextBox 9"/>
+          <p:cNvSpPr txBox="1"/>
+          <p:nvPr/>
+        </p:nvSpPr>
+        <p:spPr>
+          <a:xfrm>
+            <a:off x="416726" y="3505200"/>
+            <a:ext cx="3088474" cy="646331"/>
+          </a:xfrm>
+          <a:prstGeom prst="rect">
+            <a:avLst/>
+          </a:prstGeom>
+          <a:noFill/>
+        </p:spPr>
+        <p:txBody>
+          <a:bodyPr wrap="none" rtlCol="0">
+            <a:spAutoFit/>
+          </a:bodyPr>
+          <a:lstStyle/>
+          <a:p>
+            <a:pPr marL="0" lvl="1"/>
+            <a:r>
+              <a:rPr lang="en-US" dirty="0"/>
+              <a:t>filled : Color -&gt; Shape -&gt; Form</a:t>
             </a:r>
           </a:p>
           <a:p>
@@ -10852,20 +13948,13 @@
     </p:spTree>
     <p:extLst>
       <p:ext uri="{BB962C8B-B14F-4D97-AF65-F5344CB8AC3E}">
-        <p14:creationId xmlns:p14="http://schemas.microsoft.com/office/powerpoint/2010/main" val="3728905455"/>
+        <p14:creationId xmlns:p14="http://schemas.microsoft.com/office/powerpoint/2010/main" val="1146402328"/>
       </p:ext>
     </p:extLst>
   </p:cSld>
   <p:clrMapOvr>
     <a:masterClrMapping/>
   </p:clrMapOvr>
-  <p:timing>
-    <p:tnLst>
-      <p:par>
-        <p:cTn id="1" dur="indefinite" restart="never" nodeType="tmRoot"/>
-      </p:par>
-    </p:tnLst>
-  </p:timing>
 </p:sld>
 </file>
 
@@ -10903,7 +13992,7 @@
           <a:p>
             <a:r>
               <a:rPr lang="en-US" dirty="0" smtClean="0"/>
-              <a:t>Signal examples</a:t>
+              <a:t>Go make games!</a:t>
             </a:r>
             <a:endParaRPr lang="en-US" dirty="0"/>
           </a:p>
@@ -10919,19 +14008,116 @@
             <p:ph sz="quarter" idx="1"/>
           </p:nvPr>
         </p:nvSpPr>
-        <p:spPr/>
-        <p:txBody>
-          <a:bodyPr/>
-          <a:lstStyle/>
-          <a:p>
-            <a:endParaRPr lang="en-US"/>
+        <p:spPr>
+          <a:xfrm>
+            <a:off x="612648" y="1600200"/>
+            <a:ext cx="8153400" cy="5257800"/>
+          </a:xfrm>
+        </p:spPr>
+        <p:txBody>
+          <a:bodyPr>
+            <a:normAutofit/>
+          </a:bodyPr>
+          <a:lstStyle/>
+          <a:p>
+            <a:r>
+              <a:rPr lang="en-US" b="1" dirty="0" smtClean="0"/>
+              <a:t>Write down</a:t>
+            </a:r>
+            <a:r>
+              <a:rPr lang="en-US" dirty="0" smtClean="0"/>
+              <a:t> the type signatures of your model and input first! Remember,</a:t>
+            </a:r>
+          </a:p>
+          <a:p>
+            <a:pPr lvl="1"/>
+            <a:r>
+              <a:rPr lang="en-US" dirty="0"/>
+              <a:t>u</a:t>
+            </a:r>
+            <a:r>
+              <a:rPr lang="en-US" dirty="0" smtClean="0"/>
+              <a:t>pdate : Input -&gt; Model -&gt; Model</a:t>
+            </a:r>
+          </a:p>
+          <a:p>
+            <a:pPr lvl="1"/>
+            <a:r>
+              <a:rPr lang="en-US" dirty="0" smtClean="0"/>
+              <a:t>view: Model -&gt; Element</a:t>
+            </a:r>
+          </a:p>
+          <a:p>
+            <a:r>
+              <a:rPr lang="en-US" dirty="0" smtClean="0"/>
+              <a:t>Make a prototype.</a:t>
+            </a:r>
+          </a:p>
+          <a:p>
+            <a:r>
+              <a:rPr lang="en-US" dirty="0" smtClean="0"/>
+              <a:t>Break up into small parts.</a:t>
+            </a:r>
+          </a:p>
+          <a:p>
+            <a:r>
+              <a:rPr lang="en-US" dirty="0" smtClean="0"/>
+              <a:t>Use </a:t>
+            </a:r>
+            <a:r>
+              <a:rPr lang="en-US" dirty="0"/>
+              <a:t>the examples </a:t>
+            </a:r>
+            <a:r>
+              <a:rPr lang="en-US" dirty="0">
+                <a:hlinkClick r:id="rId3"/>
+              </a:rPr>
+              <a:t>http://</a:t>
+            </a:r>
+            <a:r>
+              <a:rPr lang="en-US" dirty="0" smtClean="0">
+                <a:hlinkClick r:id="rId3"/>
+              </a:rPr>
+              <a:t>elm-lang.org/Examples.elm</a:t>
+            </a:r>
+            <a:r>
+              <a:rPr lang="en-US" dirty="0" smtClean="0"/>
+              <a:t> </a:t>
+            </a:r>
+            <a:r>
+              <a:rPr lang="en-US" dirty="0"/>
+              <a:t>and documentation </a:t>
+            </a:r>
+            <a:r>
+              <a:rPr lang="en-US" dirty="0">
+                <a:hlinkClick r:id="rId4"/>
+              </a:rPr>
+              <a:t>http://</a:t>
+            </a:r>
+            <a:r>
+              <a:rPr lang="en-US" dirty="0" smtClean="0">
+                <a:hlinkClick r:id="rId4"/>
+              </a:rPr>
+              <a:t>package.elm-lang.org/packages/elm-lang/core/3.0.0</a:t>
+            </a:r>
+            <a:r>
+              <a:rPr lang="en-US" dirty="0" smtClean="0">
+                <a:hlinkClick r:id="rId4"/>
+              </a:rPr>
+              <a:t>/</a:t>
+            </a:r>
+            <a:r>
+              <a:rPr lang="en-US" dirty="0" smtClean="0"/>
+              <a:t> </a:t>
+            </a:r>
+            <a:endParaRPr lang="en-US" dirty="0"/>
           </a:p>
         </p:txBody>
       </p:sp>
     </p:spTree>
     <p:extLst>
       <p:ext uri="{BB962C8B-B14F-4D97-AF65-F5344CB8AC3E}">
-        <p14:creationId xmlns:p14="http://schemas.microsoft.com/office/powerpoint/2010/main" val="1921039907"/>
+        <p14:creationId xmlns:p14="http://schemas.microsoft.com/office/powerpoint/2010/main" val="1112287750"/>
       </p:ext>
     </p:extLst>
   </p:cSld>
@@ -10980,7 +14166,11 @@
           <a:bodyPr/>
           <a:lstStyle/>
           <a:p>
-            <a:endParaRPr lang="en-US"/>
+            <a:r>
+              <a:rPr lang="en-US" dirty="0" smtClean="0"/>
+              <a:t>Go forth and learn!</a:t>
+            </a:r>
+            <a:endParaRPr lang="en-US" dirty="0"/>
           </a:p>
         </p:txBody>
       </p:sp>
@@ -10999,458 +14189,87 @@
           <a:bodyPr/>
           <a:lstStyle/>
           <a:p>
-            <a:pPr marL="0" indent="0">
-              <a:buNone/>
-            </a:pPr>
-            <a:r>
-              <a:rPr lang="en-US" b="1" dirty="0">
-                <a:latin typeface="Courier New" panose="02070309020205020404" pitchFamily="49" charset="0"/>
-                <a:cs typeface="Courier New" panose="02070309020205020404" pitchFamily="49" charset="0"/>
+            <a:r>
+              <a:rPr lang="en-US" dirty="0" smtClean="0"/>
+              <a:t>Ask questions on the elm mailing list.</a:t>
+            </a:r>
+          </a:p>
+          <a:p>
+            <a:pPr lvl="1"/>
+            <a:r>
+              <a:rPr lang="en-US" dirty="0">
                 <a:hlinkClick r:id="rId2"/>
               </a:rPr>
-              <a:t/>
-            </a:r>
-            <a:br>
-              <a:rPr lang="en-US" b="1" dirty="0">
-                <a:latin typeface="Courier New" panose="02070309020205020404" pitchFamily="49" charset="0"/>
-                <a:cs typeface="Courier New" panose="02070309020205020404" pitchFamily="49" charset="0"/>
+              <a:t>http://</a:t>
+            </a:r>
+            <a:r>
+              <a:rPr lang="en-US" dirty="0" smtClean="0">
                 <a:hlinkClick r:id="rId2"/>
               </a:rPr>
-            </a:br>
-            <a:r>
-              <a:rPr lang="en-US" b="1" dirty="0" err="1">
-                <a:latin typeface="Courier New" panose="02070309020205020404" pitchFamily="49" charset="0"/>
-                <a:cs typeface="Courier New" panose="02070309020205020404" pitchFamily="49" charset="0"/>
-                <a:hlinkClick r:id="rId2"/>
+              <a:t>elm-lang.org/community</a:t>
+            </a:r>
+            <a:r>
+              <a:rPr lang="en-US" dirty="0" smtClean="0"/>
+              <a:t> </a:t>
+            </a:r>
+            <a:endParaRPr lang="en-US" dirty="0"/>
+          </a:p>
+          <a:p>
+            <a:r>
+              <a:rPr lang="en-US" dirty="0" smtClean="0"/>
+              <a:t>Elm is based off the functional language </a:t>
+            </a:r>
+            <a:r>
+              <a:rPr lang="en-US" b="1" dirty="0" smtClean="0"/>
+              <a:t>Haskell</a:t>
+            </a:r>
+            <a:r>
+              <a:rPr lang="en-US" dirty="0" smtClean="0"/>
+              <a:t>, which has more advanced features.</a:t>
+            </a:r>
+          </a:p>
+          <a:p>
+            <a:pPr lvl="1"/>
+            <a:r>
+              <a:rPr lang="en-US" dirty="0">
+                <a:hlinkClick r:id="rId3"/>
               </a:rPr>
-              <a:t>foldp</a:t>
-            </a:r>
-            <a:r>
-              <a:rPr lang="en-US" dirty="0">
-                <a:latin typeface="Courier New" panose="02070309020205020404" pitchFamily="49" charset="0"/>
-                <a:cs typeface="Courier New" panose="02070309020205020404" pitchFamily="49" charset="0"/>
+              <a:t>http://learnyouahaskell.com</a:t>
+            </a:r>
+            <a:r>
+              <a:rPr lang="en-US" dirty="0" smtClean="0">
+                <a:hlinkClick r:id="rId3"/>
               </a:rPr>
-              <a:t> : (a -&gt; state -&gt; state) -&gt; state -&gt; Signal a -&gt; Signal </a:t>
+              <a:t>/</a:t>
+            </a:r>
+            <a:r>
+              <a:rPr lang="en-US" dirty="0" smtClean="0"/>
+              <a:t> </a:t>
+            </a:r>
+          </a:p>
+          <a:p>
+            <a:r>
+              <a:rPr lang="en-US" dirty="0" smtClean="0"/>
+              <a:t>Keep in touch! </a:t>
             </a:r>
             <a:r>
               <a:rPr lang="en-US" dirty="0" smtClean="0">
-                <a:latin typeface="Courier New" panose="02070309020205020404" pitchFamily="49" charset="0"/>
-                <a:cs typeface="Courier New" panose="02070309020205020404" pitchFamily="49" charset="0"/>
+                <a:hlinkClick r:id="rId4"/>
               </a:rPr>
-              <a:t>state</a:t>
-            </a:r>
-          </a:p>
-          <a:p>
-            <a:pPr marL="0" indent="0">
-              <a:buNone/>
-            </a:pPr>
-            <a:endParaRPr lang="en-US" dirty="0">
-              <a:latin typeface="Courier New" panose="02070309020205020404" pitchFamily="49" charset="0"/>
-              <a:cs typeface="Courier New" panose="02070309020205020404" pitchFamily="49" charset="0"/>
-            </a:endParaRPr>
-          </a:p>
-          <a:p>
-            <a:pPr marL="0" indent="0">
-              <a:buNone/>
-            </a:pPr>
-            <a:r>
-              <a:rPr lang="en-US" dirty="0" err="1">
-                <a:latin typeface="Courier New" panose="02070309020205020404" pitchFamily="49" charset="0"/>
-                <a:cs typeface="Courier New" panose="02070309020205020404" pitchFamily="49" charset="0"/>
-              </a:rPr>
-              <a:t>foldp</a:t>
-            </a:r>
-            <a:r>
-              <a:rPr lang="en-US" dirty="0">
-                <a:latin typeface="Courier New" panose="02070309020205020404" pitchFamily="49" charset="0"/>
-                <a:cs typeface="Courier New" panose="02070309020205020404" pitchFamily="49" charset="0"/>
-              </a:rPr>
-              <a:t> update </a:t>
-            </a:r>
-            <a:r>
-              <a:rPr lang="en-US" dirty="0" err="1" smtClean="0">
-                <a:latin typeface="Courier New" panose="02070309020205020404" pitchFamily="49" charset="0"/>
-                <a:cs typeface="Courier New" panose="02070309020205020404" pitchFamily="49" charset="0"/>
-              </a:rPr>
-              <a:t>startModel</a:t>
-            </a:r>
-            <a:r>
-              <a:rPr lang="en-US" dirty="0" smtClean="0">
-                <a:latin typeface="Courier New" panose="02070309020205020404" pitchFamily="49" charset="0"/>
-                <a:cs typeface="Courier New" panose="02070309020205020404" pitchFamily="49" charset="0"/>
-              </a:rPr>
+              <a:t>holdenl@princeton.edu</a:t>
+            </a:r>
+            <a:r>
+              <a:rPr lang="en-US" dirty="0" smtClean="0"/>
               <a:t> </a:t>
             </a:r>
-            <a:r>
-              <a:rPr lang="en-US" dirty="0">
-                <a:latin typeface="Courier New" panose="02070309020205020404" pitchFamily="49" charset="0"/>
-                <a:cs typeface="Courier New" panose="02070309020205020404" pitchFamily="49" charset="0"/>
-              </a:rPr>
-              <a:t>input </a:t>
-            </a:r>
+            <a:endParaRPr lang="en-US" dirty="0"/>
           </a:p>
         </p:txBody>
       </p:sp>
     </p:spTree>
     <p:extLst>
       <p:ext uri="{BB962C8B-B14F-4D97-AF65-F5344CB8AC3E}">
-        <p14:creationId xmlns:p14="http://schemas.microsoft.com/office/powerpoint/2010/main" val="4007939402"/>
-      </p:ext>
-    </p:extLst>
-  </p:cSld>
-  <p:clrMapOvr>
-    <a:masterClrMapping/>
-  </p:clrMapOvr>
-  <p:timing>
-    <p:tnLst>
-      <p:par>
-        <p:cTn id="1" dur="indefinite" restart="never" nodeType="tmRoot"/>
-      </p:par>
-    </p:tnLst>
-  </p:timing>
-</p:sld>
-</file>
-
-<file path=ppt/slides/slide28.xml><?xml version="1.0" encoding="utf-8"?>
-<p:sld xmlns:a="http://schemas.openxmlformats.org/drawingml/2006/main" xmlns:r="http://schemas.openxmlformats.org/officeDocument/2006/relationships" xmlns:p="http://schemas.openxmlformats.org/presentationml/2006/main">
-  <p:cSld>
-    <p:spTree>
-      <p:nvGrpSpPr>
-        <p:cNvPr id="1" name=""/>
-        <p:cNvGrpSpPr/>
-        <p:nvPr/>
-      </p:nvGrpSpPr>
-      <p:grpSpPr>
-        <a:xfrm>
-          <a:off x="0" y="0"/>
-          <a:ext cx="0" cy="0"/>
-          <a:chOff x="0" y="0"/>
-          <a:chExt cx="0" cy="0"/>
-        </a:xfrm>
-      </p:grpSpPr>
-      <p:sp>
-        <p:nvSpPr>
-          <p:cNvPr id="2" name="Title 1"/>
-          <p:cNvSpPr>
-            <a:spLocks noGrp="1"/>
-          </p:cNvSpPr>
-          <p:nvPr>
-            <p:ph type="title"/>
-          </p:nvPr>
-        </p:nvSpPr>
-        <p:spPr/>
-        <p:txBody>
-          <a:bodyPr/>
-          <a:lstStyle/>
-          <a:p>
-            <a:r>
-              <a:rPr lang="en-US" dirty="0" smtClean="0"/>
-              <a:t>Shapes, Forms, and Elements</a:t>
-            </a:r>
-            <a:endParaRPr lang="en-US" dirty="0"/>
-          </a:p>
-        </p:txBody>
-      </p:sp>
-      <p:sp>
-        <p:nvSpPr>
-          <p:cNvPr id="3" name="Content Placeholder 2"/>
-          <p:cNvSpPr>
-            <a:spLocks noGrp="1"/>
-          </p:cNvSpPr>
-          <p:nvPr>
-            <p:ph sz="quarter" idx="1"/>
-          </p:nvPr>
-        </p:nvSpPr>
-        <p:spPr>
-          <a:xfrm>
-            <a:off x="612648" y="1600200"/>
-            <a:ext cx="8153400" cy="5257800"/>
-          </a:xfrm>
-        </p:spPr>
-        <p:txBody>
-          <a:bodyPr>
-            <a:normAutofit/>
-          </a:bodyPr>
-          <a:lstStyle/>
-          <a:p>
-            <a:r>
-              <a:rPr lang="en-US" dirty="0" smtClean="0"/>
-              <a:t>Shapes and paths</a:t>
-            </a:r>
-          </a:p>
-          <a:p>
-            <a:pPr lvl="1"/>
-            <a:r>
-              <a:rPr lang="en-US" dirty="0" smtClean="0"/>
-              <a:t>circle : Float -&gt; Shape</a:t>
-            </a:r>
-          </a:p>
-          <a:p>
-            <a:pPr lvl="1"/>
-            <a:r>
-              <a:rPr lang="en-US" dirty="0" smtClean="0"/>
-              <a:t>filled : Color -&gt; Shape -&gt; Form</a:t>
-            </a:r>
-          </a:p>
-          <a:p>
-            <a:r>
-              <a:rPr lang="en-US" dirty="0" smtClean="0"/>
-              <a:t>Forms: things with coordinates</a:t>
-            </a:r>
-          </a:p>
-          <a:p>
-            <a:pPr lvl="1"/>
-            <a:r>
-              <a:rPr lang="en-US" dirty="0" smtClean="0"/>
-              <a:t>move : Float -&gt; Float -&gt; Form -&gt; Form</a:t>
-            </a:r>
-          </a:p>
-          <a:p>
-            <a:r>
-              <a:rPr lang="en-US" dirty="0" smtClean="0"/>
-              <a:t>Elements: what’s actually displayed</a:t>
-            </a:r>
-          </a:p>
-          <a:p>
-            <a:pPr lvl="1"/>
-            <a:r>
-              <a:rPr lang="en-US" dirty="0" smtClean="0"/>
-              <a:t>collage : </a:t>
-            </a:r>
-            <a:r>
-              <a:rPr lang="en-US" dirty="0" err="1" smtClean="0"/>
-              <a:t>Int</a:t>
-            </a:r>
-            <a:r>
-              <a:rPr lang="en-US" dirty="0" smtClean="0"/>
-              <a:t> -&gt; </a:t>
-            </a:r>
-            <a:r>
-              <a:rPr lang="en-US" dirty="0" err="1" smtClean="0"/>
-              <a:t>Int</a:t>
-            </a:r>
-            <a:r>
-              <a:rPr lang="en-US" dirty="0" smtClean="0"/>
-              <a:t> -&gt; List Form -&gt; Element</a:t>
-            </a:r>
-          </a:p>
-          <a:p>
-            <a:pPr lvl="1"/>
-            <a:r>
-              <a:rPr lang="en-US" dirty="0" err="1" smtClean="0"/>
-              <a:t>toForm</a:t>
-            </a:r>
-            <a:r>
-              <a:rPr lang="en-US" dirty="0" smtClean="0"/>
-              <a:t> : Element -&gt; Form</a:t>
-            </a:r>
-          </a:p>
-          <a:p>
-            <a:pPr lvl="1"/>
-            <a:r>
-              <a:rPr lang="en-US" dirty="0" smtClean="0"/>
-              <a:t>flow : Direction -&gt; List Element -&gt; Element</a:t>
-            </a:r>
-          </a:p>
-          <a:p>
-            <a:pPr lvl="1"/>
-            <a:r>
-              <a:rPr lang="en-US" dirty="0" smtClean="0"/>
-              <a:t>image : </a:t>
-            </a:r>
-            <a:r>
-              <a:rPr lang="en-US" dirty="0" err="1" smtClean="0"/>
-              <a:t>Int</a:t>
-            </a:r>
-            <a:r>
-              <a:rPr lang="en-US" dirty="0" smtClean="0"/>
-              <a:t> -&gt; </a:t>
-            </a:r>
-            <a:r>
-              <a:rPr lang="en-US" dirty="0" err="1" smtClean="0"/>
-              <a:t>Int</a:t>
-            </a:r>
-            <a:r>
-              <a:rPr lang="en-US" dirty="0" smtClean="0"/>
-              <a:t> -&gt; String -&gt; Element</a:t>
-            </a:r>
-          </a:p>
-        </p:txBody>
-      </p:sp>
-    </p:spTree>
-    <p:extLst>
-      <p:ext uri="{BB962C8B-B14F-4D97-AF65-F5344CB8AC3E}">
-        <p14:creationId xmlns:p14="http://schemas.microsoft.com/office/powerpoint/2010/main" val="4174156917"/>
-      </p:ext>
-    </p:extLst>
-  </p:cSld>
-  <p:clrMapOvr>
-    <a:masterClrMapping/>
-  </p:clrMapOvr>
-  <p:timing>
-    <p:tnLst>
-      <p:par>
-        <p:cTn id="1" dur="indefinite" restart="never" nodeType="tmRoot"/>
-      </p:par>
-    </p:tnLst>
-  </p:timing>
-</p:sld>
-</file>
-
-<file path=ppt/slides/slide29.xml><?xml version="1.0" encoding="utf-8"?>
-<p:sld xmlns:a="http://schemas.openxmlformats.org/drawingml/2006/main" xmlns:r="http://schemas.openxmlformats.org/officeDocument/2006/relationships" xmlns:p="http://schemas.openxmlformats.org/presentationml/2006/main">
-  <p:cSld>
-    <p:spTree>
-      <p:nvGrpSpPr>
-        <p:cNvPr id="1" name=""/>
-        <p:cNvGrpSpPr/>
-        <p:nvPr/>
-      </p:nvGrpSpPr>
-      <p:grpSpPr>
-        <a:xfrm>
-          <a:off x="0" y="0"/>
-          <a:ext cx="0" cy="0"/>
-          <a:chOff x="0" y="0"/>
-          <a:chExt cx="0" cy="0"/>
-        </a:xfrm>
-      </p:grpSpPr>
-      <p:sp>
-        <p:nvSpPr>
-          <p:cNvPr id="2" name="Title 1"/>
-          <p:cNvSpPr>
-            <a:spLocks noGrp="1"/>
-          </p:cNvSpPr>
-          <p:nvPr>
-            <p:ph type="title"/>
-          </p:nvPr>
-        </p:nvSpPr>
-        <p:spPr/>
-        <p:txBody>
-          <a:bodyPr/>
-          <a:lstStyle/>
-          <a:p>
-            <a:r>
-              <a:rPr lang="en-US" dirty="0" smtClean="0"/>
-              <a:t>Go make games!</a:t>
-            </a:r>
-            <a:endParaRPr lang="en-US" dirty="0"/>
-          </a:p>
-        </p:txBody>
-      </p:sp>
-      <p:sp>
-        <p:nvSpPr>
-          <p:cNvPr id="3" name="Content Placeholder 2"/>
-          <p:cNvSpPr>
-            <a:spLocks noGrp="1"/>
-          </p:cNvSpPr>
-          <p:nvPr>
-            <p:ph sz="quarter" idx="1"/>
-          </p:nvPr>
-        </p:nvSpPr>
-        <p:spPr>
-          <a:xfrm>
-            <a:off x="612648" y="1600200"/>
-            <a:ext cx="8153400" cy="5257800"/>
-          </a:xfrm>
-        </p:spPr>
-        <p:txBody>
-          <a:bodyPr>
-            <a:normAutofit/>
-          </a:bodyPr>
-          <a:lstStyle/>
-          <a:p>
-            <a:r>
-              <a:rPr lang="en-US" b="1" dirty="0" smtClean="0"/>
-              <a:t>Write down</a:t>
-            </a:r>
-            <a:r>
-              <a:rPr lang="en-US" dirty="0" smtClean="0"/>
-              <a:t> the type signatures of your model and input first! Remember,</a:t>
-            </a:r>
-          </a:p>
-          <a:p>
-            <a:pPr lvl="1"/>
-            <a:r>
-              <a:rPr lang="en-US" dirty="0"/>
-              <a:t>u</a:t>
-            </a:r>
-            <a:r>
-              <a:rPr lang="en-US" dirty="0" smtClean="0"/>
-              <a:t>pdate : Input -&gt; Model -&gt; Model</a:t>
-            </a:r>
-          </a:p>
-          <a:p>
-            <a:pPr lvl="1"/>
-            <a:r>
-              <a:rPr lang="en-US" dirty="0" smtClean="0"/>
-              <a:t>view: Model -&gt; Element</a:t>
-            </a:r>
-          </a:p>
-          <a:p>
-            <a:r>
-              <a:rPr lang="en-US" dirty="0" smtClean="0"/>
-              <a:t>Make a prototype.</a:t>
-            </a:r>
-          </a:p>
-          <a:p>
-            <a:r>
-              <a:rPr lang="en-US" dirty="0" smtClean="0"/>
-              <a:t>Break up into small parts.</a:t>
-            </a:r>
-          </a:p>
-          <a:p>
-            <a:r>
-              <a:rPr lang="en-US" dirty="0" smtClean="0"/>
-              <a:t>Use </a:t>
-            </a:r>
-            <a:r>
-              <a:rPr lang="en-US" dirty="0"/>
-              <a:t>the examples </a:t>
-            </a:r>
-            <a:r>
-              <a:rPr lang="en-US" dirty="0">
-                <a:hlinkClick r:id="rId3"/>
-              </a:rPr>
-              <a:t>http://</a:t>
-            </a:r>
-            <a:r>
-              <a:rPr lang="en-US" dirty="0" smtClean="0">
-                <a:hlinkClick r:id="rId3"/>
-              </a:rPr>
-              <a:t>elm-lang.org/Examples.elm</a:t>
-            </a:r>
-            <a:r>
-              <a:rPr lang="en-US" dirty="0" smtClean="0"/>
-              <a:t> </a:t>
-            </a:r>
-            <a:r>
-              <a:rPr lang="en-US" dirty="0"/>
-              <a:t>and documentation </a:t>
-            </a:r>
-            <a:r>
-              <a:rPr lang="en-US" dirty="0">
-                <a:hlinkClick r:id="rId4"/>
-              </a:rPr>
-              <a:t>http://package.elm-lang.org/packages/elm-lang/core/2.0.0</a:t>
-            </a:r>
-            <a:r>
-              <a:rPr lang="en-US" dirty="0" smtClean="0">
-                <a:hlinkClick r:id="rId4"/>
-              </a:rPr>
-              <a:t>/</a:t>
-            </a:r>
-            <a:r>
-              <a:rPr lang="en-US" dirty="0" smtClean="0"/>
-              <a:t> </a:t>
-            </a:r>
-            <a:endParaRPr lang="en-US" dirty="0"/>
-          </a:p>
-        </p:txBody>
-      </p:sp>
-    </p:spTree>
-    <p:extLst>
-      <p:ext uri="{BB962C8B-B14F-4D97-AF65-F5344CB8AC3E}">
-        <p14:creationId xmlns:p14="http://schemas.microsoft.com/office/powerpoint/2010/main" val="1112287750"/>
+        <p14:creationId xmlns:p14="http://schemas.microsoft.com/office/powerpoint/2010/main" val="3183598851"/>
       </p:ext>
     </p:extLst>
   </p:cSld>
@@ -11545,85 +14364,6 @@
 </p:sld>
 </file>
 
-<file path=ppt/slides/slide30.xml><?xml version="1.0" encoding="utf-8"?>
-<p:sld xmlns:a="http://schemas.openxmlformats.org/drawingml/2006/main" xmlns:r="http://schemas.openxmlformats.org/officeDocument/2006/relationships" xmlns:p="http://schemas.openxmlformats.org/presentationml/2006/main">
-  <p:cSld>
-    <p:spTree>
-      <p:nvGrpSpPr>
-        <p:cNvPr id="1" name=""/>
-        <p:cNvGrpSpPr/>
-        <p:nvPr/>
-      </p:nvGrpSpPr>
-      <p:grpSpPr>
-        <a:xfrm>
-          <a:off x="0" y="0"/>
-          <a:ext cx="0" cy="0"/>
-          <a:chOff x="0" y="0"/>
-          <a:chExt cx="0" cy="0"/>
-        </a:xfrm>
-      </p:grpSpPr>
-      <p:sp>
-        <p:nvSpPr>
-          <p:cNvPr id="2" name="Title 1"/>
-          <p:cNvSpPr>
-            <a:spLocks noGrp="1"/>
-          </p:cNvSpPr>
-          <p:nvPr>
-            <p:ph type="title"/>
-          </p:nvPr>
-        </p:nvSpPr>
-        <p:spPr/>
-        <p:txBody>
-          <a:bodyPr/>
-          <a:lstStyle/>
-          <a:p>
-            <a:r>
-              <a:rPr lang="en-US" dirty="0" smtClean="0"/>
-              <a:t>Exercises (Lists)</a:t>
-            </a:r>
-            <a:endParaRPr lang="en-US" dirty="0"/>
-          </a:p>
-        </p:txBody>
-      </p:sp>
-      <p:sp>
-        <p:nvSpPr>
-          <p:cNvPr id="3" name="Content Placeholder 2"/>
-          <p:cNvSpPr>
-            <a:spLocks noGrp="1"/>
-          </p:cNvSpPr>
-          <p:nvPr>
-            <p:ph sz="quarter" idx="1"/>
-          </p:nvPr>
-        </p:nvSpPr>
-        <p:spPr/>
-        <p:txBody>
-          <a:bodyPr/>
-          <a:lstStyle/>
-          <a:p>
-            <a:endParaRPr lang="en-US" dirty="0"/>
-          </a:p>
-        </p:txBody>
-      </p:sp>
-    </p:spTree>
-    <p:extLst>
-      <p:ext uri="{BB962C8B-B14F-4D97-AF65-F5344CB8AC3E}">
-        <p14:creationId xmlns:p14="http://schemas.microsoft.com/office/powerpoint/2010/main" val="3183598851"/>
-      </p:ext>
-    </p:extLst>
-  </p:cSld>
-  <p:clrMapOvr>
-    <a:masterClrMapping/>
-  </p:clrMapOvr>
-  <p:timing>
-    <p:tnLst>
-      <p:par>
-        <p:cTn id="1" dur="indefinite" restart="never" nodeType="tmRoot"/>
-      </p:par>
-    </p:tnLst>
-  </p:timing>
-</p:sld>
-</file>
-
 <file path=ppt/slides/slide4.xml><?xml version="1.0" encoding="utf-8"?>
 <p:sld xmlns:a="http://schemas.openxmlformats.org/drawingml/2006/main" xmlns:r="http://schemas.openxmlformats.org/officeDocument/2006/relationships" xmlns:p="http://schemas.openxmlformats.org/presentationml/2006/main">
   <p:cSld>
@@ -11737,7 +14477,7 @@
           <a:p>
             <a:r>
               <a:rPr lang="en-US" dirty="0" smtClean="0"/>
-              <a:t>Why Elm?</a:t>
+              <a:t>Elm</a:t>
             </a:r>
             <a:endParaRPr lang="en-US" dirty="0"/>
           </a:p>
@@ -11753,101 +14493,150 @@
             <p:ph sz="quarter" idx="1"/>
           </p:nvPr>
         </p:nvSpPr>
-        <p:spPr/>
+        <p:spPr>
+          <a:xfrm>
+            <a:off x="612648" y="1600200"/>
+            <a:ext cx="8153400" cy="5257800"/>
+          </a:xfrm>
+          <a:ln>
+            <a:solidFill>
+              <a:schemeClr val="accent1"/>
+            </a:solidFill>
+          </a:ln>
+        </p:spPr>
         <p:txBody>
           <a:bodyPr/>
           <a:lstStyle/>
           <a:p>
             <a:r>
               <a:rPr lang="en-US" dirty="0" smtClean="0"/>
-              <a:t>Examples: </a:t>
-            </a:r>
-            <a:r>
-              <a:rPr lang="en-US" dirty="0">
-                <a:solidFill>
-                  <a:srgbClr val="0070C0"/>
-                </a:solidFill>
-                <a:hlinkClick r:id="rId3"/>
-              </a:rPr>
-              <a:t>http://</a:t>
-            </a:r>
-            <a:r>
-              <a:rPr lang="en-US" dirty="0" smtClean="0">
-                <a:solidFill>
-                  <a:srgbClr val="0070C0"/>
-                </a:solidFill>
-                <a:hlinkClick r:id="rId3"/>
-              </a:rPr>
-              <a:t>elm-lang.org/Examples.elm</a:t>
-            </a:r>
-            <a:r>
-              <a:rPr lang="en-US" dirty="0" smtClean="0">
+              <a:t>Elm is a </a:t>
+            </a:r>
+            <a:r>
+              <a:rPr lang="en-US" b="1" dirty="0" smtClean="0">
                 <a:solidFill>
                   <a:srgbClr val="0070C0"/>
                 </a:solidFill>
               </a:rPr>
+              <a:t>functional</a:t>
+            </a:r>
+            <a:r>
+              <a:rPr lang="en-US" b="1" dirty="0" smtClean="0"/>
               <a:t> </a:t>
             </a:r>
-          </a:p>
-          <a:p>
+            <a:r>
+              <a:rPr lang="en-US" b="1" dirty="0" smtClean="0">
+                <a:solidFill>
+                  <a:srgbClr val="FF0000"/>
+                </a:solidFill>
+              </a:rPr>
+              <a:t>reactive</a:t>
+            </a:r>
+            <a:r>
+              <a:rPr lang="en-US" b="1" dirty="0" smtClean="0"/>
+              <a:t> programming language.</a:t>
+            </a:r>
+          </a:p>
+          <a:p>
+            <a:r>
+              <a:rPr lang="en-US" b="1" dirty="0" smtClean="0">
+                <a:solidFill>
+                  <a:srgbClr val="0070C0"/>
+                </a:solidFill>
+              </a:rPr>
+              <a:t>Functional</a:t>
+            </a:r>
+            <a:r>
+              <a:rPr lang="en-US" b="1" dirty="0" smtClean="0"/>
+              <a:t>:</a:t>
+            </a:r>
+          </a:p>
+          <a:p>
+            <a:pPr lvl="1"/>
+            <a:r>
+              <a:rPr lang="en-US" b="1" dirty="0" smtClean="0"/>
+              <a:t>Functions</a:t>
+            </a:r>
             <a:r>
               <a:rPr lang="en-US" dirty="0" smtClean="0"/>
-              <a:t>Clear and concise.</a:t>
-            </a:r>
-          </a:p>
-          <a:p>
+              <a:t> are building blocks. </a:t>
+            </a:r>
+          </a:p>
+          <a:p>
+            <a:pPr lvl="2"/>
             <a:r>
               <a:rPr lang="en-US" dirty="0" smtClean="0"/>
-              <a:t>Almost no runtime errors.</a:t>
-            </a:r>
-          </a:p>
-          <a:p>
+              <a:t>Quick to program.</a:t>
+            </a:r>
+          </a:p>
+          <a:p>
+            <a:pPr lvl="1"/>
+            <a:r>
+              <a:rPr lang="en-US" b="1" dirty="0" smtClean="0"/>
+              <a:t>Type safety </a:t>
+            </a:r>
+            <a:r>
+              <a:rPr lang="en-US" dirty="0" smtClean="0"/>
+              <a:t>eliminates runtime errors.</a:t>
+            </a:r>
+          </a:p>
+          <a:p>
+            <a:pPr lvl="1"/>
+            <a:r>
+              <a:rPr lang="en-US" b="1" dirty="0" smtClean="0"/>
+              <a:t>Purity</a:t>
+            </a:r>
+            <a:r>
+              <a:rPr lang="en-US" dirty="0" smtClean="0"/>
+              <a:t>: Separates program logic from outside world.</a:t>
+            </a:r>
+          </a:p>
+          <a:p>
+            <a:r>
+              <a:rPr lang="en-US" b="1" dirty="0" smtClean="0">
+                <a:solidFill>
+                  <a:srgbClr val="FF0000"/>
+                </a:solidFill>
+              </a:rPr>
+              <a:t>Reactive</a:t>
+            </a:r>
             <a:r>
               <a:rPr lang="en-US" dirty="0" smtClean="0">
-                <a:hlinkClick r:id="rId4"/>
+                <a:solidFill>
+                  <a:srgbClr val="002060"/>
+                </a:solidFill>
               </a:rPr>
-              <a:t>Hot-swapping</a:t>
-            </a:r>
+              <a:t>:</a:t>
+            </a:r>
+          </a:p>
+          <a:p>
+            <a:pPr lvl="1"/>
             <a:r>
               <a:rPr lang="en-US" dirty="0" smtClean="0"/>
-              <a:t>.</a:t>
-            </a:r>
-          </a:p>
-          <a:p>
-            <a:r>
-              <a:rPr lang="en-US" dirty="0" smtClean="0">
-                <a:hlinkClick r:id="rId5"/>
-              </a:rPr>
-              <a:t>Time-travel debugging</a:t>
-            </a:r>
-            <a:r>
-              <a:rPr lang="en-US" dirty="0"/>
-              <a:t>. (</a:t>
-            </a:r>
-            <a:r>
-              <a:rPr lang="en-US" dirty="0">
-                <a:hlinkClick r:id="rId6"/>
-              </a:rPr>
-              <a:t>http://</a:t>
-            </a:r>
-            <a:r>
-              <a:rPr lang="en-US" dirty="0" smtClean="0">
-                <a:hlinkClick r:id="rId6"/>
-              </a:rPr>
-              <a:t>debug.elm-lang.org/edit/Mario.elm</a:t>
+              <a:t>Deals with </a:t>
+            </a:r>
+            <a:r>
+              <a:rPr lang="en-US" b="1" dirty="0" smtClean="0"/>
+              <a:t>signals</a:t>
             </a:r>
             <a:r>
               <a:rPr lang="en-US" dirty="0" smtClean="0"/>
-              <a:t>)</a:t>
-            </a:r>
-            <a:endParaRPr lang="en-US" dirty="0"/>
+              <a:t> (key presses, clicks…) coming from outside world.</a:t>
+            </a:r>
+          </a:p>
+          <a:p>
+            <a:pPr lvl="1"/>
+            <a:endParaRPr lang="en-US" dirty="0" smtClean="0"/>
+          </a:p>
+          <a:p>
+            <a:endParaRPr lang="en-US" b="1" dirty="0"/>
           </a:p>
         </p:txBody>
       </p:sp>
     </p:spTree>
     <p:extLst>
       <p:ext uri="{BB962C8B-B14F-4D97-AF65-F5344CB8AC3E}">
-        <p14:creationId xmlns:p14="http://schemas.microsoft.com/office/powerpoint/2010/main" val="825661739"/>
+        <p14:creationId xmlns:p14="http://schemas.microsoft.com/office/powerpoint/2010/main" val="3574565215"/>
       </p:ext>
     </p:extLst>
   </p:cSld>
@@ -11898,7 +14687,7 @@
           <a:p>
             <a:r>
               <a:rPr lang="en-US" dirty="0" smtClean="0"/>
-              <a:t>Elm</a:t>
+              <a:t>Why functional?</a:t>
             </a:r>
             <a:endParaRPr lang="en-US" dirty="0"/>
           </a:p>
@@ -11917,147 +14706,445 @@
         <p:spPr>
           <a:xfrm>
             <a:off x="612648" y="1600200"/>
-            <a:ext cx="8153400" cy="5257800"/>
+            <a:ext cx="2740152" cy="5181600"/>
           </a:xfrm>
-          <a:ln>
-            <a:solidFill>
-              <a:schemeClr val="accent1"/>
-            </a:solidFill>
-          </a:ln>
         </p:spPr>
         <p:txBody>
-          <a:bodyPr/>
-          <a:lstStyle/>
-          <a:p>
+          <a:bodyPr>
+            <a:normAutofit fontScale="47500" lnSpcReduction="20000"/>
+          </a:bodyPr>
+          <a:lstStyle/>
+          <a:p>
+            <a:pPr marL="0" indent="0">
+              <a:buNone/>
+            </a:pPr>
+            <a:r>
+              <a:rPr lang="en-US" sz="5000" b="1" dirty="0" smtClean="0"/>
+              <a:t>Python</a:t>
+            </a:r>
+          </a:p>
+          <a:p>
+            <a:pPr marL="0" indent="0">
+              <a:buNone/>
+            </a:pPr>
+            <a:r>
+              <a:rPr lang="en-US" dirty="0" err="1" smtClean="0"/>
+              <a:t>def</a:t>
+            </a:r>
             <a:r>
               <a:rPr lang="en-US" dirty="0" smtClean="0"/>
-              <a:t>Elm is a </a:t>
-            </a:r>
-            <a:r>
-              <a:rPr lang="en-US" b="1" dirty="0" smtClean="0">
-                <a:solidFill>
-                  <a:srgbClr val="0070C0"/>
-                </a:solidFill>
-              </a:rPr>
-              <a:t>functional</a:t>
-            </a:r>
-            <a:r>
-              <a:rPr lang="en-US" b="1" dirty="0" smtClean="0"/>
               <a:t> </a:t>
             </a:r>
             <a:r>
-              <a:rPr lang="en-US" b="1" dirty="0" smtClean="0">
-                <a:solidFill>
-                  <a:srgbClr val="FF0000"/>
-                </a:solidFill>
-              </a:rPr>
-              <a:t>reactive</a:t>
-            </a:r>
-            <a:r>
-              <a:rPr lang="en-US" b="1" dirty="0" smtClean="0"/>
-              <a:t> programming language.</a:t>
-            </a:r>
-          </a:p>
-          <a:p>
-            <a:r>
-              <a:rPr lang="en-US" b="1" dirty="0" smtClean="0">
-                <a:solidFill>
-                  <a:srgbClr val="0070C0"/>
-                </a:solidFill>
-              </a:rPr>
-              <a:t>Functional</a:t>
-            </a:r>
-            <a:r>
-              <a:rPr lang="en-US" b="1" dirty="0" smtClean="0"/>
+              <a:rPr lang="en-US" dirty="0" err="1"/>
+              <a:t>quickSort</a:t>
+            </a:r>
+            <a:r>
+              <a:rPr lang="en-US" dirty="0"/>
+              <a:t>(</a:t>
+            </a:r>
+            <a:r>
+              <a:rPr lang="en-US" dirty="0" err="1"/>
+              <a:t>arr</a:t>
+            </a:r>
+            <a:r>
+              <a:rPr lang="en-US" dirty="0"/>
+              <a:t>):</a:t>
+            </a:r>
+          </a:p>
+          <a:p>
+            <a:pPr marL="0" indent="0">
+              <a:buNone/>
+            </a:pPr>
+            <a:r>
+              <a:rPr lang="en-US" dirty="0"/>
+              <a:t>    less = []</a:t>
+            </a:r>
+          </a:p>
+          <a:p>
+            <a:pPr marL="0" indent="0">
+              <a:buNone/>
+            </a:pPr>
+            <a:r>
+              <a:rPr lang="en-US" dirty="0"/>
+              <a:t>    </a:t>
+            </a:r>
+            <a:r>
+              <a:rPr lang="en-US" dirty="0" err="1"/>
+              <a:t>pivotList</a:t>
+            </a:r>
+            <a:r>
+              <a:rPr lang="en-US" dirty="0"/>
+              <a:t> = []</a:t>
+            </a:r>
+          </a:p>
+          <a:p>
+            <a:pPr marL="0" indent="0">
+              <a:buNone/>
+            </a:pPr>
+            <a:r>
+              <a:rPr lang="en-US" dirty="0"/>
+              <a:t>    more = []</a:t>
+            </a:r>
+          </a:p>
+          <a:p>
+            <a:pPr marL="0" indent="0">
+              <a:buNone/>
+            </a:pPr>
+            <a:r>
+              <a:rPr lang="en-US" dirty="0"/>
+              <a:t>    if </a:t>
+            </a:r>
+            <a:r>
+              <a:rPr lang="en-US" dirty="0" err="1"/>
+              <a:t>len</a:t>
+            </a:r>
+            <a:r>
+              <a:rPr lang="en-US" dirty="0"/>
+              <a:t>(</a:t>
+            </a:r>
+            <a:r>
+              <a:rPr lang="en-US" dirty="0" err="1"/>
+              <a:t>arr</a:t>
+            </a:r>
+            <a:r>
+              <a:rPr lang="en-US" dirty="0"/>
+              <a:t>) &lt;= 1:</a:t>
+            </a:r>
+          </a:p>
+          <a:p>
+            <a:pPr marL="0" indent="0">
+              <a:buNone/>
+            </a:pPr>
+            <a:r>
+              <a:rPr lang="en-US" dirty="0"/>
+              <a:t>        return </a:t>
+            </a:r>
+            <a:r>
+              <a:rPr lang="en-US" dirty="0" err="1"/>
+              <a:t>arr</a:t>
+            </a:r>
+            <a:endParaRPr lang="en-US" dirty="0"/>
+          </a:p>
+          <a:p>
+            <a:pPr marL="0" indent="0">
+              <a:buNone/>
+            </a:pPr>
+            <a:r>
+              <a:rPr lang="en-US" dirty="0"/>
+              <a:t>    else:</a:t>
+            </a:r>
+          </a:p>
+          <a:p>
+            <a:pPr marL="0" indent="0">
+              <a:buNone/>
+            </a:pPr>
+            <a:r>
+              <a:rPr lang="en-US" dirty="0"/>
+              <a:t>        pivot = </a:t>
+            </a:r>
+            <a:r>
+              <a:rPr lang="en-US" dirty="0" err="1"/>
+              <a:t>arr</a:t>
+            </a:r>
+            <a:r>
+              <a:rPr lang="en-US" dirty="0"/>
+              <a:t>[0]</a:t>
+            </a:r>
+          </a:p>
+          <a:p>
+            <a:pPr marL="0" indent="0">
+              <a:buNone/>
+            </a:pPr>
+            <a:r>
+              <a:rPr lang="en-US" dirty="0"/>
+              <a:t>        for </a:t>
+            </a:r>
+            <a:r>
+              <a:rPr lang="en-US" dirty="0" err="1"/>
+              <a:t>i</a:t>
+            </a:r>
+            <a:r>
+              <a:rPr lang="en-US" dirty="0"/>
+              <a:t> in </a:t>
+            </a:r>
+            <a:r>
+              <a:rPr lang="en-US" dirty="0" err="1"/>
+              <a:t>arr</a:t>
+            </a:r>
+            <a:r>
+              <a:rPr lang="en-US" dirty="0"/>
               <a:t>:</a:t>
             </a:r>
           </a:p>
           <a:p>
-            <a:pPr lvl="1"/>
-            <a:r>
-              <a:rPr lang="en-US" b="1" dirty="0" smtClean="0"/>
-              <a:t>Functions</a:t>
-            </a:r>
-            <a:r>
-              <a:rPr lang="en-US" dirty="0" smtClean="0"/>
-              <a:t> are building blocks. </a:t>
-            </a:r>
-          </a:p>
-          <a:p>
-            <a:pPr lvl="2"/>
-            <a:r>
-              <a:rPr lang="en-US" dirty="0" smtClean="0"/>
-              <a:t>Quick to program.</a:t>
-            </a:r>
-          </a:p>
-          <a:p>
-            <a:pPr lvl="1"/>
-            <a:r>
-              <a:rPr lang="en-US" b="1" dirty="0" smtClean="0"/>
-              <a:t>Type safety </a:t>
-            </a:r>
-            <a:r>
-              <a:rPr lang="en-US" dirty="0" smtClean="0"/>
-              <a:t>eliminates runtime errors.</a:t>
-            </a:r>
-          </a:p>
-          <a:p>
-            <a:pPr lvl="1"/>
-            <a:r>
-              <a:rPr lang="en-US" b="1" dirty="0" smtClean="0"/>
-              <a:t>Purity</a:t>
-            </a:r>
-            <a:r>
-              <a:rPr lang="en-US" dirty="0" smtClean="0"/>
-              <a:t>: Separates program logic from outside world.</a:t>
-            </a:r>
-          </a:p>
-          <a:p>
-            <a:r>
-              <a:rPr lang="en-US" b="1" dirty="0" smtClean="0">
-                <a:solidFill>
-                  <a:srgbClr val="FF0000"/>
-                </a:solidFill>
-              </a:rPr>
-              <a:t>Reactive</a:t>
-            </a:r>
-            <a:r>
-              <a:rPr lang="en-US" dirty="0" smtClean="0">
-                <a:solidFill>
-                  <a:srgbClr val="002060"/>
-                </a:solidFill>
-              </a:rPr>
-              <a:t>:</a:t>
-            </a:r>
-          </a:p>
-          <a:p>
-            <a:pPr lvl="1"/>
-            <a:r>
-              <a:rPr lang="en-US" dirty="0" smtClean="0"/>
-              <a:t>Deals with </a:t>
-            </a:r>
-            <a:r>
-              <a:rPr lang="en-US" b="1" dirty="0" smtClean="0"/>
-              <a:t>signals</a:t>
-            </a:r>
-            <a:r>
-              <a:rPr lang="en-US" dirty="0" smtClean="0"/>
-              <a:t> (key presses, clicks…) coming from outside world.</a:t>
-            </a:r>
-          </a:p>
-          <a:p>
-            <a:pPr lvl="1"/>
-            <a:endParaRPr lang="en-US" dirty="0" smtClean="0"/>
-          </a:p>
-          <a:p>
-            <a:endParaRPr lang="en-US" b="1" dirty="0"/>
+            <a:pPr marL="0" indent="0">
+              <a:buNone/>
+            </a:pPr>
+            <a:r>
+              <a:rPr lang="en-US" dirty="0"/>
+              <a:t>            if </a:t>
+            </a:r>
+            <a:r>
+              <a:rPr lang="en-US" dirty="0" err="1"/>
+              <a:t>i</a:t>
+            </a:r>
+            <a:r>
+              <a:rPr lang="en-US" dirty="0"/>
+              <a:t> &lt; pivot:</a:t>
+            </a:r>
+          </a:p>
+          <a:p>
+            <a:pPr marL="0" indent="0">
+              <a:buNone/>
+            </a:pPr>
+            <a:r>
+              <a:rPr lang="en-US" dirty="0"/>
+              <a:t>                </a:t>
+            </a:r>
+            <a:r>
+              <a:rPr lang="en-US" dirty="0" err="1"/>
+              <a:t>less.append</a:t>
+            </a:r>
+            <a:r>
+              <a:rPr lang="en-US" dirty="0"/>
+              <a:t>(</a:t>
+            </a:r>
+            <a:r>
+              <a:rPr lang="en-US" dirty="0" err="1"/>
+              <a:t>i</a:t>
+            </a:r>
+            <a:r>
+              <a:rPr lang="en-US" dirty="0"/>
+              <a:t>)</a:t>
+            </a:r>
+          </a:p>
+          <a:p>
+            <a:pPr marL="0" indent="0">
+              <a:buNone/>
+            </a:pPr>
+            <a:r>
+              <a:rPr lang="en-US" dirty="0"/>
+              <a:t>            </a:t>
+            </a:r>
+            <a:r>
+              <a:rPr lang="en-US" dirty="0" err="1"/>
+              <a:t>elif</a:t>
+            </a:r>
+            <a:r>
+              <a:rPr lang="en-US" dirty="0"/>
+              <a:t> </a:t>
+            </a:r>
+            <a:r>
+              <a:rPr lang="en-US" dirty="0" err="1"/>
+              <a:t>i</a:t>
+            </a:r>
+            <a:r>
+              <a:rPr lang="en-US" dirty="0"/>
+              <a:t> &gt; pivot:</a:t>
+            </a:r>
+          </a:p>
+          <a:p>
+            <a:pPr marL="0" indent="0">
+              <a:buNone/>
+            </a:pPr>
+            <a:r>
+              <a:rPr lang="en-US" dirty="0"/>
+              <a:t>                </a:t>
+            </a:r>
+            <a:r>
+              <a:rPr lang="en-US" dirty="0" err="1"/>
+              <a:t>more.append</a:t>
+            </a:r>
+            <a:r>
+              <a:rPr lang="en-US" dirty="0"/>
+              <a:t>(</a:t>
+            </a:r>
+            <a:r>
+              <a:rPr lang="en-US" dirty="0" err="1"/>
+              <a:t>i</a:t>
+            </a:r>
+            <a:r>
+              <a:rPr lang="en-US" dirty="0"/>
+              <a:t>)</a:t>
+            </a:r>
+          </a:p>
+          <a:p>
+            <a:pPr marL="0" indent="0">
+              <a:buNone/>
+            </a:pPr>
+            <a:r>
+              <a:rPr lang="en-US" dirty="0"/>
+              <a:t>            else:</a:t>
+            </a:r>
+          </a:p>
+          <a:p>
+            <a:pPr marL="0" indent="0">
+              <a:buNone/>
+            </a:pPr>
+            <a:r>
+              <a:rPr lang="en-US" dirty="0"/>
+              <a:t>                </a:t>
+            </a:r>
+            <a:r>
+              <a:rPr lang="en-US" dirty="0" err="1"/>
+              <a:t>pivotList.append</a:t>
+            </a:r>
+            <a:r>
+              <a:rPr lang="en-US" dirty="0"/>
+              <a:t>(</a:t>
+            </a:r>
+            <a:r>
+              <a:rPr lang="en-US" dirty="0" err="1"/>
+              <a:t>i</a:t>
+            </a:r>
+            <a:r>
+              <a:rPr lang="en-US" dirty="0"/>
+              <a:t>)</a:t>
+            </a:r>
+          </a:p>
+          <a:p>
+            <a:pPr marL="0" indent="0">
+              <a:buNone/>
+            </a:pPr>
+            <a:r>
+              <a:rPr lang="en-US" dirty="0"/>
+              <a:t>        less = </a:t>
+            </a:r>
+            <a:r>
+              <a:rPr lang="en-US" dirty="0" err="1"/>
+              <a:t>quickSort</a:t>
+            </a:r>
+            <a:r>
+              <a:rPr lang="en-US" dirty="0"/>
+              <a:t>(less)</a:t>
+            </a:r>
+          </a:p>
+          <a:p>
+            <a:pPr marL="0" indent="0">
+              <a:buNone/>
+            </a:pPr>
+            <a:r>
+              <a:rPr lang="en-US" dirty="0"/>
+              <a:t>        more = </a:t>
+            </a:r>
+            <a:r>
+              <a:rPr lang="en-US" dirty="0" err="1"/>
+              <a:t>quickSort</a:t>
+            </a:r>
+            <a:r>
+              <a:rPr lang="en-US" dirty="0"/>
+              <a:t>(more)</a:t>
+            </a:r>
+          </a:p>
+          <a:p>
+            <a:pPr marL="0" indent="0">
+              <a:buNone/>
+            </a:pPr>
+            <a:r>
+              <a:rPr lang="en-US" dirty="0"/>
+              <a:t>        return less + </a:t>
+            </a:r>
+            <a:r>
+              <a:rPr lang="en-US" dirty="0" err="1"/>
+              <a:t>pivotList</a:t>
+            </a:r>
+            <a:r>
+              <a:rPr lang="en-US" dirty="0"/>
+              <a:t> + more</a:t>
+            </a:r>
+          </a:p>
+        </p:txBody>
+      </p:sp>
+      <p:sp>
+        <p:nvSpPr>
+          <p:cNvPr id="4" name="TextBox 3"/>
+          <p:cNvSpPr txBox="1"/>
+          <p:nvPr/>
+        </p:nvSpPr>
+        <p:spPr>
+          <a:xfrm>
+            <a:off x="3276600" y="1524000"/>
+            <a:ext cx="5867400" cy="4154984"/>
+          </a:xfrm>
+          <a:prstGeom prst="rect">
+            <a:avLst/>
+          </a:prstGeom>
+          <a:noFill/>
+        </p:spPr>
+        <p:txBody>
+          <a:bodyPr wrap="square" rtlCol="0">
+            <a:spAutoFit/>
+          </a:bodyPr>
+          <a:lstStyle/>
+          <a:p>
+            <a:r>
+              <a:rPr lang="en-US" sz="2400" b="1" dirty="0" smtClean="0"/>
+              <a:t>Elm</a:t>
+            </a:r>
+            <a:endParaRPr lang="en-US" sz="2400" b="1" dirty="0"/>
+          </a:p>
+          <a:p>
+            <a:r>
+              <a:rPr lang="en-US" sz="2400" dirty="0" smtClean="0"/>
+              <a:t>quicksort : List comparable -&gt; List comparable</a:t>
+            </a:r>
+          </a:p>
+          <a:p>
+            <a:r>
+              <a:rPr lang="en-US" sz="2400" dirty="0" smtClean="0"/>
+              <a:t>quicksort list =</a:t>
+            </a:r>
+          </a:p>
+          <a:p>
+            <a:r>
+              <a:rPr lang="en-US" sz="2400" dirty="0" smtClean="0"/>
+              <a:t>  case list of</a:t>
+            </a:r>
+          </a:p>
+          <a:p>
+            <a:r>
+              <a:rPr lang="en-US" sz="2400" dirty="0" smtClean="0"/>
+              <a:t>    [] -&gt; []</a:t>
+            </a:r>
+          </a:p>
+          <a:p>
+            <a:r>
+              <a:rPr lang="en-US" sz="2400" dirty="0" smtClean="0"/>
+              <a:t>    pivot :: rest -&gt;</a:t>
+            </a:r>
+          </a:p>
+          <a:p>
+            <a:r>
+              <a:rPr lang="en-US" sz="2400" dirty="0" smtClean="0"/>
+              <a:t>        let lower  = filter (\n -&gt; n &lt;= pivot) rest</a:t>
+            </a:r>
+          </a:p>
+          <a:p>
+            <a:r>
+              <a:rPr lang="en-US" sz="2400" dirty="0" smtClean="0"/>
+              <a:t>            higher = filter (\n -&gt; n &gt;  pivot) rest</a:t>
+            </a:r>
+          </a:p>
+          <a:p>
+            <a:r>
+              <a:rPr lang="en-US" sz="2400" dirty="0" smtClean="0"/>
+              <a:t>        in</a:t>
+            </a:r>
+          </a:p>
+          <a:p>
+            <a:r>
+              <a:rPr lang="en-US" sz="2400" dirty="0" smtClean="0"/>
+              <a:t>            quicksort lower ++ [pivot] ++ quicksort higher</a:t>
+            </a:r>
+            <a:endParaRPr lang="en-US" sz="2400" dirty="0"/>
           </a:p>
         </p:txBody>
       </p:sp>
     </p:spTree>
     <p:extLst>
       <p:ext uri="{BB962C8B-B14F-4D97-AF65-F5344CB8AC3E}">
-        <p14:creationId xmlns:p14="http://schemas.microsoft.com/office/powerpoint/2010/main" val="3574565215"/>
+        <p14:creationId xmlns:p14="http://schemas.microsoft.com/office/powerpoint/2010/main" val="1450401143"/>
       </p:ext>
     </p:extLst>
   </p:cSld>
@@ -12108,7 +15195,7 @@
           <a:p>
             <a:r>
               <a:rPr lang="en-US" dirty="0" smtClean="0"/>
-              <a:t>Why functional?</a:t>
+              <a:t>Why Elm?</a:t>
             </a:r>
             <a:endParaRPr lang="en-US" dirty="0"/>
           </a:p>
@@ -12124,448 +15211,77 @@
             <p:ph sz="quarter" idx="1"/>
           </p:nvPr>
         </p:nvSpPr>
-        <p:spPr>
-          <a:xfrm>
-            <a:off x="612648" y="1600200"/>
-            <a:ext cx="2740152" cy="5181600"/>
-          </a:xfrm>
-        </p:spPr>
-        <p:txBody>
-          <a:bodyPr>
-            <a:normAutofit fontScale="47500" lnSpcReduction="20000"/>
-          </a:bodyPr>
-          <a:lstStyle/>
-          <a:p>
-            <a:pPr marL="0" indent="0">
-              <a:buNone/>
-            </a:pPr>
-            <a:r>
-              <a:rPr lang="en-US" sz="5000" b="1" dirty="0" smtClean="0"/>
-              <a:t>Python</a:t>
-            </a:r>
-          </a:p>
-          <a:p>
-            <a:pPr marL="0" indent="0">
-              <a:buNone/>
-            </a:pPr>
-            <a:r>
-              <a:rPr lang="en-US" dirty="0" err="1" smtClean="0"/>
-              <a:t>def</a:t>
-            </a:r>
+        <p:spPr/>
+        <p:txBody>
+          <a:bodyPr/>
+          <a:lstStyle/>
+          <a:p>
             <a:r>
               <a:rPr lang="en-US" dirty="0" smtClean="0"/>
-              <a:t> </a:t>
-            </a:r>
-            <a:r>
-              <a:rPr lang="en-US" dirty="0" err="1"/>
-              <a:t>quickSort</a:t>
+              <a:t>Clear </a:t>
+            </a:r>
+            <a:r>
+              <a:rPr lang="en-US" dirty="0" smtClean="0"/>
+              <a:t>and concise.</a:t>
+            </a:r>
+          </a:p>
+          <a:p>
+            <a:r>
+              <a:rPr lang="en-US" dirty="0" smtClean="0"/>
+              <a:t>Few </a:t>
+            </a:r>
+            <a:r>
+              <a:rPr lang="en-US" dirty="0" smtClean="0"/>
+              <a:t>runtime errors.</a:t>
+            </a:r>
+          </a:p>
+          <a:p>
+            <a:r>
+              <a:rPr lang="en-US" dirty="0" smtClean="0">
+                <a:hlinkClick r:id="rId3"/>
+              </a:rPr>
+              <a:t>Hot-swapping</a:t>
+            </a:r>
+            <a:r>
+              <a:rPr lang="en-US" dirty="0" smtClean="0"/>
+              <a:t>.</a:t>
+            </a:r>
+          </a:p>
+          <a:p>
+            <a:r>
+              <a:rPr lang="en-US" dirty="0" smtClean="0">
+                <a:hlinkClick r:id="rId4"/>
+              </a:rPr>
+              <a:t>Time-travel debugging</a:t>
             </a:r>
             <a:r>
               <a:rPr lang="en-US" dirty="0"/>
-              <a:t>(</a:t>
-            </a:r>
-            <a:r>
-              <a:rPr lang="en-US" dirty="0" err="1"/>
-              <a:t>arr</a:t>
-            </a:r>
-            <a:r>
-              <a:rPr lang="en-US" dirty="0"/>
-              <a:t>):</a:t>
-            </a:r>
-          </a:p>
-          <a:p>
-            <a:pPr marL="0" indent="0">
-              <a:buNone/>
-            </a:pPr>
-            <a:r>
-              <a:rPr lang="en-US" dirty="0"/>
-              <a:t>    less = []</a:t>
-            </a:r>
-          </a:p>
-          <a:p>
-            <a:pPr marL="0" indent="0">
-              <a:buNone/>
-            </a:pPr>
-            <a:r>
-              <a:rPr lang="en-US" dirty="0"/>
-              <a:t>    </a:t>
-            </a:r>
-            <a:r>
-              <a:rPr lang="en-US" dirty="0" err="1"/>
-              <a:t>pivotList</a:t>
-            </a:r>
-            <a:r>
-              <a:rPr lang="en-US" dirty="0"/>
-              <a:t> = []</a:t>
-            </a:r>
-          </a:p>
-          <a:p>
-            <a:pPr marL="0" indent="0">
-              <a:buNone/>
-            </a:pPr>
-            <a:r>
-              <a:rPr lang="en-US" dirty="0"/>
-              <a:t>    more = []</a:t>
-            </a:r>
-          </a:p>
-          <a:p>
-            <a:pPr marL="0" indent="0">
-              <a:buNone/>
-            </a:pPr>
-            <a:r>
-              <a:rPr lang="en-US" dirty="0"/>
-              <a:t>    if </a:t>
-            </a:r>
-            <a:r>
-              <a:rPr lang="en-US" dirty="0" err="1"/>
-              <a:t>len</a:t>
-            </a:r>
-            <a:r>
-              <a:rPr lang="en-US" dirty="0"/>
-              <a:t>(</a:t>
-            </a:r>
-            <a:r>
-              <a:rPr lang="en-US" dirty="0" err="1"/>
-              <a:t>arr</a:t>
-            </a:r>
-            <a:r>
-              <a:rPr lang="en-US" dirty="0"/>
-              <a:t>) &lt;= 1:</a:t>
-            </a:r>
-          </a:p>
-          <a:p>
-            <a:pPr marL="0" indent="0">
-              <a:buNone/>
-            </a:pPr>
-            <a:r>
-              <a:rPr lang="en-US" dirty="0"/>
-              <a:t>        return </a:t>
-            </a:r>
-            <a:r>
-              <a:rPr lang="en-US" dirty="0" err="1"/>
-              <a:t>arr</a:t>
+              <a:t>. (</a:t>
+            </a:r>
+            <a:r>
+              <a:rPr lang="en-US" dirty="0">
+                <a:hlinkClick r:id="rId5"/>
+              </a:rPr>
+              <a:t>http://</a:t>
+            </a:r>
+            <a:r>
+              <a:rPr lang="en-US" dirty="0" smtClean="0">
+                <a:hlinkClick r:id="rId5"/>
+              </a:rPr>
+              <a:t>debug.elm-lang.org/edit/Mario.elm</a:t>
+            </a:r>
+            <a:r>
+              <a:rPr lang="en-US" dirty="0" smtClean="0"/>
+              <a:t>)</a:t>
             </a:r>
             <a:endParaRPr lang="en-US" dirty="0"/>
-          </a:p>
-          <a:p>
-            <a:pPr marL="0" indent="0">
-              <a:buNone/>
-            </a:pPr>
-            <a:r>
-              <a:rPr lang="en-US" dirty="0"/>
-              <a:t>    else:</a:t>
-            </a:r>
-          </a:p>
-          <a:p>
-            <a:pPr marL="0" indent="0">
-              <a:buNone/>
-            </a:pPr>
-            <a:r>
-              <a:rPr lang="en-US" dirty="0"/>
-              <a:t>        pivot = </a:t>
-            </a:r>
-            <a:r>
-              <a:rPr lang="en-US" dirty="0" err="1"/>
-              <a:t>arr</a:t>
-            </a:r>
-            <a:r>
-              <a:rPr lang="en-US" dirty="0"/>
-              <a:t>[0]</a:t>
-            </a:r>
-          </a:p>
-          <a:p>
-            <a:pPr marL="0" indent="0">
-              <a:buNone/>
-            </a:pPr>
-            <a:r>
-              <a:rPr lang="en-US" dirty="0"/>
-              <a:t>        for </a:t>
-            </a:r>
-            <a:r>
-              <a:rPr lang="en-US" dirty="0" err="1"/>
-              <a:t>i</a:t>
-            </a:r>
-            <a:r>
-              <a:rPr lang="en-US" dirty="0"/>
-              <a:t> in </a:t>
-            </a:r>
-            <a:r>
-              <a:rPr lang="en-US" dirty="0" err="1"/>
-              <a:t>arr</a:t>
-            </a:r>
-            <a:r>
-              <a:rPr lang="en-US" dirty="0"/>
-              <a:t>:</a:t>
-            </a:r>
-          </a:p>
-          <a:p>
-            <a:pPr marL="0" indent="0">
-              <a:buNone/>
-            </a:pPr>
-            <a:r>
-              <a:rPr lang="en-US" dirty="0"/>
-              <a:t>            if </a:t>
-            </a:r>
-            <a:r>
-              <a:rPr lang="en-US" dirty="0" err="1"/>
-              <a:t>i</a:t>
-            </a:r>
-            <a:r>
-              <a:rPr lang="en-US" dirty="0"/>
-              <a:t> &lt; pivot:</a:t>
-            </a:r>
-          </a:p>
-          <a:p>
-            <a:pPr marL="0" indent="0">
-              <a:buNone/>
-            </a:pPr>
-            <a:r>
-              <a:rPr lang="en-US" dirty="0"/>
-              <a:t>                </a:t>
-            </a:r>
-            <a:r>
-              <a:rPr lang="en-US" dirty="0" err="1"/>
-              <a:t>less.append</a:t>
-            </a:r>
-            <a:r>
-              <a:rPr lang="en-US" dirty="0"/>
-              <a:t>(</a:t>
-            </a:r>
-            <a:r>
-              <a:rPr lang="en-US" dirty="0" err="1"/>
-              <a:t>i</a:t>
-            </a:r>
-            <a:r>
-              <a:rPr lang="en-US" dirty="0"/>
-              <a:t>)</a:t>
-            </a:r>
-          </a:p>
-          <a:p>
-            <a:pPr marL="0" indent="0">
-              <a:buNone/>
-            </a:pPr>
-            <a:r>
-              <a:rPr lang="en-US" dirty="0"/>
-              <a:t>            </a:t>
-            </a:r>
-            <a:r>
-              <a:rPr lang="en-US" dirty="0" err="1"/>
-              <a:t>elif</a:t>
-            </a:r>
-            <a:r>
-              <a:rPr lang="en-US" dirty="0"/>
-              <a:t> </a:t>
-            </a:r>
-            <a:r>
-              <a:rPr lang="en-US" dirty="0" err="1"/>
-              <a:t>i</a:t>
-            </a:r>
-            <a:r>
-              <a:rPr lang="en-US" dirty="0"/>
-              <a:t> &gt; pivot:</a:t>
-            </a:r>
-          </a:p>
-          <a:p>
-            <a:pPr marL="0" indent="0">
-              <a:buNone/>
-            </a:pPr>
-            <a:r>
-              <a:rPr lang="en-US" dirty="0"/>
-              <a:t>                </a:t>
-            </a:r>
-            <a:r>
-              <a:rPr lang="en-US" dirty="0" err="1"/>
-              <a:t>more.append</a:t>
-            </a:r>
-            <a:r>
-              <a:rPr lang="en-US" dirty="0"/>
-              <a:t>(</a:t>
-            </a:r>
-            <a:r>
-              <a:rPr lang="en-US" dirty="0" err="1"/>
-              <a:t>i</a:t>
-            </a:r>
-            <a:r>
-              <a:rPr lang="en-US" dirty="0"/>
-              <a:t>)</a:t>
-            </a:r>
-          </a:p>
-          <a:p>
-            <a:pPr marL="0" indent="0">
-              <a:buNone/>
-            </a:pPr>
-            <a:r>
-              <a:rPr lang="en-US" dirty="0"/>
-              <a:t>            else:</a:t>
-            </a:r>
-          </a:p>
-          <a:p>
-            <a:pPr marL="0" indent="0">
-              <a:buNone/>
-            </a:pPr>
-            <a:r>
-              <a:rPr lang="en-US" dirty="0"/>
-              <a:t>                </a:t>
-            </a:r>
-            <a:r>
-              <a:rPr lang="en-US" dirty="0" err="1"/>
-              <a:t>pivotList.append</a:t>
-            </a:r>
-            <a:r>
-              <a:rPr lang="en-US" dirty="0"/>
-              <a:t>(</a:t>
-            </a:r>
-            <a:r>
-              <a:rPr lang="en-US" dirty="0" err="1"/>
-              <a:t>i</a:t>
-            </a:r>
-            <a:r>
-              <a:rPr lang="en-US" dirty="0"/>
-              <a:t>)</a:t>
-            </a:r>
-          </a:p>
-          <a:p>
-            <a:pPr marL="0" indent="0">
-              <a:buNone/>
-            </a:pPr>
-            <a:r>
-              <a:rPr lang="en-US" dirty="0"/>
-              <a:t>        less = </a:t>
-            </a:r>
-            <a:r>
-              <a:rPr lang="en-US" dirty="0" err="1"/>
-              <a:t>quickSort</a:t>
-            </a:r>
-            <a:r>
-              <a:rPr lang="en-US" dirty="0"/>
-              <a:t>(less)</a:t>
-            </a:r>
-          </a:p>
-          <a:p>
-            <a:pPr marL="0" indent="0">
-              <a:buNone/>
-            </a:pPr>
-            <a:r>
-              <a:rPr lang="en-US" dirty="0"/>
-              <a:t>        more = </a:t>
-            </a:r>
-            <a:r>
-              <a:rPr lang="en-US" dirty="0" err="1"/>
-              <a:t>quickSort</a:t>
-            </a:r>
-            <a:r>
-              <a:rPr lang="en-US" dirty="0"/>
-              <a:t>(more)</a:t>
-            </a:r>
-          </a:p>
-          <a:p>
-            <a:pPr marL="0" indent="0">
-              <a:buNone/>
-            </a:pPr>
-            <a:r>
-              <a:rPr lang="en-US" dirty="0"/>
-              <a:t>        return less + </a:t>
-            </a:r>
-            <a:r>
-              <a:rPr lang="en-US" dirty="0" err="1"/>
-              <a:t>pivotList</a:t>
-            </a:r>
-            <a:r>
-              <a:rPr lang="en-US" dirty="0"/>
-              <a:t> + more</a:t>
-            </a:r>
-          </a:p>
-        </p:txBody>
-      </p:sp>
-      <p:sp>
-        <p:nvSpPr>
-          <p:cNvPr id="4" name="TextBox 3"/>
-          <p:cNvSpPr txBox="1"/>
-          <p:nvPr/>
-        </p:nvSpPr>
-        <p:spPr>
-          <a:xfrm>
-            <a:off x="3276600" y="1524000"/>
-            <a:ext cx="5867400" cy="4154984"/>
-          </a:xfrm>
-          <a:prstGeom prst="rect">
-            <a:avLst/>
-          </a:prstGeom>
-          <a:noFill/>
-        </p:spPr>
-        <p:txBody>
-          <a:bodyPr wrap="square" rtlCol="0">
-            <a:spAutoFit/>
-          </a:bodyPr>
-          <a:lstStyle/>
-          <a:p>
-            <a:r>
-              <a:rPr lang="en-US" sz="2400" b="1" dirty="0" smtClean="0"/>
-              <a:t>Elm</a:t>
-            </a:r>
-            <a:endParaRPr lang="en-US" sz="2400" b="1" dirty="0"/>
-          </a:p>
-          <a:p>
-            <a:r>
-              <a:rPr lang="en-US" sz="2400" dirty="0" smtClean="0"/>
-              <a:t>quicksort : List comparable -&gt; List comparable</a:t>
-            </a:r>
-          </a:p>
-          <a:p>
-            <a:r>
-              <a:rPr lang="en-US" sz="2400" dirty="0" smtClean="0"/>
-              <a:t>quicksort list =</a:t>
-            </a:r>
-          </a:p>
-          <a:p>
-            <a:r>
-              <a:rPr lang="en-US" sz="2400" dirty="0" smtClean="0"/>
-              <a:t>  case list of</a:t>
-            </a:r>
-          </a:p>
-          <a:p>
-            <a:r>
-              <a:rPr lang="en-US" sz="2400" dirty="0" smtClean="0"/>
-              <a:t>    [] -&gt; []</a:t>
-            </a:r>
-          </a:p>
-          <a:p>
-            <a:r>
-              <a:rPr lang="en-US" sz="2400" dirty="0" smtClean="0"/>
-              <a:t>    pivot :: rest -&gt;</a:t>
-            </a:r>
-          </a:p>
-          <a:p>
-            <a:r>
-              <a:rPr lang="en-US" sz="2400" dirty="0" smtClean="0"/>
-              <a:t>        let lower  = filter (\n -&gt; n &lt;= pivot) rest</a:t>
-            </a:r>
-          </a:p>
-          <a:p>
-            <a:r>
-              <a:rPr lang="en-US" sz="2400" dirty="0" smtClean="0"/>
-              <a:t>            higher = filter (\n -&gt; n &gt;  pivot) rest</a:t>
-            </a:r>
-          </a:p>
-          <a:p>
-            <a:r>
-              <a:rPr lang="en-US" sz="2400" dirty="0" smtClean="0"/>
-              <a:t>        in</a:t>
-            </a:r>
-          </a:p>
-          <a:p>
-            <a:r>
-              <a:rPr lang="en-US" sz="2400" dirty="0" smtClean="0"/>
-              <a:t>            quicksort lower ++ [pivot] ++ quicksort higher</a:t>
-            </a:r>
-            <a:endParaRPr lang="en-US" sz="2400" dirty="0"/>
           </a:p>
         </p:txBody>
       </p:sp>
     </p:spTree>
     <p:extLst>
       <p:ext uri="{BB962C8B-B14F-4D97-AF65-F5344CB8AC3E}">
-        <p14:creationId xmlns:p14="http://schemas.microsoft.com/office/powerpoint/2010/main" val="1450401143"/>
+        <p14:creationId xmlns:p14="http://schemas.microsoft.com/office/powerpoint/2010/main" val="825661739"/>
       </p:ext>
     </p:extLst>
   </p:cSld>
@@ -12719,54 +15435,154 @@
         </p:spPr>
         <p:txBody>
           <a:bodyPr>
-            <a:normAutofit/>
+            <a:normAutofit fontScale="92500" lnSpcReduction="10000"/>
           </a:bodyPr>
           <a:lstStyle/>
           <a:p>
             <a:r>
-              <a:rPr lang="en-US" sz="3200" dirty="0"/>
-              <a:t>Primitive types: </a:t>
-            </a:r>
-            <a:r>
-              <a:rPr lang="en-US" sz="3200" dirty="0" err="1"/>
+              <a:rPr lang="en-US" sz="3200" dirty="0" smtClean="0"/>
+              <a:t>Basics</a:t>
+            </a:r>
+          </a:p>
+          <a:p>
+            <a:pPr lvl="1"/>
+            <a:r>
+              <a:rPr lang="en-US" dirty="0" smtClean="0"/>
+              <a:t>Primitive </a:t>
+            </a:r>
+            <a:r>
+              <a:rPr lang="en-US" dirty="0"/>
+              <a:t>types: </a:t>
+            </a:r>
+            <a:r>
+              <a:rPr lang="en-US" dirty="0" err="1"/>
               <a:t>Bool</a:t>
             </a:r>
             <a:r>
-              <a:rPr lang="en-US" sz="3200" dirty="0"/>
+              <a:rPr lang="en-US" dirty="0"/>
               <a:t>, </a:t>
             </a:r>
             <a:r>
-              <a:rPr lang="en-US" sz="3200" dirty="0" err="1"/>
+              <a:rPr lang="en-US" dirty="0" err="1"/>
               <a:t>Int</a:t>
             </a:r>
             <a:r>
-              <a:rPr lang="en-US" sz="3200" dirty="0"/>
+              <a:rPr lang="en-US" dirty="0"/>
               <a:t>, Float, Char, String</a:t>
             </a:r>
           </a:p>
           <a:p>
-            <a:r>
-              <a:rPr lang="en-US" sz="3200" dirty="0" smtClean="0">
+            <a:pPr lvl="1"/>
+            <a:r>
+              <a:rPr lang="en-US" dirty="0" smtClean="0">
                 <a:hlinkClick r:id="rId3"/>
               </a:rPr>
               <a:t>http</a:t>
             </a:r>
             <a:r>
-              <a:rPr lang="en-US" sz="3200" dirty="0">
+              <a:rPr lang="en-US" dirty="0">
                 <a:hlinkClick r:id="rId3"/>
               </a:rPr>
               <a:t>://</a:t>
             </a:r>
             <a:r>
-              <a:rPr lang="en-US" sz="3200" dirty="0" smtClean="0">
+              <a:rPr lang="en-US" dirty="0" smtClean="0">
                 <a:hlinkClick r:id="rId3"/>
               </a:rPr>
               <a:t>elm-lang.org/learn/Syntax.elm</a:t>
             </a:r>
             <a:r>
+              <a:rPr lang="en-US" dirty="0" smtClean="0"/>
+              <a:t> </a:t>
+            </a:r>
+            <a:endParaRPr lang="en-US" dirty="0" smtClean="0"/>
+          </a:p>
+          <a:p>
+            <a:pPr lvl="1"/>
+            <a:r>
+              <a:rPr lang="en-US" dirty="0" smtClean="0"/>
+              <a:t>Exercise: </a:t>
+            </a:r>
+            <a:r>
+              <a:rPr lang="en-US" dirty="0" err="1" smtClean="0"/>
+              <a:t>BasicEx.elm</a:t>
+            </a:r>
+            <a:r>
+              <a:rPr lang="en-US" dirty="0" smtClean="0"/>
+              <a:t>, </a:t>
+            </a:r>
+            <a:r>
+              <a:rPr lang="en-US" dirty="0" err="1" smtClean="0"/>
+              <a:t>FizzBuzz.elm</a:t>
+            </a:r>
+            <a:endParaRPr lang="en-US" dirty="0" smtClean="0"/>
+          </a:p>
+          <a:p>
+            <a:r>
               <a:rPr lang="en-US" sz="3200" dirty="0" smtClean="0"/>
-              <a:t> </a:t>
-            </a:r>
+              <a:t>Lists</a:t>
+            </a:r>
+          </a:p>
+          <a:p>
+            <a:pPr lvl="1"/>
+            <a:r>
+              <a:rPr lang="en-US" dirty="0" err="1" smtClean="0"/>
+              <a:t>Lists.elm</a:t>
+            </a:r>
+            <a:endParaRPr lang="en-US" dirty="0" smtClean="0"/>
+          </a:p>
+          <a:p>
+            <a:pPr lvl="1"/>
+            <a:r>
+              <a:rPr lang="en-US" dirty="0" smtClean="0"/>
+              <a:t>Recursion: </a:t>
+            </a:r>
+            <a:r>
+              <a:rPr lang="en-US" dirty="0" err="1" smtClean="0"/>
+              <a:t>ListCases.elm</a:t>
+            </a:r>
+            <a:endParaRPr lang="en-US" dirty="0" smtClean="0"/>
+          </a:p>
+          <a:p>
+            <a:r>
+              <a:rPr lang="en-US" sz="3200" dirty="0" err="1" smtClean="0"/>
+              <a:t>Datatypes</a:t>
+            </a:r>
+            <a:r>
+              <a:rPr lang="en-US" sz="3200" dirty="0" smtClean="0"/>
+              <a:t> (Union types, records)</a:t>
+            </a:r>
+          </a:p>
+          <a:p>
+            <a:pPr lvl="1"/>
+            <a:r>
+              <a:rPr lang="en-US" dirty="0" err="1" smtClean="0"/>
+              <a:t>Money.elm</a:t>
+            </a:r>
+            <a:endParaRPr lang="en-US" dirty="0" smtClean="0"/>
+          </a:p>
+          <a:p>
+            <a:pPr lvl="1"/>
+            <a:r>
+              <a:rPr lang="en-US" dirty="0" err="1" smtClean="0"/>
+              <a:t>Movement.elm</a:t>
+            </a:r>
+            <a:endParaRPr lang="en-US" dirty="0" smtClean="0"/>
+          </a:p>
+          <a:p>
+            <a:r>
+              <a:rPr lang="en-US" sz="3200" dirty="0"/>
+              <a:t>Putting it all together: </a:t>
+            </a:r>
+            <a:r>
+              <a:rPr lang="en-US" sz="3200" dirty="0" err="1"/>
+              <a:t>ScoresAndLives.elm</a:t>
+            </a:r>
+            <a:endParaRPr lang="en-US" sz="3200" dirty="0"/>
+          </a:p>
+          <a:p>
+            <a:pPr lvl="1"/>
+            <a:endParaRPr lang="en-US" dirty="0"/>
           </a:p>
         </p:txBody>
       </p:sp>
